--- a/Progressive Web App/PWA.pptx
+++ b/Progressive Web App/PWA.pptx
@@ -4,9 +4,13 @@
   <p:sldMasterIdLst>
     <p:sldMasterId id="2147483660" r:id="rId1"/>
   </p:sldMasterIdLst>
+  <p:notesMasterIdLst>
+    <p:notesMasterId r:id="rId5"/>
+  </p:notesMasterIdLst>
   <p:sldIdLst>
     <p:sldId id="256" r:id="rId2"/>
     <p:sldId id="257" r:id="rId3"/>
+    <p:sldId id="258" r:id="rId4"/>
   </p:sldIdLst>
   <p:sldSz cx="12192000" cy="6858000"/>
   <p:notesSz cx="6858000" cy="9144000"/>
@@ -106,6 +110,439 @@
     </a:lvl9pPr>
   </p:defaultTextStyle>
 </p:presentation>
+</file>
+
+<file path=ppt/notesMasters/notesMaster1.xml><?xml version="1.0" encoding="utf-8"?>
+<p:notesMaster xmlns:a="http://schemas.openxmlformats.org/drawingml/2006/main" xmlns:r="http://schemas.openxmlformats.org/officeDocument/2006/relationships" xmlns:p="http://schemas.openxmlformats.org/presentationml/2006/main">
+  <p:cSld>
+    <p:bg>
+      <p:bgRef idx="1001">
+        <a:schemeClr val="bg1"/>
+      </p:bgRef>
+    </p:bg>
+    <p:spTree>
+      <p:nvGrpSpPr>
+        <p:cNvPr id="1" name=""/>
+        <p:cNvGrpSpPr/>
+        <p:nvPr/>
+      </p:nvGrpSpPr>
+      <p:grpSpPr>
+        <a:xfrm>
+          <a:off x="0" y="0"/>
+          <a:ext cx="0" cy="0"/>
+          <a:chOff x="0" y="0"/>
+          <a:chExt cx="0" cy="0"/>
+        </a:xfrm>
+      </p:grpSpPr>
+      <p:sp>
+        <p:nvSpPr>
+          <p:cNvPr id="2" name="Header Placeholder 1"/>
+          <p:cNvSpPr>
+            <a:spLocks noGrp="1"/>
+          </p:cNvSpPr>
+          <p:nvPr>
+            <p:ph type="hdr" sz="quarter"/>
+          </p:nvPr>
+        </p:nvSpPr>
+        <p:spPr>
+          <a:xfrm>
+            <a:off x="0" y="0"/>
+            <a:ext cx="2971800" cy="458788"/>
+          </a:xfrm>
+          <a:prstGeom prst="rect">
+            <a:avLst/>
+          </a:prstGeom>
+        </p:spPr>
+        <p:txBody>
+          <a:bodyPr vert="horz" lIns="91440" tIns="45720" rIns="91440" bIns="45720" rtlCol="0"/>
+          <a:lstStyle>
+            <a:lvl1pPr algn="l">
+              <a:defRPr sz="1200"/>
+            </a:lvl1pPr>
+          </a:lstStyle>
+          <a:p>
+            <a:endParaRPr lang="en-US"/>
+          </a:p>
+        </p:txBody>
+      </p:sp>
+      <p:sp>
+        <p:nvSpPr>
+          <p:cNvPr id="3" name="Date Placeholder 2"/>
+          <p:cNvSpPr>
+            <a:spLocks noGrp="1"/>
+          </p:cNvSpPr>
+          <p:nvPr>
+            <p:ph type="dt" idx="1"/>
+          </p:nvPr>
+        </p:nvSpPr>
+        <p:spPr>
+          <a:xfrm>
+            <a:off x="3884613" y="0"/>
+            <a:ext cx="2971800" cy="458788"/>
+          </a:xfrm>
+          <a:prstGeom prst="rect">
+            <a:avLst/>
+          </a:prstGeom>
+        </p:spPr>
+        <p:txBody>
+          <a:bodyPr vert="horz" lIns="91440" tIns="45720" rIns="91440" bIns="45720" rtlCol="0"/>
+          <a:lstStyle>
+            <a:lvl1pPr algn="r">
+              <a:defRPr sz="1200"/>
+            </a:lvl1pPr>
+          </a:lstStyle>
+          <a:p>
+            <a:fld id="{C72D6864-BB37-41A0-8C8D-E8C9E6E86ABA}" type="datetimeFigureOut">
+              <a:rPr lang="en-US" smtClean="0"/>
+              <a:t>11/5/2018</a:t>
+            </a:fld>
+            <a:endParaRPr lang="en-US"/>
+          </a:p>
+        </p:txBody>
+      </p:sp>
+      <p:sp>
+        <p:nvSpPr>
+          <p:cNvPr id="4" name="Slide Image Placeholder 3"/>
+          <p:cNvSpPr>
+            <a:spLocks noGrp="1" noRot="1" noChangeAspect="1"/>
+          </p:cNvSpPr>
+          <p:nvPr>
+            <p:ph type="sldImg" idx="2"/>
+          </p:nvPr>
+        </p:nvSpPr>
+        <p:spPr>
+          <a:xfrm>
+            <a:off x="685800" y="1143000"/>
+            <a:ext cx="5486400" cy="3086100"/>
+          </a:xfrm>
+          <a:prstGeom prst="rect">
+            <a:avLst/>
+          </a:prstGeom>
+          <a:noFill/>
+          <a:ln w="12700">
+            <a:solidFill>
+              <a:prstClr val="black"/>
+            </a:solidFill>
+          </a:ln>
+        </p:spPr>
+        <p:txBody>
+          <a:bodyPr vert="horz" lIns="91440" tIns="45720" rIns="91440" bIns="45720" rtlCol="0" anchor="ctr"/>
+          <a:lstStyle/>
+          <a:p>
+            <a:endParaRPr lang="en-US"/>
+          </a:p>
+        </p:txBody>
+      </p:sp>
+      <p:sp>
+        <p:nvSpPr>
+          <p:cNvPr id="5" name="Notes Placeholder 4"/>
+          <p:cNvSpPr>
+            <a:spLocks noGrp="1"/>
+          </p:cNvSpPr>
+          <p:nvPr>
+            <p:ph type="body" sz="quarter" idx="3"/>
+          </p:nvPr>
+        </p:nvSpPr>
+        <p:spPr>
+          <a:xfrm>
+            <a:off x="685800" y="4400550"/>
+            <a:ext cx="5486400" cy="3600450"/>
+          </a:xfrm>
+          <a:prstGeom prst="rect">
+            <a:avLst/>
+          </a:prstGeom>
+        </p:spPr>
+        <p:txBody>
+          <a:bodyPr vert="horz" lIns="91440" tIns="45720" rIns="91440" bIns="45720" rtlCol="0"/>
+          <a:lstStyle/>
+          <a:p>
+            <a:pPr lvl="0"/>
+            <a:r>
+              <a:rPr lang="en-US"/>
+              <a:t>Edit Master text styles</a:t>
+            </a:r>
+          </a:p>
+          <a:p>
+            <a:pPr lvl="1"/>
+            <a:r>
+              <a:rPr lang="en-US"/>
+              <a:t>Second level</a:t>
+            </a:r>
+          </a:p>
+          <a:p>
+            <a:pPr lvl="2"/>
+            <a:r>
+              <a:rPr lang="en-US"/>
+              <a:t>Third level</a:t>
+            </a:r>
+          </a:p>
+          <a:p>
+            <a:pPr lvl="3"/>
+            <a:r>
+              <a:rPr lang="en-US"/>
+              <a:t>Fourth level</a:t>
+            </a:r>
+          </a:p>
+          <a:p>
+            <a:pPr lvl="4"/>
+            <a:r>
+              <a:rPr lang="en-US"/>
+              <a:t>Fifth level</a:t>
+            </a:r>
+          </a:p>
+        </p:txBody>
+      </p:sp>
+      <p:sp>
+        <p:nvSpPr>
+          <p:cNvPr id="6" name="Footer Placeholder 5"/>
+          <p:cNvSpPr>
+            <a:spLocks noGrp="1"/>
+          </p:cNvSpPr>
+          <p:nvPr>
+            <p:ph type="ftr" sz="quarter" idx="4"/>
+          </p:nvPr>
+        </p:nvSpPr>
+        <p:spPr>
+          <a:xfrm>
+            <a:off x="0" y="8685213"/>
+            <a:ext cx="2971800" cy="458787"/>
+          </a:xfrm>
+          <a:prstGeom prst="rect">
+            <a:avLst/>
+          </a:prstGeom>
+        </p:spPr>
+        <p:txBody>
+          <a:bodyPr vert="horz" lIns="91440" tIns="45720" rIns="91440" bIns="45720" rtlCol="0" anchor="b"/>
+          <a:lstStyle>
+            <a:lvl1pPr algn="l">
+              <a:defRPr sz="1200"/>
+            </a:lvl1pPr>
+          </a:lstStyle>
+          <a:p>
+            <a:endParaRPr lang="en-US"/>
+          </a:p>
+        </p:txBody>
+      </p:sp>
+      <p:sp>
+        <p:nvSpPr>
+          <p:cNvPr id="7" name="Slide Number Placeholder 6"/>
+          <p:cNvSpPr>
+            <a:spLocks noGrp="1"/>
+          </p:cNvSpPr>
+          <p:nvPr>
+            <p:ph type="sldNum" sz="quarter" idx="5"/>
+          </p:nvPr>
+        </p:nvSpPr>
+        <p:spPr>
+          <a:xfrm>
+            <a:off x="3884613" y="8685213"/>
+            <a:ext cx="2971800" cy="458787"/>
+          </a:xfrm>
+          <a:prstGeom prst="rect">
+            <a:avLst/>
+          </a:prstGeom>
+        </p:spPr>
+        <p:txBody>
+          <a:bodyPr vert="horz" lIns="91440" tIns="45720" rIns="91440" bIns="45720" rtlCol="0" anchor="b"/>
+          <a:lstStyle>
+            <a:lvl1pPr algn="r">
+              <a:defRPr sz="1200"/>
+            </a:lvl1pPr>
+          </a:lstStyle>
+          <a:p>
+            <a:fld id="{B71B105F-8EFD-4E60-AE93-D514F46F1A8A}" type="slidenum">
+              <a:rPr lang="en-US" smtClean="0"/>
+              <a:t>‹#›</a:t>
+            </a:fld>
+            <a:endParaRPr lang="en-US"/>
+          </a:p>
+        </p:txBody>
+      </p:sp>
+    </p:spTree>
+    <p:extLst>
+      <p:ext uri="{BB962C8B-B14F-4D97-AF65-F5344CB8AC3E}">
+        <p14:creationId xmlns:p14="http://schemas.microsoft.com/office/powerpoint/2010/main" val="739038983"/>
+      </p:ext>
+    </p:extLst>
+  </p:cSld>
+  <p:clrMap bg1="lt1" tx1="dk1" bg2="lt2" tx2="dk2" accent1="accent1" accent2="accent2" accent3="accent3" accent4="accent4" accent5="accent5" accent6="accent6" hlink="hlink" folHlink="folHlink"/>
+  <p:notesStyle>
+    <a:lvl1pPr marL="0" algn="l" defTabSz="914400" rtl="0" eaLnBrk="1" latinLnBrk="0" hangingPunct="1">
+      <a:defRPr sz="1200" kern="1200">
+        <a:solidFill>
+          <a:schemeClr val="tx1"/>
+        </a:solidFill>
+        <a:latin typeface="+mn-lt"/>
+        <a:ea typeface="+mn-ea"/>
+        <a:cs typeface="+mn-cs"/>
+      </a:defRPr>
+    </a:lvl1pPr>
+    <a:lvl2pPr marL="457200" algn="l" defTabSz="914400" rtl="0" eaLnBrk="1" latinLnBrk="0" hangingPunct="1">
+      <a:defRPr sz="1200" kern="1200">
+        <a:solidFill>
+          <a:schemeClr val="tx1"/>
+        </a:solidFill>
+        <a:latin typeface="+mn-lt"/>
+        <a:ea typeface="+mn-ea"/>
+        <a:cs typeface="+mn-cs"/>
+      </a:defRPr>
+    </a:lvl2pPr>
+    <a:lvl3pPr marL="914400" algn="l" defTabSz="914400" rtl="0" eaLnBrk="1" latinLnBrk="0" hangingPunct="1">
+      <a:defRPr sz="1200" kern="1200">
+        <a:solidFill>
+          <a:schemeClr val="tx1"/>
+        </a:solidFill>
+        <a:latin typeface="+mn-lt"/>
+        <a:ea typeface="+mn-ea"/>
+        <a:cs typeface="+mn-cs"/>
+      </a:defRPr>
+    </a:lvl3pPr>
+    <a:lvl4pPr marL="1371600" algn="l" defTabSz="914400" rtl="0" eaLnBrk="1" latinLnBrk="0" hangingPunct="1">
+      <a:defRPr sz="1200" kern="1200">
+        <a:solidFill>
+          <a:schemeClr val="tx1"/>
+        </a:solidFill>
+        <a:latin typeface="+mn-lt"/>
+        <a:ea typeface="+mn-ea"/>
+        <a:cs typeface="+mn-cs"/>
+      </a:defRPr>
+    </a:lvl4pPr>
+    <a:lvl5pPr marL="1828800" algn="l" defTabSz="914400" rtl="0" eaLnBrk="1" latinLnBrk="0" hangingPunct="1">
+      <a:defRPr sz="1200" kern="1200">
+        <a:solidFill>
+          <a:schemeClr val="tx1"/>
+        </a:solidFill>
+        <a:latin typeface="+mn-lt"/>
+        <a:ea typeface="+mn-ea"/>
+        <a:cs typeface="+mn-cs"/>
+      </a:defRPr>
+    </a:lvl5pPr>
+    <a:lvl6pPr marL="2286000" algn="l" defTabSz="914400" rtl="0" eaLnBrk="1" latinLnBrk="0" hangingPunct="1">
+      <a:defRPr sz="1200" kern="1200">
+        <a:solidFill>
+          <a:schemeClr val="tx1"/>
+        </a:solidFill>
+        <a:latin typeface="+mn-lt"/>
+        <a:ea typeface="+mn-ea"/>
+        <a:cs typeface="+mn-cs"/>
+      </a:defRPr>
+    </a:lvl6pPr>
+    <a:lvl7pPr marL="2743200" algn="l" defTabSz="914400" rtl="0" eaLnBrk="1" latinLnBrk="0" hangingPunct="1">
+      <a:defRPr sz="1200" kern="1200">
+        <a:solidFill>
+          <a:schemeClr val="tx1"/>
+        </a:solidFill>
+        <a:latin typeface="+mn-lt"/>
+        <a:ea typeface="+mn-ea"/>
+        <a:cs typeface="+mn-cs"/>
+      </a:defRPr>
+    </a:lvl7pPr>
+    <a:lvl8pPr marL="3200400" algn="l" defTabSz="914400" rtl="0" eaLnBrk="1" latinLnBrk="0" hangingPunct="1">
+      <a:defRPr sz="1200" kern="1200">
+        <a:solidFill>
+          <a:schemeClr val="tx1"/>
+        </a:solidFill>
+        <a:latin typeface="+mn-lt"/>
+        <a:ea typeface="+mn-ea"/>
+        <a:cs typeface="+mn-cs"/>
+      </a:defRPr>
+    </a:lvl8pPr>
+    <a:lvl9pPr marL="3657600" algn="l" defTabSz="914400" rtl="0" eaLnBrk="1" latinLnBrk="0" hangingPunct="1">
+      <a:defRPr sz="1200" kern="1200">
+        <a:solidFill>
+          <a:schemeClr val="tx1"/>
+        </a:solidFill>
+        <a:latin typeface="+mn-lt"/>
+        <a:ea typeface="+mn-ea"/>
+        <a:cs typeface="+mn-cs"/>
+      </a:defRPr>
+    </a:lvl9pPr>
+  </p:notesStyle>
+</p:notesMaster>
+</file>
+
+<file path=ppt/notesSlides/notesSlide1.xml><?xml version="1.0" encoding="utf-8"?>
+<p:notes xmlns:a="http://schemas.openxmlformats.org/drawingml/2006/main" xmlns:r="http://schemas.openxmlformats.org/officeDocument/2006/relationships" xmlns:p="http://schemas.openxmlformats.org/presentationml/2006/main">
+  <p:cSld>
+    <p:spTree>
+      <p:nvGrpSpPr>
+        <p:cNvPr id="1" name=""/>
+        <p:cNvGrpSpPr/>
+        <p:nvPr/>
+      </p:nvGrpSpPr>
+      <p:grpSpPr>
+        <a:xfrm>
+          <a:off x="0" y="0"/>
+          <a:ext cx="0" cy="0"/>
+          <a:chOff x="0" y="0"/>
+          <a:chExt cx="0" cy="0"/>
+        </a:xfrm>
+      </p:grpSpPr>
+      <p:sp>
+        <p:nvSpPr>
+          <p:cNvPr id="2" name="Slide Image Placeholder 1"/>
+          <p:cNvSpPr>
+            <a:spLocks noGrp="1" noRot="1" noChangeAspect="1"/>
+          </p:cNvSpPr>
+          <p:nvPr>
+            <p:ph type="sldImg"/>
+          </p:nvPr>
+        </p:nvSpPr>
+        <p:spPr/>
+      </p:sp>
+      <p:sp>
+        <p:nvSpPr>
+          <p:cNvPr id="3" name="Notes Placeholder 2"/>
+          <p:cNvSpPr>
+            <a:spLocks noGrp="1"/>
+          </p:cNvSpPr>
+          <p:nvPr>
+            <p:ph type="body" idx="1"/>
+          </p:nvPr>
+        </p:nvSpPr>
+        <p:spPr/>
+        <p:txBody>
+          <a:bodyPr/>
+          <a:lstStyle/>
+          <a:p>
+            <a:endParaRPr lang="en-US"/>
+          </a:p>
+        </p:txBody>
+      </p:sp>
+      <p:sp>
+        <p:nvSpPr>
+          <p:cNvPr id="4" name="Slide Number Placeholder 3"/>
+          <p:cNvSpPr>
+            <a:spLocks noGrp="1"/>
+          </p:cNvSpPr>
+          <p:nvPr>
+            <p:ph type="sldNum" sz="quarter" idx="10"/>
+          </p:nvPr>
+        </p:nvSpPr>
+        <p:spPr/>
+        <p:txBody>
+          <a:bodyPr/>
+          <a:lstStyle/>
+          <a:p>
+            <a:fld id="{B71B105F-8EFD-4E60-AE93-D514F46F1A8A}" type="slidenum">
+              <a:rPr lang="en-US" smtClean="0"/>
+              <a:t>3</a:t>
+            </a:fld>
+            <a:endParaRPr lang="en-US"/>
+          </a:p>
+        </p:txBody>
+      </p:sp>
+    </p:spTree>
+    <p:extLst>
+      <p:ext uri="{BB962C8B-B14F-4D97-AF65-F5344CB8AC3E}">
+        <p14:creationId xmlns:p14="http://schemas.microsoft.com/office/powerpoint/2010/main" val="289626981"/>
+      </p:ext>
+    </p:extLst>
+  </p:cSld>
+  <p:clrMapOvr>
+    <a:masterClrMapping/>
+  </p:clrMapOvr>
+</p:notes>
 </file>
 
 <file path=ppt/slideLayouts/slideLayout1.xml><?xml version="1.0" encoding="utf-8"?>
@@ -5623,6 +6060,191 @@
 </p:sld>
 </file>
 
+<file path=ppt/slides/slide3.xml><?xml version="1.0" encoding="utf-8"?>
+<p:sld xmlns:a="http://schemas.openxmlformats.org/drawingml/2006/main" xmlns:r="http://schemas.openxmlformats.org/officeDocument/2006/relationships" xmlns:p="http://schemas.openxmlformats.org/presentationml/2006/main">
+  <p:cSld>
+    <p:spTree>
+      <p:nvGrpSpPr>
+        <p:cNvPr id="1" name=""/>
+        <p:cNvGrpSpPr/>
+        <p:nvPr/>
+      </p:nvGrpSpPr>
+      <p:grpSpPr>
+        <a:xfrm>
+          <a:off x="0" y="0"/>
+          <a:ext cx="0" cy="0"/>
+          <a:chOff x="0" y="0"/>
+          <a:chExt cx="0" cy="0"/>
+        </a:xfrm>
+      </p:grpSpPr>
+      <p:sp>
+        <p:nvSpPr>
+          <p:cNvPr id="2" name="Title 1">
+            <a:extLst>
+              <a:ext uri="{FF2B5EF4-FFF2-40B4-BE49-F238E27FC236}">
+                <a16:creationId xmlns:a16="http://schemas.microsoft.com/office/drawing/2014/main" id="{5B8E0E3C-7724-4C66-AFF5-DEE7E703DFD6}"/>
+              </a:ext>
+            </a:extLst>
+          </p:cNvPr>
+          <p:cNvSpPr>
+            <a:spLocks noGrp="1"/>
+          </p:cNvSpPr>
+          <p:nvPr>
+            <p:ph type="title"/>
+          </p:nvPr>
+        </p:nvSpPr>
+        <p:spPr/>
+        <p:txBody>
+          <a:bodyPr>
+            <a:normAutofit fontScale="90000"/>
+          </a:bodyPr>
+          <a:lstStyle/>
+          <a:p>
+            <a:r>
+              <a:rPr lang="en-US" dirty="0"/>
+              <a:t>What are Progressive Web App</a:t>
+            </a:r>
+            <a:br>
+              <a:rPr lang="en-US" dirty="0"/>
+            </a:br>
+            <a:r>
+              <a:rPr lang="en-US" dirty="0"/>
+              <a:t>Benefit of PWA</a:t>
+            </a:r>
+            <a:br>
+              <a:rPr lang="en-US" dirty="0"/>
+            </a:br>
+            <a:endParaRPr lang="en-US" dirty="0"/>
+          </a:p>
+        </p:txBody>
+      </p:sp>
+      <p:sp>
+        <p:nvSpPr>
+          <p:cNvPr id="3" name="Content Placeholder 2">
+            <a:extLst>
+              <a:ext uri="{FF2B5EF4-FFF2-40B4-BE49-F238E27FC236}">
+                <a16:creationId xmlns:a16="http://schemas.microsoft.com/office/drawing/2014/main" id="{4CC45F13-5C9B-49D4-8F3B-059D4CBDC62B}"/>
+              </a:ext>
+            </a:extLst>
+          </p:cNvPr>
+          <p:cNvSpPr>
+            <a:spLocks noGrp="1"/>
+          </p:cNvSpPr>
+          <p:nvPr>
+            <p:ph idx="1"/>
+          </p:nvPr>
+        </p:nvSpPr>
+        <p:spPr/>
+        <p:txBody>
+          <a:bodyPr>
+            <a:normAutofit lnSpcReduction="10000"/>
+          </a:bodyPr>
+          <a:lstStyle/>
+          <a:p>
+            <a:r>
+              <a:rPr lang="en-US" dirty="0">
+                <a:solidFill>
+                  <a:schemeClr val="tx1"/>
+                </a:solidFill>
+              </a:rPr>
+              <a:t>Progressive web app basically web app but use modern web capabilities to deliver an app-like experience to users</a:t>
+            </a:r>
+          </a:p>
+          <a:p>
+            <a:pPr marL="0" indent="0">
+              <a:buNone/>
+            </a:pPr>
+            <a:endParaRPr lang="en-US" dirty="0">
+              <a:solidFill>
+                <a:schemeClr val="tx1"/>
+              </a:solidFill>
+            </a:endParaRPr>
+          </a:p>
+          <a:p>
+            <a:pPr marL="0" indent="0">
+              <a:buNone/>
+            </a:pPr>
+            <a:r>
+              <a:rPr lang="en-US" dirty="0">
+                <a:solidFill>
+                  <a:schemeClr val="tx1"/>
+                </a:solidFill>
+              </a:rPr>
+              <a:t>Main benefit of PWA:</a:t>
+            </a:r>
+          </a:p>
+          <a:p>
+            <a:r>
+              <a:rPr lang="en-US" dirty="0">
+                <a:solidFill>
+                  <a:schemeClr val="tx1"/>
+                </a:solidFill>
+              </a:rPr>
+              <a:t>Offline Mode</a:t>
+            </a:r>
+          </a:p>
+          <a:p>
+            <a:r>
+              <a:rPr lang="en-US" dirty="0">
+                <a:solidFill>
+                  <a:schemeClr val="tx1"/>
+                </a:solidFill>
+              </a:rPr>
+              <a:t>App-like</a:t>
+            </a:r>
+          </a:p>
+          <a:p>
+            <a:r>
+              <a:rPr lang="en-US" dirty="0">
+                <a:solidFill>
+                  <a:schemeClr val="tx1"/>
+                </a:solidFill>
+              </a:rPr>
+              <a:t>Improved performance</a:t>
+            </a:r>
+          </a:p>
+          <a:p>
+            <a:r>
+              <a:rPr lang="en-US" dirty="0">
+                <a:solidFill>
+                  <a:schemeClr val="tx1"/>
+                </a:solidFill>
+              </a:rPr>
+              <a:t>Zero install</a:t>
+            </a:r>
+          </a:p>
+          <a:p>
+            <a:r>
+              <a:rPr lang="en-US" dirty="0">
+                <a:solidFill>
+                  <a:schemeClr val="tx1"/>
+                </a:solidFill>
+              </a:rPr>
+              <a:t>Use specific mobile feature (push notification)</a:t>
+            </a:r>
+          </a:p>
+          <a:p>
+            <a:endParaRPr lang="en-US" dirty="0">
+              <a:solidFill>
+                <a:schemeClr val="tx1"/>
+              </a:solidFill>
+            </a:endParaRPr>
+          </a:p>
+        </p:txBody>
+      </p:sp>
+    </p:spTree>
+    <p:extLst>
+      <p:ext uri="{BB962C8B-B14F-4D97-AF65-F5344CB8AC3E}">
+        <p14:creationId xmlns:p14="http://schemas.microsoft.com/office/powerpoint/2010/main" val="3984361368"/>
+      </p:ext>
+    </p:extLst>
+  </p:cSld>
+  <p:clrMapOvr>
+    <a:masterClrMapping/>
+  </p:clrMapOvr>
+</p:sld>
+</file>
+
 <file path=ppt/theme/theme1.xml><?xml version="1.0" encoding="utf-8"?>
 <a:theme xmlns:a="http://schemas.openxmlformats.org/drawingml/2006/main" name="Slice">
   <a:themeElements>
@@ -5895,4 +6517,299 @@
     </a:ext>
   </a:extLst>
 </a:theme>
+</file>
+
+<file path=ppt/theme/theme2.xml><?xml version="1.0" encoding="utf-8"?>
+<a:theme xmlns:a="http://schemas.openxmlformats.org/drawingml/2006/main" name="Office Theme">
+  <a:themeElements>
+    <a:clrScheme name="Office">
+      <a:dk1>
+        <a:sysClr val="windowText" lastClr="000000"/>
+      </a:dk1>
+      <a:lt1>
+        <a:sysClr val="window" lastClr="FFFFFF"/>
+      </a:lt1>
+      <a:dk2>
+        <a:srgbClr val="44546A"/>
+      </a:dk2>
+      <a:lt2>
+        <a:srgbClr val="E7E6E6"/>
+      </a:lt2>
+      <a:accent1>
+        <a:srgbClr val="4472C4"/>
+      </a:accent1>
+      <a:accent2>
+        <a:srgbClr val="ED7D31"/>
+      </a:accent2>
+      <a:accent3>
+        <a:srgbClr val="A5A5A5"/>
+      </a:accent3>
+      <a:accent4>
+        <a:srgbClr val="FFC000"/>
+      </a:accent4>
+      <a:accent5>
+        <a:srgbClr val="5B9BD5"/>
+      </a:accent5>
+      <a:accent6>
+        <a:srgbClr val="70AD47"/>
+      </a:accent6>
+      <a:hlink>
+        <a:srgbClr val="0563C1"/>
+      </a:hlink>
+      <a:folHlink>
+        <a:srgbClr val="954F72"/>
+      </a:folHlink>
+    </a:clrScheme>
+    <a:fontScheme name="Office">
+      <a:majorFont>
+        <a:latin typeface="Calibri Light" panose="020F0302020204030204"/>
+        <a:ea typeface=""/>
+        <a:cs typeface=""/>
+        <a:font script="Jpan" typeface="游ゴシック Light"/>
+        <a:font script="Hang" typeface="맑은 고딕"/>
+        <a:font script="Hans" typeface="等线 Light"/>
+        <a:font script="Hant" typeface="新細明體"/>
+        <a:font script="Arab" typeface="Times New Roman"/>
+        <a:font script="Hebr" typeface="Times New Roman"/>
+        <a:font script="Thai" typeface="Angsana New"/>
+        <a:font script="Ethi" typeface="Nyala"/>
+        <a:font script="Beng" typeface="Vrinda"/>
+        <a:font script="Gujr" typeface="Shruti"/>
+        <a:font script="Khmr" typeface="MoolBoran"/>
+        <a:font script="Knda" typeface="Tunga"/>
+        <a:font script="Guru" typeface="Raavi"/>
+        <a:font script="Cans" typeface="Euphemia"/>
+        <a:font script="Cher" typeface="Plantagenet Cherokee"/>
+        <a:font script="Yiii" typeface="Microsoft Yi Baiti"/>
+        <a:font script="Tibt" typeface="Microsoft Himalaya"/>
+        <a:font script="Thaa" typeface="MV Boli"/>
+        <a:font script="Deva" typeface="Mangal"/>
+        <a:font script="Telu" typeface="Gautami"/>
+        <a:font script="Taml" typeface="Latha"/>
+        <a:font script="Syrc" typeface="Estrangelo Edessa"/>
+        <a:font script="Orya" typeface="Kalinga"/>
+        <a:font script="Mlym" typeface="Kartika"/>
+        <a:font script="Laoo" typeface="DokChampa"/>
+        <a:font script="Sinh" typeface="Iskoola Pota"/>
+        <a:font script="Mong" typeface="Mongolian Baiti"/>
+        <a:font script="Viet" typeface="Times New Roman"/>
+        <a:font script="Uigh" typeface="Microsoft Uighur"/>
+        <a:font script="Geor" typeface="Sylfaen"/>
+        <a:font script="Armn" typeface="Arial"/>
+        <a:font script="Bugi" typeface="Leelawadee UI"/>
+        <a:font script="Bopo" typeface="Microsoft JhengHei"/>
+        <a:font script="Java" typeface="Javanese Text"/>
+        <a:font script="Lisu" typeface="Segoe UI"/>
+        <a:font script="Mymr" typeface="Myanmar Text"/>
+        <a:font script="Nkoo" typeface="Ebrima"/>
+        <a:font script="Olck" typeface="Nirmala UI"/>
+        <a:font script="Osma" typeface="Ebrima"/>
+        <a:font script="Phag" typeface="Phagspa"/>
+        <a:font script="Syrn" typeface="Estrangelo Edessa"/>
+        <a:font script="Syrj" typeface="Estrangelo Edessa"/>
+        <a:font script="Syre" typeface="Estrangelo Edessa"/>
+        <a:font script="Sora" typeface="Nirmala UI"/>
+        <a:font script="Tale" typeface="Microsoft Tai Le"/>
+        <a:font script="Talu" typeface="Microsoft New Tai Lue"/>
+        <a:font script="Tfng" typeface="Ebrima"/>
+      </a:majorFont>
+      <a:minorFont>
+        <a:latin typeface="Calibri" panose="020F0502020204030204"/>
+        <a:ea typeface=""/>
+        <a:cs typeface=""/>
+        <a:font script="Jpan" typeface="游ゴシック"/>
+        <a:font script="Hang" typeface="맑은 고딕"/>
+        <a:font script="Hans" typeface="等线"/>
+        <a:font script="Hant" typeface="新細明體"/>
+        <a:font script="Arab" typeface="Arial"/>
+        <a:font script="Hebr" typeface="Arial"/>
+        <a:font script="Thai" typeface="Cordia New"/>
+        <a:font script="Ethi" typeface="Nyala"/>
+        <a:font script="Beng" typeface="Vrinda"/>
+        <a:font script="Gujr" typeface="Shruti"/>
+        <a:font script="Khmr" typeface="DaunPenh"/>
+        <a:font script="Knda" typeface="Tunga"/>
+        <a:font script="Guru" typeface="Raavi"/>
+        <a:font script="Cans" typeface="Euphemia"/>
+        <a:font script="Cher" typeface="Plantagenet Cherokee"/>
+        <a:font script="Yiii" typeface="Microsoft Yi Baiti"/>
+        <a:font script="Tibt" typeface="Microsoft Himalaya"/>
+        <a:font script="Thaa" typeface="MV Boli"/>
+        <a:font script="Deva" typeface="Mangal"/>
+        <a:font script="Telu" typeface="Gautami"/>
+        <a:font script="Taml" typeface="Latha"/>
+        <a:font script="Syrc" typeface="Estrangelo Edessa"/>
+        <a:font script="Orya" typeface="Kalinga"/>
+        <a:font script="Mlym" typeface="Kartika"/>
+        <a:font script="Laoo" typeface="DokChampa"/>
+        <a:font script="Sinh" typeface="Iskoola Pota"/>
+        <a:font script="Mong" typeface="Mongolian Baiti"/>
+        <a:font script="Viet" typeface="Arial"/>
+        <a:font script="Uigh" typeface="Microsoft Uighur"/>
+        <a:font script="Geor" typeface="Sylfaen"/>
+        <a:font script="Armn" typeface="Arial"/>
+        <a:font script="Bugi" typeface="Leelawadee UI"/>
+        <a:font script="Bopo" typeface="Microsoft JhengHei"/>
+        <a:font script="Java" typeface="Javanese Text"/>
+        <a:font script="Lisu" typeface="Segoe UI"/>
+        <a:font script="Mymr" typeface="Myanmar Text"/>
+        <a:font script="Nkoo" typeface="Ebrima"/>
+        <a:font script="Olck" typeface="Nirmala UI"/>
+        <a:font script="Osma" typeface="Ebrima"/>
+        <a:font script="Phag" typeface="Phagspa"/>
+        <a:font script="Syrn" typeface="Estrangelo Edessa"/>
+        <a:font script="Syrj" typeface="Estrangelo Edessa"/>
+        <a:font script="Syre" typeface="Estrangelo Edessa"/>
+        <a:font script="Sora" typeface="Nirmala UI"/>
+        <a:font script="Tale" typeface="Microsoft Tai Le"/>
+        <a:font script="Talu" typeface="Microsoft New Tai Lue"/>
+        <a:font script="Tfng" typeface="Ebrima"/>
+      </a:minorFont>
+    </a:fontScheme>
+    <a:fmtScheme name="Office">
+      <a:fillStyleLst>
+        <a:solidFill>
+          <a:schemeClr val="phClr"/>
+        </a:solidFill>
+        <a:gradFill rotWithShape="1">
+          <a:gsLst>
+            <a:gs pos="0">
+              <a:schemeClr val="phClr">
+                <a:lumMod val="110000"/>
+                <a:satMod val="105000"/>
+                <a:tint val="67000"/>
+              </a:schemeClr>
+            </a:gs>
+            <a:gs pos="50000">
+              <a:schemeClr val="phClr">
+                <a:lumMod val="105000"/>
+                <a:satMod val="103000"/>
+                <a:tint val="73000"/>
+              </a:schemeClr>
+            </a:gs>
+            <a:gs pos="100000">
+              <a:schemeClr val="phClr">
+                <a:lumMod val="105000"/>
+                <a:satMod val="109000"/>
+                <a:tint val="81000"/>
+              </a:schemeClr>
+            </a:gs>
+          </a:gsLst>
+          <a:lin ang="5400000" scaled="0"/>
+        </a:gradFill>
+        <a:gradFill rotWithShape="1">
+          <a:gsLst>
+            <a:gs pos="0">
+              <a:schemeClr val="phClr">
+                <a:satMod val="103000"/>
+                <a:lumMod val="102000"/>
+                <a:tint val="94000"/>
+              </a:schemeClr>
+            </a:gs>
+            <a:gs pos="50000">
+              <a:schemeClr val="phClr">
+                <a:satMod val="110000"/>
+                <a:lumMod val="100000"/>
+                <a:shade val="100000"/>
+              </a:schemeClr>
+            </a:gs>
+            <a:gs pos="100000">
+              <a:schemeClr val="phClr">
+                <a:lumMod val="99000"/>
+                <a:satMod val="120000"/>
+                <a:shade val="78000"/>
+              </a:schemeClr>
+            </a:gs>
+          </a:gsLst>
+          <a:lin ang="5400000" scaled="0"/>
+        </a:gradFill>
+      </a:fillStyleLst>
+      <a:lnStyleLst>
+        <a:ln w="6350" cap="flat" cmpd="sng" algn="ctr">
+          <a:solidFill>
+            <a:schemeClr val="phClr"/>
+          </a:solidFill>
+          <a:prstDash val="solid"/>
+          <a:miter lim="800000"/>
+        </a:ln>
+        <a:ln w="12700" cap="flat" cmpd="sng" algn="ctr">
+          <a:solidFill>
+            <a:schemeClr val="phClr"/>
+          </a:solidFill>
+          <a:prstDash val="solid"/>
+          <a:miter lim="800000"/>
+        </a:ln>
+        <a:ln w="19050" cap="flat" cmpd="sng" algn="ctr">
+          <a:solidFill>
+            <a:schemeClr val="phClr"/>
+          </a:solidFill>
+          <a:prstDash val="solid"/>
+          <a:miter lim="800000"/>
+        </a:ln>
+      </a:lnStyleLst>
+      <a:effectStyleLst>
+        <a:effectStyle>
+          <a:effectLst/>
+        </a:effectStyle>
+        <a:effectStyle>
+          <a:effectLst/>
+        </a:effectStyle>
+        <a:effectStyle>
+          <a:effectLst>
+            <a:outerShdw blurRad="57150" dist="19050" dir="5400000" algn="ctr" rotWithShape="0">
+              <a:srgbClr val="000000">
+                <a:alpha val="63000"/>
+              </a:srgbClr>
+            </a:outerShdw>
+          </a:effectLst>
+        </a:effectStyle>
+      </a:effectStyleLst>
+      <a:bgFillStyleLst>
+        <a:solidFill>
+          <a:schemeClr val="phClr"/>
+        </a:solidFill>
+        <a:solidFill>
+          <a:schemeClr val="phClr">
+            <a:tint val="95000"/>
+            <a:satMod val="170000"/>
+          </a:schemeClr>
+        </a:solidFill>
+        <a:gradFill rotWithShape="1">
+          <a:gsLst>
+            <a:gs pos="0">
+              <a:schemeClr val="phClr">
+                <a:tint val="93000"/>
+                <a:satMod val="150000"/>
+                <a:shade val="98000"/>
+                <a:lumMod val="102000"/>
+              </a:schemeClr>
+            </a:gs>
+            <a:gs pos="50000">
+              <a:schemeClr val="phClr">
+                <a:tint val="98000"/>
+                <a:satMod val="130000"/>
+                <a:shade val="90000"/>
+                <a:lumMod val="103000"/>
+              </a:schemeClr>
+            </a:gs>
+            <a:gs pos="100000">
+              <a:schemeClr val="phClr">
+                <a:shade val="63000"/>
+                <a:satMod val="120000"/>
+              </a:schemeClr>
+            </a:gs>
+          </a:gsLst>
+          <a:lin ang="5400000" scaled="0"/>
+        </a:gradFill>
+      </a:bgFillStyleLst>
+    </a:fmtScheme>
+  </a:themeElements>
+  <a:objectDefaults/>
+  <a:extraClrSchemeLst/>
+  <a:extLst>
+    <a:ext uri="{05A4C25C-085E-4340-85A3-A5531E510DB2}">
+      <thm15:themeFamily xmlns:thm15="http://schemas.microsoft.com/office/thememl/2012/main" name="Office Theme" id="{62F939B6-93AF-4DB8-9C6B-D6C7DFDC589F}" vid="{4A3C46E8-61CC-4603-A589-7422A47A8E4A}"/>
+    </a:ext>
+  </a:extLst>
+</a:theme>
 </file>
--- a/Progressive Web App/PWA.pptx
+++ b/Progressive Web App/PWA.pptx
@@ -5,12 +5,13 @@
     <p:sldMasterId id="2147483660" r:id="rId1"/>
   </p:sldMasterIdLst>
   <p:notesMasterIdLst>
-    <p:notesMasterId r:id="rId5"/>
+    <p:notesMasterId r:id="rId6"/>
   </p:notesMasterIdLst>
   <p:sldIdLst>
     <p:sldId id="256" r:id="rId2"/>
     <p:sldId id="257" r:id="rId3"/>
     <p:sldId id="258" r:id="rId4"/>
+    <p:sldId id="259" r:id="rId5"/>
   </p:sldIdLst>
   <p:sldSz cx="12192000" cy="6858000"/>
   <p:notesSz cx="6858000" cy="9144000"/>
@@ -505,7 +506,7 @@
           <a:bodyPr/>
           <a:lstStyle/>
           <a:p>
-            <a:endParaRPr lang="en-US"/>
+            <a:endParaRPr lang="en-US" dirty="0"/>
           </a:p>
         </p:txBody>
       </p:sp>
@@ -6236,6 +6237,146 @@
     <p:extLst>
       <p:ext uri="{BB962C8B-B14F-4D97-AF65-F5344CB8AC3E}">
         <p14:creationId xmlns:p14="http://schemas.microsoft.com/office/powerpoint/2010/main" val="3984361368"/>
+      </p:ext>
+    </p:extLst>
+  </p:cSld>
+  <p:clrMapOvr>
+    <a:masterClrMapping/>
+  </p:clrMapOvr>
+</p:sld>
+</file>
+
+<file path=ppt/slides/slide4.xml><?xml version="1.0" encoding="utf-8"?>
+<p:sld xmlns:a="http://schemas.openxmlformats.org/drawingml/2006/main" xmlns:r="http://schemas.openxmlformats.org/officeDocument/2006/relationships" xmlns:p="http://schemas.openxmlformats.org/presentationml/2006/main">
+  <p:cSld>
+    <p:spTree>
+      <p:nvGrpSpPr>
+        <p:cNvPr id="1" name=""/>
+        <p:cNvGrpSpPr/>
+        <p:nvPr/>
+      </p:nvGrpSpPr>
+      <p:grpSpPr>
+        <a:xfrm>
+          <a:off x="0" y="0"/>
+          <a:ext cx="0" cy="0"/>
+          <a:chOff x="0" y="0"/>
+          <a:chExt cx="0" cy="0"/>
+        </a:xfrm>
+      </p:grpSpPr>
+      <p:sp>
+        <p:nvSpPr>
+          <p:cNvPr id="2" name="Title 1">
+            <a:extLst>
+              <a:ext uri="{FF2B5EF4-FFF2-40B4-BE49-F238E27FC236}">
+                <a16:creationId xmlns:a16="http://schemas.microsoft.com/office/drawing/2014/main" id="{FD1776FB-59EC-4639-A7DF-71C67569EBF1}"/>
+              </a:ext>
+            </a:extLst>
+          </p:cNvPr>
+          <p:cNvSpPr>
+            <a:spLocks noGrp="1"/>
+          </p:cNvSpPr>
+          <p:nvPr>
+            <p:ph type="title"/>
+          </p:nvPr>
+        </p:nvSpPr>
+        <p:spPr/>
+        <p:txBody>
+          <a:bodyPr/>
+          <a:lstStyle/>
+          <a:p>
+            <a:r>
+              <a:rPr lang="en-US" dirty="0"/>
+              <a:t>Tool to build </a:t>
+            </a:r>
+            <a:r>
+              <a:rPr lang="en-US" dirty="0" err="1"/>
+              <a:t>pwa</a:t>
+            </a:r>
+            <a:endParaRPr lang="en-US" dirty="0"/>
+          </a:p>
+        </p:txBody>
+      </p:sp>
+      <p:sp>
+        <p:nvSpPr>
+          <p:cNvPr id="3" name="Content Placeholder 2">
+            <a:extLst>
+              <a:ext uri="{FF2B5EF4-FFF2-40B4-BE49-F238E27FC236}">
+                <a16:creationId xmlns:a16="http://schemas.microsoft.com/office/drawing/2014/main" id="{04FF6E83-715A-4753-898C-0F8BC4606043}"/>
+              </a:ext>
+            </a:extLst>
+          </p:cNvPr>
+          <p:cNvSpPr>
+            <a:spLocks noGrp="1"/>
+          </p:cNvSpPr>
+          <p:nvPr>
+            <p:ph idx="1"/>
+          </p:nvPr>
+        </p:nvSpPr>
+        <p:spPr/>
+        <p:txBody>
+          <a:bodyPr/>
+          <a:lstStyle/>
+          <a:p>
+            <a:r>
+              <a:rPr lang="en-US" dirty="0">
+                <a:solidFill>
+                  <a:schemeClr val="tx1"/>
+                </a:solidFill>
+              </a:rPr>
+              <a:t>Ionic </a:t>
+            </a:r>
+          </a:p>
+          <a:p>
+            <a:r>
+              <a:rPr lang="en-US" dirty="0">
+                <a:solidFill>
+                  <a:schemeClr val="tx1"/>
+                </a:solidFill>
+              </a:rPr>
+              <a:t>React Native</a:t>
+            </a:r>
+          </a:p>
+          <a:p>
+            <a:r>
+              <a:rPr lang="en-US" dirty="0">
+                <a:solidFill>
+                  <a:schemeClr val="tx1"/>
+                </a:solidFill>
+              </a:rPr>
+              <a:t>AMP (Accelerated Mobile Pages)</a:t>
+            </a:r>
+          </a:p>
+          <a:p>
+            <a:r>
+              <a:rPr lang="en-US" dirty="0">
+                <a:solidFill>
+                  <a:schemeClr val="tx1"/>
+                </a:solidFill>
+              </a:rPr>
+              <a:t>Polymer</a:t>
+            </a:r>
+          </a:p>
+          <a:p>
+            <a:r>
+              <a:rPr lang="en-US">
+                <a:solidFill>
+                  <a:schemeClr val="tx1"/>
+                </a:solidFill>
+              </a:rPr>
+              <a:t>Meteor</a:t>
+            </a:r>
+            <a:endParaRPr lang="en-US" dirty="0">
+              <a:solidFill>
+                <a:schemeClr val="tx1"/>
+              </a:solidFill>
+            </a:endParaRPr>
+          </a:p>
+        </p:txBody>
+      </p:sp>
+    </p:spTree>
+    <p:extLst>
+      <p:ext uri="{BB962C8B-B14F-4D97-AF65-F5344CB8AC3E}">
+        <p14:creationId xmlns:p14="http://schemas.microsoft.com/office/powerpoint/2010/main" val="2817356377"/>
       </p:ext>
     </p:extLst>
   </p:cSld>

--- a/Progressive Web App/PWA.pptx
+++ b/Progressive Web App/PWA.pptx
@@ -5,13 +5,14 @@
     <p:sldMasterId id="2147483660" r:id="rId1"/>
   </p:sldMasterIdLst>
   <p:notesMasterIdLst>
-    <p:notesMasterId r:id="rId6"/>
+    <p:notesMasterId r:id="rId7"/>
   </p:notesMasterIdLst>
   <p:sldIdLst>
     <p:sldId id="256" r:id="rId2"/>
     <p:sldId id="257" r:id="rId3"/>
     <p:sldId id="258" r:id="rId4"/>
     <p:sldId id="259" r:id="rId5"/>
+    <p:sldId id="260" r:id="rId6"/>
   </p:sldIdLst>
   <p:sldSz cx="12192000" cy="6858000"/>
   <p:notesSz cx="6858000" cy="9144000"/>
@@ -6038,6 +6039,22 @@
                   <a:schemeClr val="tx1"/>
                 </a:solidFill>
               </a:rPr>
+              <a:t>IndexDB</a:t>
+            </a:r>
+            <a:r>
+              <a:rPr lang="en-US" dirty="0">
+                <a:solidFill>
+                  <a:schemeClr val="tx1"/>
+                </a:solidFill>
+              </a:rPr>
+              <a:t>, </a:t>
+            </a:r>
+            <a:r>
+              <a:rPr lang="en-US" dirty="0" err="1">
+                <a:solidFill>
+                  <a:schemeClr val="tx1"/>
+                </a:solidFill>
+              </a:rPr>
               <a:t>BackgroundSync</a:t>
             </a:r>
             <a:endParaRPr lang="en-US" dirty="0">
@@ -6175,6 +6192,10 @@
             </a:r>
           </a:p>
           <a:p>
+            <a:pPr marL="457200" indent="-457200">
+              <a:buFont typeface="+mj-lt"/>
+              <a:buAutoNum type="arabicPeriod"/>
+            </a:pPr>
             <a:r>
               <a:rPr lang="en-US" dirty="0">
                 <a:solidFill>
@@ -6185,6 +6206,10 @@
             </a:r>
           </a:p>
           <a:p>
+            <a:pPr marL="457200" indent="-457200">
+              <a:buFont typeface="+mj-lt"/>
+              <a:buAutoNum type="arabicPeriod"/>
+            </a:pPr>
             <a:r>
               <a:rPr lang="en-US" dirty="0">
                 <a:solidFill>
@@ -6195,6 +6220,10 @@
             </a:r>
           </a:p>
           <a:p>
+            <a:pPr marL="457200" indent="-457200">
+              <a:buFont typeface="+mj-lt"/>
+              <a:buAutoNum type="arabicPeriod"/>
+            </a:pPr>
             <a:r>
               <a:rPr lang="en-US" dirty="0">
                 <a:solidFill>
@@ -6205,6 +6234,10 @@
             </a:r>
           </a:p>
           <a:p>
+            <a:pPr marL="457200" indent="-457200">
+              <a:buFont typeface="+mj-lt"/>
+              <a:buAutoNum type="arabicPeriod"/>
+            </a:pPr>
             <a:r>
               <a:rPr lang="en-US" dirty="0">
                 <a:solidFill>
@@ -6215,6 +6248,10 @@
             </a:r>
           </a:p>
           <a:p>
+            <a:pPr marL="457200" indent="-457200">
+              <a:buFont typeface="+mj-lt"/>
+              <a:buAutoNum type="arabicPeriod"/>
+            </a:pPr>
             <a:r>
               <a:rPr lang="en-US" dirty="0">
                 <a:solidFill>
@@ -6358,25 +6395,277 @@
           </a:p>
           <a:p>
             <a:r>
-              <a:rPr lang="en-US">
+              <a:rPr lang="en-US" dirty="0">
                 <a:solidFill>
                   <a:schemeClr val="tx1"/>
                 </a:solidFill>
               </a:rPr>
               <a:t>Meteor</a:t>
             </a:r>
+          </a:p>
+        </p:txBody>
+      </p:sp>
+    </p:spTree>
+    <p:extLst>
+      <p:ext uri="{BB962C8B-B14F-4D97-AF65-F5344CB8AC3E}">
+        <p14:creationId xmlns:p14="http://schemas.microsoft.com/office/powerpoint/2010/main" val="2817356377"/>
+      </p:ext>
+    </p:extLst>
+  </p:cSld>
+  <p:clrMapOvr>
+    <a:masterClrMapping/>
+  </p:clrMapOvr>
+</p:sld>
+</file>
+
+<file path=ppt/slides/slide5.xml><?xml version="1.0" encoding="utf-8"?>
+<p:sld xmlns:a="http://schemas.openxmlformats.org/drawingml/2006/main" xmlns:r="http://schemas.openxmlformats.org/officeDocument/2006/relationships" xmlns:p="http://schemas.openxmlformats.org/presentationml/2006/main">
+  <p:cSld>
+    <p:spTree>
+      <p:nvGrpSpPr>
+        <p:cNvPr id="1" name=""/>
+        <p:cNvGrpSpPr/>
+        <p:nvPr/>
+      </p:nvGrpSpPr>
+      <p:grpSpPr>
+        <a:xfrm>
+          <a:off x="0" y="0"/>
+          <a:ext cx="0" cy="0"/>
+          <a:chOff x="0" y="0"/>
+          <a:chExt cx="0" cy="0"/>
+        </a:xfrm>
+      </p:grpSpPr>
+      <p:sp>
+        <p:nvSpPr>
+          <p:cNvPr id="2" name="Title 1">
+            <a:extLst>
+              <a:ext uri="{FF2B5EF4-FFF2-40B4-BE49-F238E27FC236}">
+                <a16:creationId xmlns:a16="http://schemas.microsoft.com/office/drawing/2014/main" id="{5998A157-FCD1-4C27-8F6E-F674ED02688B}"/>
+              </a:ext>
+            </a:extLst>
+          </p:cNvPr>
+          <p:cNvSpPr>
+            <a:spLocks noGrp="1"/>
+          </p:cNvSpPr>
+          <p:nvPr>
+            <p:ph type="title"/>
+          </p:nvPr>
+        </p:nvSpPr>
+        <p:spPr>
+          <a:xfrm>
+            <a:off x="542169" y="5350933"/>
+            <a:ext cx="8534400" cy="1507067"/>
+          </a:xfrm>
+        </p:spPr>
+        <p:txBody>
+          <a:bodyPr/>
+          <a:lstStyle/>
+          <a:p>
+            <a:r>
+              <a:rPr lang="en-US" dirty="0"/>
+              <a:t>Service worker</a:t>
+            </a:r>
+          </a:p>
+        </p:txBody>
+      </p:sp>
+      <p:sp>
+        <p:nvSpPr>
+          <p:cNvPr id="3" name="Content Placeholder 2">
+            <a:extLst>
+              <a:ext uri="{FF2B5EF4-FFF2-40B4-BE49-F238E27FC236}">
+                <a16:creationId xmlns:a16="http://schemas.microsoft.com/office/drawing/2014/main" id="{267068F6-BE1B-4F5F-92E0-84E8573583EA}"/>
+              </a:ext>
+            </a:extLst>
+          </p:cNvPr>
+          <p:cNvSpPr>
+            <a:spLocks noGrp="1"/>
+          </p:cNvSpPr>
+          <p:nvPr>
+            <p:ph idx="1"/>
+          </p:nvPr>
+        </p:nvSpPr>
+        <p:spPr>
+          <a:xfrm>
+            <a:off x="684212" y="685800"/>
+            <a:ext cx="8534400" cy="5182340"/>
+          </a:xfrm>
+        </p:spPr>
+        <p:txBody>
+          <a:bodyPr>
+            <a:normAutofit fontScale="85000" lnSpcReduction="20000"/>
+          </a:bodyPr>
+          <a:lstStyle/>
+          <a:p>
             <a:endParaRPr lang="en-US" dirty="0">
               <a:solidFill>
                 <a:schemeClr val="tx1"/>
               </a:solidFill>
             </a:endParaRPr>
           </a:p>
+          <a:p>
+            <a:r>
+              <a:rPr lang="en-US" dirty="0">
+                <a:solidFill>
+                  <a:schemeClr val="tx1"/>
+                </a:solidFill>
+              </a:rPr>
+              <a:t>Service worker is a script that browser runs in the background, completely separate from web page and don’t need user interaction</a:t>
+            </a:r>
+          </a:p>
+          <a:p>
+            <a:pPr marL="0" indent="0">
+              <a:buNone/>
+            </a:pPr>
+            <a:endParaRPr lang="en-US" dirty="0">
+              <a:solidFill>
+                <a:schemeClr val="tx1"/>
+              </a:solidFill>
+            </a:endParaRPr>
+          </a:p>
+          <a:p>
+            <a:r>
+              <a:rPr lang="en-US" dirty="0">
+                <a:solidFill>
+                  <a:schemeClr val="tx1"/>
+                </a:solidFill>
+              </a:rPr>
+              <a:t>Service worker characteristic:</a:t>
+            </a:r>
+          </a:p>
+          <a:p>
+            <a:pPr marL="457200" indent="-457200">
+              <a:buFont typeface="+mj-lt"/>
+              <a:buAutoNum type="arabicPeriod"/>
+            </a:pPr>
+            <a:r>
+              <a:rPr lang="en-US" dirty="0">
+                <a:solidFill>
+                  <a:schemeClr val="tx1"/>
+                </a:solidFill>
+              </a:rPr>
+              <a:t>It's a JavaScript Worker, so it can't access the DOM directly. Instead, a service worker can communicate with the pages it controls by responding to messages sent via the </a:t>
+            </a:r>
+            <a:r>
+              <a:rPr lang="en-US" dirty="0" err="1">
+                <a:solidFill>
+                  <a:schemeClr val="tx1"/>
+                </a:solidFill>
+              </a:rPr>
+              <a:t>postMessage</a:t>
+            </a:r>
+            <a:r>
+              <a:rPr lang="en-US" dirty="0">
+                <a:solidFill>
+                  <a:schemeClr val="tx1"/>
+                </a:solidFill>
+              </a:rPr>
+              <a:t> interface, and those pages can manipulate the DOM if needed.</a:t>
+            </a:r>
+          </a:p>
+          <a:p>
+            <a:pPr marL="457200" indent="-457200">
+              <a:buFont typeface="+mj-lt"/>
+              <a:buAutoNum type="arabicPeriod"/>
+            </a:pPr>
+            <a:endParaRPr lang="en-US" dirty="0">
+              <a:solidFill>
+                <a:schemeClr val="tx1"/>
+              </a:solidFill>
+            </a:endParaRPr>
+          </a:p>
+          <a:p>
+            <a:pPr marL="457200" indent="-457200">
+              <a:buFont typeface="+mj-lt"/>
+              <a:buAutoNum type="arabicPeriod"/>
+            </a:pPr>
+            <a:r>
+              <a:rPr lang="en-US" dirty="0">
+                <a:solidFill>
+                  <a:schemeClr val="tx1"/>
+                </a:solidFill>
+              </a:rPr>
+              <a:t>Service worker allowing you to control how network requests from your page are handled.</a:t>
+            </a:r>
+          </a:p>
+          <a:p>
+            <a:pPr marL="457200" indent="-457200">
+              <a:buFont typeface="+mj-lt"/>
+              <a:buAutoNum type="arabicPeriod"/>
+            </a:pPr>
+            <a:endParaRPr lang="en-US" dirty="0">
+              <a:solidFill>
+                <a:schemeClr val="tx1"/>
+              </a:solidFill>
+            </a:endParaRPr>
+          </a:p>
+          <a:p>
+            <a:pPr marL="457200" indent="-457200">
+              <a:buFont typeface="+mj-lt"/>
+              <a:buAutoNum type="arabicPeriod"/>
+            </a:pPr>
+            <a:r>
+              <a:rPr lang="en-US" dirty="0">
+                <a:solidFill>
+                  <a:schemeClr val="tx1"/>
+                </a:solidFill>
+              </a:rPr>
+              <a:t>It's terminated when not in use, and restarted when it's next needed. If there is information that you need to persist and reuse across restarts, service workers do have access to the </a:t>
+            </a:r>
+            <a:r>
+              <a:rPr lang="en-US" dirty="0" err="1">
+                <a:solidFill>
+                  <a:schemeClr val="tx1"/>
+                </a:solidFill>
+              </a:rPr>
+              <a:t>IndexedDB</a:t>
+            </a:r>
+            <a:r>
+              <a:rPr lang="en-US" dirty="0">
+                <a:solidFill>
+                  <a:schemeClr val="tx1"/>
+                </a:solidFill>
+              </a:rPr>
+              <a:t> API.</a:t>
+            </a:r>
+          </a:p>
+          <a:p>
+            <a:pPr marL="457200" indent="-457200">
+              <a:buFont typeface="+mj-lt"/>
+              <a:buAutoNum type="arabicPeriod"/>
+            </a:pPr>
+            <a:endParaRPr lang="en-US" dirty="0">
+              <a:solidFill>
+                <a:schemeClr val="tx1"/>
+              </a:solidFill>
+            </a:endParaRPr>
+          </a:p>
+          <a:p>
+            <a:pPr marL="457200" indent="-457200">
+              <a:buFont typeface="+mj-lt"/>
+              <a:buAutoNum type="arabicPeriod"/>
+            </a:pPr>
+            <a:r>
+              <a:rPr lang="en-US" dirty="0">
+                <a:solidFill>
+                  <a:schemeClr val="tx1"/>
+                </a:solidFill>
+              </a:rPr>
+              <a:t>Service workers make extensive use of promises</a:t>
+            </a:r>
+          </a:p>
+          <a:p>
+            <a:endParaRPr lang="en-US" dirty="0">
+              <a:solidFill>
+                <a:schemeClr val="tx1"/>
+              </a:solidFill>
+            </a:endParaRPr>
+          </a:p>
         </p:txBody>
       </p:sp>
     </p:spTree>
     <p:extLst>
       <p:ext uri="{BB962C8B-B14F-4D97-AF65-F5344CB8AC3E}">
-        <p14:creationId xmlns:p14="http://schemas.microsoft.com/office/powerpoint/2010/main" val="2817356377"/>
+        <p14:creationId xmlns:p14="http://schemas.microsoft.com/office/powerpoint/2010/main" val="1739733815"/>
       </p:ext>
     </p:extLst>
   </p:cSld>

--- a/Progressive Web App/PWA.pptx
+++ b/Progressive Web App/PWA.pptx
@@ -6543,7 +6543,7 @@
                   <a:schemeClr val="tx1"/>
                 </a:solidFill>
               </a:rPr>
-              <a:t>It's a JavaScript Worker, so it can't access the DOM directly. Instead, a service worker can communicate with the pages it controls by responding to messages sent via the </a:t>
+              <a:t>Can't access the DOM directly. Instead, a service worker can communicate with the pages it controls by responding to messages sent via the </a:t>
             </a:r>
             <a:r>
               <a:rPr lang="en-US" dirty="0" err="1">

--- a/Progressive Web App/PWA.pptx
+++ b/Progressive Web App/PWA.pptx
@@ -5,7 +5,7 @@
     <p:sldMasterId id="2147483660" r:id="rId1"/>
   </p:sldMasterIdLst>
   <p:notesMasterIdLst>
-    <p:notesMasterId r:id="rId7"/>
+    <p:notesMasterId r:id="rId8"/>
   </p:notesMasterIdLst>
   <p:sldIdLst>
     <p:sldId id="256" r:id="rId2"/>
@@ -13,6 +13,7 @@
     <p:sldId id="258" r:id="rId4"/>
     <p:sldId id="259" r:id="rId5"/>
     <p:sldId id="260" r:id="rId6"/>
+    <p:sldId id="261" r:id="rId7"/>
   </p:sldIdLst>
   <p:sldSz cx="12192000" cy="6858000"/>
   <p:notesSz cx="6858000" cy="9144000"/>
@@ -5953,7 +5954,7 @@
                   <a:schemeClr val="tx1"/>
                 </a:solidFill>
               </a:rPr>
-              <a:t>Service Worker</a:t>
+              <a:t>Service Worker, Service Worker Lifecycle</a:t>
             </a:r>
           </a:p>
           <a:p>
@@ -6666,6 +6667,104 @@
     <p:extLst>
       <p:ext uri="{BB962C8B-B14F-4D97-AF65-F5344CB8AC3E}">
         <p14:creationId xmlns:p14="http://schemas.microsoft.com/office/powerpoint/2010/main" val="1739733815"/>
+      </p:ext>
+    </p:extLst>
+  </p:cSld>
+  <p:clrMapOvr>
+    <a:masterClrMapping/>
+  </p:clrMapOvr>
+</p:sld>
+</file>
+
+<file path=ppt/slides/slide6.xml><?xml version="1.0" encoding="utf-8"?>
+<p:sld xmlns:a="http://schemas.openxmlformats.org/drawingml/2006/main" xmlns:r="http://schemas.openxmlformats.org/officeDocument/2006/relationships" xmlns:p="http://schemas.openxmlformats.org/presentationml/2006/main">
+  <p:cSld>
+    <p:spTree>
+      <p:nvGrpSpPr>
+        <p:cNvPr id="1" name=""/>
+        <p:cNvGrpSpPr/>
+        <p:nvPr/>
+      </p:nvGrpSpPr>
+      <p:grpSpPr>
+        <a:xfrm>
+          <a:off x="0" y="0"/>
+          <a:ext cx="0" cy="0"/>
+          <a:chOff x="0" y="0"/>
+          <a:chExt cx="0" cy="0"/>
+        </a:xfrm>
+      </p:grpSpPr>
+      <p:sp>
+        <p:nvSpPr>
+          <p:cNvPr id="2" name="Title 1">
+            <a:extLst>
+              <a:ext uri="{FF2B5EF4-FFF2-40B4-BE49-F238E27FC236}">
+                <a16:creationId xmlns:a16="http://schemas.microsoft.com/office/drawing/2014/main" id="{9CB72FEE-B902-40F9-AACA-EC55CA6C6720}"/>
+              </a:ext>
+            </a:extLst>
+          </p:cNvPr>
+          <p:cNvSpPr>
+            <a:spLocks noGrp="1"/>
+          </p:cNvSpPr>
+          <p:nvPr>
+            <p:ph type="title"/>
+          </p:nvPr>
+        </p:nvSpPr>
+        <p:spPr>
+          <a:xfrm>
+            <a:off x="637558" y="5544629"/>
+            <a:ext cx="8534400" cy="1507067"/>
+          </a:xfrm>
+        </p:spPr>
+        <p:txBody>
+          <a:bodyPr/>
+          <a:lstStyle/>
+          <a:p>
+            <a:r>
+              <a:rPr lang="en-US" dirty="0"/>
+              <a:t>Service worker lifecycle</a:t>
+            </a:r>
+          </a:p>
+        </p:txBody>
+      </p:sp>
+      <p:pic>
+        <p:nvPicPr>
+          <p:cNvPr id="5" name="Content Placeholder 4">
+            <a:extLst>
+              <a:ext uri="{FF2B5EF4-FFF2-40B4-BE49-F238E27FC236}">
+                <a16:creationId xmlns:a16="http://schemas.microsoft.com/office/drawing/2014/main" id="{0EEE8D40-76BA-4EA2-AD2D-6D9B6259AE63}"/>
+              </a:ext>
+            </a:extLst>
+          </p:cNvPr>
+          <p:cNvPicPr>
+            <a:picLocks noGrp="1" noChangeAspect="1"/>
+          </p:cNvPicPr>
+          <p:nvPr>
+            <p:ph idx="1"/>
+          </p:nvPr>
+        </p:nvPicPr>
+        <p:blipFill>
+          <a:blip r:embed="rId2">
+            <a:extLst>
+              <a:ext uri="{28A0092B-C50C-407E-A947-70E740481C1C}">
+                <a14:useLocalDpi xmlns:a14="http://schemas.microsoft.com/office/drawing/2010/main" val="0"/>
+              </a:ext>
+            </a:extLst>
+          </a:blip>
+          <a:stretch>
+            <a:fillRect/>
+          </a:stretch>
+        </p:blipFill>
+        <p:spPr>
+          <a:xfrm>
+            <a:off x="747213" y="559837"/>
+            <a:ext cx="10113620" cy="5150498"/>
+          </a:xfrm>
+        </p:spPr>
+      </p:pic>
+    </p:spTree>
+    <p:extLst>
+      <p:ext uri="{BB962C8B-B14F-4D97-AF65-F5344CB8AC3E}">
+        <p14:creationId xmlns:p14="http://schemas.microsoft.com/office/powerpoint/2010/main" val="224578707"/>
       </p:ext>
     </p:extLst>
   </p:cSld>

--- a/Progressive Web App/PWA.pptx
+++ b/Progressive Web App/PWA.pptx
@@ -5,7 +5,7 @@
     <p:sldMasterId id="2147483660" r:id="rId1"/>
   </p:sldMasterIdLst>
   <p:notesMasterIdLst>
-    <p:notesMasterId r:id="rId8"/>
+    <p:notesMasterId r:id="rId9"/>
   </p:notesMasterIdLst>
   <p:sldIdLst>
     <p:sldId id="256" r:id="rId2"/>
@@ -14,6 +14,7 @@
     <p:sldId id="259" r:id="rId5"/>
     <p:sldId id="260" r:id="rId6"/>
     <p:sldId id="261" r:id="rId7"/>
+    <p:sldId id="262" r:id="rId8"/>
   </p:sldIdLst>
   <p:sldSz cx="12192000" cy="6858000"/>
   <p:notesSz cx="6858000" cy="9144000"/>
@@ -5931,10 +5932,15 @@
             <p:ph idx="1"/>
           </p:nvPr>
         </p:nvSpPr>
-        <p:spPr/>
+        <p:spPr>
+          <a:xfrm>
+            <a:off x="684212" y="685800"/>
+            <a:ext cx="8534400" cy="4223551"/>
+          </a:xfrm>
+        </p:spPr>
         <p:txBody>
           <a:bodyPr>
-            <a:normAutofit fontScale="92500" lnSpcReduction="10000"/>
+            <a:normAutofit lnSpcReduction="10000"/>
           </a:bodyPr>
           <a:lstStyle/>
           <a:p>
@@ -6063,6 +6069,16 @@
                 <a:schemeClr val="tx1"/>
               </a:solidFill>
             </a:endParaRPr>
+          </a:p>
+          <a:p>
+            <a:r>
+              <a:rPr lang="en-US" dirty="0">
+                <a:solidFill>
+                  <a:schemeClr val="tx1"/>
+                </a:solidFill>
+              </a:rPr>
+              <a:t>Demo</a:t>
+            </a:r>
           </a:p>
         </p:txBody>
       </p:sp>
@@ -6765,6 +6781,105 @@
     <p:extLst>
       <p:ext uri="{BB962C8B-B14F-4D97-AF65-F5344CB8AC3E}">
         <p14:creationId xmlns:p14="http://schemas.microsoft.com/office/powerpoint/2010/main" val="224578707"/>
+      </p:ext>
+    </p:extLst>
+  </p:cSld>
+  <p:clrMapOvr>
+    <a:masterClrMapping/>
+  </p:clrMapOvr>
+</p:sld>
+</file>
+
+<file path=ppt/slides/slide7.xml><?xml version="1.0" encoding="utf-8"?>
+<p:sld xmlns:a="http://schemas.openxmlformats.org/drawingml/2006/main" xmlns:r="http://schemas.openxmlformats.org/officeDocument/2006/relationships" xmlns:p="http://schemas.openxmlformats.org/presentationml/2006/main">
+  <p:cSld>
+    <p:spTree>
+      <p:nvGrpSpPr>
+        <p:cNvPr id="1" name=""/>
+        <p:cNvGrpSpPr/>
+        <p:nvPr/>
+      </p:nvGrpSpPr>
+      <p:grpSpPr>
+        <a:xfrm>
+          <a:off x="0" y="0"/>
+          <a:ext cx="0" cy="0"/>
+          <a:chOff x="0" y="0"/>
+          <a:chExt cx="0" cy="0"/>
+        </a:xfrm>
+      </p:grpSpPr>
+      <p:sp>
+        <p:nvSpPr>
+          <p:cNvPr id="2" name="Title 1">
+            <a:extLst>
+              <a:ext uri="{FF2B5EF4-FFF2-40B4-BE49-F238E27FC236}">
+                <a16:creationId xmlns:a16="http://schemas.microsoft.com/office/drawing/2014/main" id="{3F2B6B2B-52E3-44A1-B06E-81EDEADA04F5}"/>
+              </a:ext>
+            </a:extLst>
+          </p:cNvPr>
+          <p:cNvSpPr>
+            <a:spLocks noGrp="1"/>
+          </p:cNvSpPr>
+          <p:nvPr>
+            <p:ph type="title"/>
+          </p:nvPr>
+        </p:nvSpPr>
+        <p:spPr>
+          <a:xfrm>
+            <a:off x="684212" y="5144279"/>
+            <a:ext cx="8534400" cy="1507067"/>
+          </a:xfrm>
+        </p:spPr>
+        <p:txBody>
+          <a:bodyPr/>
+          <a:lstStyle/>
+          <a:p>
+            <a:r>
+              <a:rPr lang="en-US" dirty="0"/>
+              <a:t>Application Shell Architecture</a:t>
+            </a:r>
+            <a:br>
+              <a:rPr lang="en-US" dirty="0"/>
+            </a:br>
+            <a:endParaRPr lang="en-US" dirty="0"/>
+          </a:p>
+        </p:txBody>
+      </p:sp>
+      <p:sp>
+        <p:nvSpPr>
+          <p:cNvPr id="3" name="Content Placeholder 2">
+            <a:extLst>
+              <a:ext uri="{FF2B5EF4-FFF2-40B4-BE49-F238E27FC236}">
+                <a16:creationId xmlns:a16="http://schemas.microsoft.com/office/drawing/2014/main" id="{89426F1F-F7A3-44F6-B515-7260B22129D5}"/>
+              </a:ext>
+            </a:extLst>
+          </p:cNvPr>
+          <p:cNvSpPr>
+            <a:spLocks noGrp="1"/>
+          </p:cNvSpPr>
+          <p:nvPr>
+            <p:ph idx="1"/>
+          </p:nvPr>
+        </p:nvSpPr>
+        <p:spPr/>
+        <p:txBody>
+          <a:bodyPr/>
+          <a:lstStyle/>
+          <a:p>
+            <a:r>
+              <a:rPr lang="en-US" dirty="0">
+                <a:solidFill>
+                  <a:schemeClr val="tx1"/>
+                </a:solidFill>
+              </a:rPr>
+              <a:t>The app shell mean minimal HTML,CSS,JS powering the user interface. Since shell don’t usually change we can cache and once loaded, dynamic content can populate the view.</a:t>
+            </a:r>
+          </a:p>
+        </p:txBody>
+      </p:sp>
+    </p:spTree>
+    <p:extLst>
+      <p:ext uri="{BB962C8B-B14F-4D97-AF65-F5344CB8AC3E}">
+        <p14:creationId xmlns:p14="http://schemas.microsoft.com/office/powerpoint/2010/main" val="1240040262"/>
       </p:ext>
     </p:extLst>
   </p:cSld>

--- a/Progressive Web App/PWA.pptx
+++ b/Progressive Web App/PWA.pptx
@@ -6871,7 +6871,7 @@
                   <a:schemeClr val="tx1"/>
                 </a:solidFill>
               </a:rPr>
-              <a:t>The app shell mean minimal HTML,CSS,JS powering the user interface. Since shell don’t usually change we can cache and once loaded, dynamic content can populate the view.</a:t>
+              <a:t>The app shell mean minimal HTML,CSS,JS powering the user interface. Since shell doesn’t  usually change we can cache and once loaded, dynamic content can populate the view.</a:t>
             </a:r>
           </a:p>
         </p:txBody>

--- a/Progressive Web App/PWA.pptx
+++ b/Progressive Web App/PWA.pptx
@@ -113,6 +113,11 @@
       </a:defRPr>
     </a:lvl9pPr>
   </p:defaultTextStyle>
+  <p:extLst>
+    <p:ext uri="{EFAFB233-063F-42B5-8137-9DF3F51BA10A}">
+      <p15:sldGuideLst xmlns:p15="http://schemas.microsoft.com/office/powerpoint/2012/main"/>
+    </p:ext>
+  </p:extLst>
 </p:presentation>
 </file>
 
@@ -5810,7 +5815,7 @@
           <p:cNvPr id="2" name="Title 1">
             <a:extLst>
               <a:ext uri="{FF2B5EF4-FFF2-40B4-BE49-F238E27FC236}">
-                <a16:creationId xmlns:a16="http://schemas.microsoft.com/office/drawing/2014/main" id="{1DEC1DD5-CABD-4CE3-BAAC-EDF7607001A4}"/>
+                <a16:creationId xmlns:a16="http://schemas.microsoft.com/office/drawing/2014/main" xmlns="" id="{1DEC1DD5-CABD-4CE3-BAAC-EDF7607001A4}"/>
               </a:ext>
             </a:extLst>
           </p:cNvPr>
@@ -5838,7 +5843,7 @@
           <p:cNvPr id="3" name="Subtitle 2">
             <a:extLst>
               <a:ext uri="{FF2B5EF4-FFF2-40B4-BE49-F238E27FC236}">
-                <a16:creationId xmlns:a16="http://schemas.microsoft.com/office/drawing/2014/main" id="{B6A676DF-C18E-4D54-8352-938FA317F453}"/>
+                <a16:creationId xmlns:a16="http://schemas.microsoft.com/office/drawing/2014/main" xmlns="" id="{B6A676DF-C18E-4D54-8352-938FA317F453}"/>
               </a:ext>
             </a:extLst>
           </p:cNvPr>
@@ -5893,7 +5898,7 @@
           <p:cNvPr id="2" name="Title 1">
             <a:extLst>
               <a:ext uri="{FF2B5EF4-FFF2-40B4-BE49-F238E27FC236}">
-                <a16:creationId xmlns:a16="http://schemas.microsoft.com/office/drawing/2014/main" id="{43C726DE-43AE-4074-8247-C32968E8AF52}"/>
+                <a16:creationId xmlns:a16="http://schemas.microsoft.com/office/drawing/2014/main" xmlns="" id="{43C726DE-43AE-4074-8247-C32968E8AF52}"/>
               </a:ext>
             </a:extLst>
           </p:cNvPr>
@@ -5921,7 +5926,7 @@
           <p:cNvPr id="3" name="Content Placeholder 2">
             <a:extLst>
               <a:ext uri="{FF2B5EF4-FFF2-40B4-BE49-F238E27FC236}">
-                <a16:creationId xmlns:a16="http://schemas.microsoft.com/office/drawing/2014/main" id="{10E3FC0C-076C-491D-8372-24DDAECA570D}"/>
+                <a16:creationId xmlns:a16="http://schemas.microsoft.com/office/drawing/2014/main" xmlns="" id="{10E3FC0C-076C-491D-8372-24DDAECA570D}"/>
               </a:ext>
             </a:extLst>
           </p:cNvPr>
@@ -6117,7 +6122,7 @@
           <p:cNvPr id="2" name="Title 1">
             <a:extLst>
               <a:ext uri="{FF2B5EF4-FFF2-40B4-BE49-F238E27FC236}">
-                <a16:creationId xmlns:a16="http://schemas.microsoft.com/office/drawing/2014/main" id="{5B8E0E3C-7724-4C66-AFF5-DEE7E703DFD6}"/>
+                <a16:creationId xmlns:a16="http://schemas.microsoft.com/office/drawing/2014/main" xmlns="" id="{5B8E0E3C-7724-4C66-AFF5-DEE7E703DFD6}"/>
               </a:ext>
             </a:extLst>
           </p:cNvPr>
@@ -6158,7 +6163,7 @@
           <p:cNvPr id="3" name="Content Placeholder 2">
             <a:extLst>
               <a:ext uri="{FF2B5EF4-FFF2-40B4-BE49-F238E27FC236}">
-                <a16:creationId xmlns:a16="http://schemas.microsoft.com/office/drawing/2014/main" id="{4CC45F13-5C9B-49D4-8F3B-059D4CBDC62B}"/>
+                <a16:creationId xmlns:a16="http://schemas.microsoft.com/office/drawing/2014/main" xmlns="" id="{4CC45F13-5C9B-49D4-8F3B-059D4CBDC62B}"/>
               </a:ext>
             </a:extLst>
           </p:cNvPr>
@@ -6322,7 +6327,7 @@
           <p:cNvPr id="2" name="Title 1">
             <a:extLst>
               <a:ext uri="{FF2B5EF4-FFF2-40B4-BE49-F238E27FC236}">
-                <a16:creationId xmlns:a16="http://schemas.microsoft.com/office/drawing/2014/main" id="{FD1776FB-59EC-4639-A7DF-71C67569EBF1}"/>
+                <a16:creationId xmlns:a16="http://schemas.microsoft.com/office/drawing/2014/main" xmlns="" id="{FD1776FB-59EC-4639-A7DF-71C67569EBF1}"/>
               </a:ext>
             </a:extLst>
           </p:cNvPr>
@@ -6355,7 +6360,7 @@
           <p:cNvPr id="3" name="Content Placeholder 2">
             <a:extLst>
               <a:ext uri="{FF2B5EF4-FFF2-40B4-BE49-F238E27FC236}">
-                <a16:creationId xmlns:a16="http://schemas.microsoft.com/office/drawing/2014/main" id="{04FF6E83-715A-4753-898C-0F8BC4606043}"/>
+                <a16:creationId xmlns:a16="http://schemas.microsoft.com/office/drawing/2014/main" xmlns="" id="{04FF6E83-715A-4753-898C-0F8BC4606043}"/>
               </a:ext>
             </a:extLst>
           </p:cNvPr>
@@ -6457,7 +6462,7 @@
           <p:cNvPr id="2" name="Title 1">
             <a:extLst>
               <a:ext uri="{FF2B5EF4-FFF2-40B4-BE49-F238E27FC236}">
-                <a16:creationId xmlns:a16="http://schemas.microsoft.com/office/drawing/2014/main" id="{5998A157-FCD1-4C27-8F6E-F674ED02688B}"/>
+                <a16:creationId xmlns:a16="http://schemas.microsoft.com/office/drawing/2014/main" xmlns="" id="{5998A157-FCD1-4C27-8F6E-F674ED02688B}"/>
               </a:ext>
             </a:extLst>
           </p:cNvPr>
@@ -6490,7 +6495,7 @@
           <p:cNvPr id="3" name="Content Placeholder 2">
             <a:extLst>
               <a:ext uri="{FF2B5EF4-FFF2-40B4-BE49-F238E27FC236}">
-                <a16:creationId xmlns:a16="http://schemas.microsoft.com/office/drawing/2014/main" id="{267068F6-BE1B-4F5F-92E0-84E8573583EA}"/>
+                <a16:creationId xmlns:a16="http://schemas.microsoft.com/office/drawing/2014/main" xmlns="" id="{267068F6-BE1B-4F5F-92E0-84E8573583EA}"/>
               </a:ext>
             </a:extLst>
           </p:cNvPr>
@@ -6714,7 +6719,7 @@
           <p:cNvPr id="2" name="Title 1">
             <a:extLst>
               <a:ext uri="{FF2B5EF4-FFF2-40B4-BE49-F238E27FC236}">
-                <a16:creationId xmlns:a16="http://schemas.microsoft.com/office/drawing/2014/main" id="{9CB72FEE-B902-40F9-AACA-EC55CA6C6720}"/>
+                <a16:creationId xmlns:a16="http://schemas.microsoft.com/office/drawing/2014/main" xmlns="" id="{9CB72FEE-B902-40F9-AACA-EC55CA6C6720}"/>
               </a:ext>
             </a:extLst>
           </p:cNvPr>
@@ -6747,7 +6752,7 @@
           <p:cNvPr id="5" name="Content Placeholder 4">
             <a:extLst>
               <a:ext uri="{FF2B5EF4-FFF2-40B4-BE49-F238E27FC236}">
-                <a16:creationId xmlns:a16="http://schemas.microsoft.com/office/drawing/2014/main" id="{0EEE8D40-76BA-4EA2-AD2D-6D9B6259AE63}"/>
+                <a16:creationId xmlns:a16="http://schemas.microsoft.com/office/drawing/2014/main" xmlns="" id="{0EEE8D40-76BA-4EA2-AD2D-6D9B6259AE63}"/>
               </a:ext>
             </a:extLst>
           </p:cNvPr>
@@ -6812,7 +6817,7 @@
           <p:cNvPr id="2" name="Title 1">
             <a:extLst>
               <a:ext uri="{FF2B5EF4-FFF2-40B4-BE49-F238E27FC236}">
-                <a16:creationId xmlns:a16="http://schemas.microsoft.com/office/drawing/2014/main" id="{3F2B6B2B-52E3-44A1-B06E-81EDEADA04F5}"/>
+                <a16:creationId xmlns:a16="http://schemas.microsoft.com/office/drawing/2014/main" xmlns="" id="{3F2B6B2B-52E3-44A1-B06E-81EDEADA04F5}"/>
               </a:ext>
             </a:extLst>
           </p:cNvPr>
@@ -6849,7 +6854,7 @@
           <p:cNvPr id="3" name="Content Placeholder 2">
             <a:extLst>
               <a:ext uri="{FF2B5EF4-FFF2-40B4-BE49-F238E27FC236}">
-                <a16:creationId xmlns:a16="http://schemas.microsoft.com/office/drawing/2014/main" id="{89426F1F-F7A3-44F6-B515-7260B22129D5}"/>
+                <a16:creationId xmlns:a16="http://schemas.microsoft.com/office/drawing/2014/main" xmlns="" id="{89426F1F-F7A3-44F6-B515-7260B22129D5}"/>
               </a:ext>
             </a:extLst>
           </p:cNvPr>
@@ -6871,8 +6876,31 @@
                   <a:schemeClr val="tx1"/>
                 </a:solidFill>
               </a:rPr>
-              <a:t>The app shell mean minimal HTML,CSS,JS powering the user interface. Since shell doesn’t  usually change we can cache and once loaded, dynamic content can populate the view.</a:t>
-            </a:r>
+              <a:t>The app shell mean minimal HTML,CSS,JS powering the user interface. Since shell doesn’t  usually change we can cache and once loaded, dynamic content can populate the view</a:t>
+            </a:r>
+            <a:r>
+              <a:rPr lang="en-US" dirty="0" smtClean="0">
+                <a:solidFill>
+                  <a:schemeClr val="tx1"/>
+                </a:solidFill>
+              </a:rPr>
+              <a:t>.</a:t>
+            </a:r>
+          </a:p>
+          <a:p>
+            <a:r>
+              <a:rPr lang="en-US" dirty="0">
+                <a:solidFill>
+                  <a:schemeClr val="tx1"/>
+                </a:solidFill>
+              </a:rPr>
+              <a:t>Demo: https://github.com/GoogleChromeLabs/application-shell</a:t>
+            </a:r>
+            <a:endParaRPr lang="en-US" dirty="0">
+              <a:solidFill>
+                <a:schemeClr val="tx1"/>
+              </a:solidFill>
+            </a:endParaRPr>
           </a:p>
         </p:txBody>
       </p:sp>

--- a/Progressive Web App/PWA.pptx
+++ b/Progressive Web App/PWA.pptx
@@ -5988,21 +5988,18 @@
               <a:t>Caching </a:t>
             </a:r>
             <a:r>
-              <a:rPr lang="en-US" dirty="0" err="1">
+              <a:rPr lang="en-US" dirty="0" smtClean="0">
                 <a:solidFill>
                   <a:schemeClr val="tx1"/>
                 </a:solidFill>
               </a:rPr>
-              <a:t>statergy</a:t>
-            </a:r>
-            <a:r>
-              <a:rPr lang="en-US" dirty="0">
-                <a:solidFill>
-                  <a:schemeClr val="tx1"/>
-                </a:solidFill>
-              </a:rPr>
-              <a:t> </a:t>
-            </a:r>
+              <a:t>strategy </a:t>
+            </a:r>
+            <a:endParaRPr lang="en-US" dirty="0">
+              <a:solidFill>
+                <a:schemeClr val="tx1"/>
+              </a:solidFill>
+            </a:endParaRPr>
           </a:p>
           <a:p>
             <a:r>

--- a/Progressive Web App/PWA.pptx
+++ b/Progressive Web App/PWA.pptx
@@ -5,7 +5,7 @@
     <p:sldMasterId id="2147483660" r:id="rId1"/>
   </p:sldMasterIdLst>
   <p:notesMasterIdLst>
-    <p:notesMasterId r:id="rId9"/>
+    <p:notesMasterId r:id="rId10"/>
   </p:notesMasterIdLst>
   <p:sldIdLst>
     <p:sldId id="256" r:id="rId2"/>
@@ -15,6 +15,7 @@
     <p:sldId id="260" r:id="rId6"/>
     <p:sldId id="261" r:id="rId7"/>
     <p:sldId id="262" r:id="rId8"/>
+    <p:sldId id="263" r:id="rId9"/>
   </p:sldIdLst>
   <p:sldSz cx="12192000" cy="6858000"/>
   <p:notesSz cx="6858000" cy="9144000"/>
@@ -6905,6 +6906,94 @@
     <p:extLst>
       <p:ext uri="{BB962C8B-B14F-4D97-AF65-F5344CB8AC3E}">
         <p14:creationId xmlns:p14="http://schemas.microsoft.com/office/powerpoint/2010/main" val="1240040262"/>
+      </p:ext>
+    </p:extLst>
+  </p:cSld>
+  <p:clrMapOvr>
+    <a:masterClrMapping/>
+  </p:clrMapOvr>
+</p:sld>
+</file>
+
+<file path=ppt/slides/slide8.xml><?xml version="1.0" encoding="utf-8"?>
+<p:sld xmlns:a="http://schemas.openxmlformats.org/drawingml/2006/main" xmlns:r="http://schemas.openxmlformats.org/officeDocument/2006/relationships" xmlns:p="http://schemas.openxmlformats.org/presentationml/2006/main">
+  <p:cSld>
+    <p:spTree>
+      <p:nvGrpSpPr>
+        <p:cNvPr id="1" name=""/>
+        <p:cNvGrpSpPr/>
+        <p:nvPr/>
+      </p:nvGrpSpPr>
+      <p:grpSpPr>
+        <a:xfrm>
+          <a:off x="0" y="0"/>
+          <a:ext cx="0" cy="0"/>
+          <a:chOff x="0" y="0"/>
+          <a:chExt cx="0" cy="0"/>
+        </a:xfrm>
+      </p:grpSpPr>
+      <p:sp>
+        <p:nvSpPr>
+          <p:cNvPr id="2" name="Title 1"/>
+          <p:cNvSpPr>
+            <a:spLocks noGrp="1"/>
+          </p:cNvSpPr>
+          <p:nvPr>
+            <p:ph type="title"/>
+          </p:nvPr>
+        </p:nvSpPr>
+        <p:spPr/>
+        <p:txBody>
+          <a:bodyPr/>
+          <a:lstStyle/>
+          <a:p>
+            <a:endParaRPr lang="en-US"/>
+          </a:p>
+        </p:txBody>
+      </p:sp>
+      <p:sp>
+        <p:nvSpPr>
+          <p:cNvPr id="3" name="Content Placeholder 2"/>
+          <p:cNvSpPr>
+            <a:spLocks noGrp="1"/>
+          </p:cNvSpPr>
+          <p:nvPr>
+            <p:ph idx="1"/>
+          </p:nvPr>
+        </p:nvSpPr>
+        <p:spPr/>
+        <p:txBody>
+          <a:bodyPr/>
+          <a:lstStyle/>
+          <a:p>
+            <a:r>
+              <a:rPr lang="en-US" dirty="0" err="1">
+                <a:solidFill>
+                  <a:schemeClr val="tx1"/>
+                </a:solidFill>
+              </a:rPr>
+              <a:t>Precaching</a:t>
+            </a:r>
+            <a:r>
+              <a:rPr lang="en-US" dirty="0">
+                <a:solidFill>
+                  <a:schemeClr val="tx1"/>
+                </a:solidFill>
+              </a:rPr>
+              <a:t> during Service Worker installation</a:t>
+            </a:r>
+            <a:endParaRPr lang="en-US" dirty="0">
+              <a:solidFill>
+                <a:schemeClr val="tx1"/>
+              </a:solidFill>
+            </a:endParaRPr>
+          </a:p>
+        </p:txBody>
+      </p:sp>
+    </p:spTree>
+    <p:extLst>
+      <p:ext uri="{BB962C8B-B14F-4D97-AF65-F5344CB8AC3E}">
+        <p14:creationId xmlns:p14="http://schemas.microsoft.com/office/powerpoint/2010/main" val="1112003914"/>
       </p:ext>
     </p:extLst>
   </p:cSld>

--- a/Progressive Web App/PWA.pptx
+++ b/Progressive Web App/PWA.pptx
@@ -6942,12 +6942,24 @@
             <p:ph type="title"/>
           </p:nvPr>
         </p:nvSpPr>
-        <p:spPr/>
+        <p:spPr>
+          <a:xfrm>
+            <a:off x="684212" y="5175581"/>
+            <a:ext cx="8534400" cy="1507067"/>
+          </a:xfrm>
+        </p:spPr>
         <p:txBody>
           <a:bodyPr/>
           <a:lstStyle/>
           <a:p>
-            <a:endParaRPr lang="en-US"/>
+            <a:r>
+              <a:rPr lang="en-US" dirty="0"/>
+              <a:t>Caching strategy </a:t>
+            </a:r>
+            <a:br>
+              <a:rPr lang="en-US" dirty="0"/>
+            </a:br>
+            <a:endParaRPr lang="en-US" dirty="0"/>
           </a:p>
         </p:txBody>
       </p:sp>
@@ -6961,7 +6973,12 @@
             <p:ph idx="1"/>
           </p:nvPr>
         </p:nvSpPr>
-        <p:spPr/>
+        <p:spPr>
+          <a:xfrm>
+            <a:off x="684212" y="215538"/>
+            <a:ext cx="8534400" cy="3615267"/>
+          </a:xfrm>
+        </p:spPr>
         <p:txBody>
           <a:bodyPr/>
           <a:lstStyle/>
@@ -6980,8 +6997,18 @@
                   <a:schemeClr val="tx1"/>
                 </a:solidFill>
               </a:rPr>
-              <a:t> during Service Worker installation</a:t>
-            </a:r>
+              <a:t> during Service </a:t>
+            </a:r>
+            <a:r>
+              <a:rPr lang="en-US" dirty="0" smtClean="0">
+                <a:solidFill>
+                  <a:schemeClr val="tx1"/>
+                </a:solidFill>
+              </a:rPr>
+              <a:t>Worker installation</a:t>
+            </a:r>
+          </a:p>
+          <a:p>
             <a:endParaRPr lang="en-US" dirty="0">
               <a:solidFill>
                 <a:schemeClr val="tx1"/>
@@ -6990,6 +7017,36 @@
           </a:p>
         </p:txBody>
       </p:sp>
+      <p:pic>
+        <p:nvPicPr>
+          <p:cNvPr id="4" name="Picture 3"/>
+          <p:cNvPicPr>
+            <a:picLocks noChangeAspect="1"/>
+          </p:cNvPicPr>
+          <p:nvPr/>
+        </p:nvPicPr>
+        <p:blipFill>
+          <a:blip r:embed="rId2">
+            <a:extLst>
+              <a:ext uri="{28A0092B-C50C-407E-A947-70E740481C1C}">
+                <a14:useLocalDpi xmlns:a14="http://schemas.microsoft.com/office/drawing/2010/main" val="0"/>
+              </a:ext>
+            </a:extLst>
+          </a:blip>
+          <a:stretch>
+            <a:fillRect/>
+          </a:stretch>
+        </p:blipFill>
+        <p:spPr>
+          <a:xfrm>
+            <a:off x="788715" y="2293136"/>
+            <a:ext cx="9535856" cy="2381582"/>
+          </a:xfrm>
+          <a:prstGeom prst="rect">
+            <a:avLst/>
+          </a:prstGeom>
+        </p:spPr>
+      </p:pic>
     </p:spTree>
     <p:extLst>
       <p:ext uri="{BB962C8B-B14F-4D97-AF65-F5344CB8AC3E}">
@@ -7000,6 +7057,13 @@
   <p:clrMapOvr>
     <a:masterClrMapping/>
   </p:clrMapOvr>
+  <p:timing>
+    <p:tnLst>
+      <p:par>
+        <p:cTn id="1" dur="indefinite" restart="never" nodeType="tmRoot"/>
+      </p:par>
+    </p:tnLst>
+  </p:timing>
 </p:sld>
 </file>
 

--- a/Progressive Web App/PWA.pptx
+++ b/Progressive Web App/PWA.pptx
@@ -5874,6 +5874,13 @@
   <p:clrMapOvr>
     <a:masterClrMapping/>
   </p:clrMapOvr>
+  <p:timing>
+    <p:tnLst>
+      <p:par>
+        <p:cTn id="1" dur="indefinite" restart="never" nodeType="tmRoot"/>
+      </p:par>
+    </p:tnLst>
+  </p:timing>
 </p:sld>
 </file>
 
@@ -6095,6 +6102,13 @@
   <p:clrMapOvr>
     <a:masterClrMapping/>
   </p:clrMapOvr>
+  <p:timing>
+    <p:tnLst>
+      <p:par>
+        <p:cTn id="1" dur="indefinite" restart="never" nodeType="tmRoot"/>
+      </p:par>
+    </p:tnLst>
+  </p:timing>
 </p:sld>
 </file>
 
@@ -6300,6 +6314,13 @@
   <p:clrMapOvr>
     <a:masterClrMapping/>
   </p:clrMapOvr>
+  <p:timing>
+    <p:tnLst>
+      <p:par>
+        <p:cTn id="1" dur="indefinite" restart="never" nodeType="tmRoot"/>
+      </p:par>
+    </p:tnLst>
+  </p:timing>
 </p:sld>
 </file>
 
@@ -6435,6 +6456,13 @@
   <p:clrMapOvr>
     <a:masterClrMapping/>
   </p:clrMapOvr>
+  <p:timing>
+    <p:tnLst>
+      <p:par>
+        <p:cTn id="1" dur="indefinite" restart="never" nodeType="tmRoot"/>
+      </p:par>
+    </p:tnLst>
+  </p:timing>
 </p:sld>
 </file>
 
@@ -6692,6 +6720,13 @@
   <p:clrMapOvr>
     <a:masterClrMapping/>
   </p:clrMapOvr>
+  <p:timing>
+    <p:tnLst>
+      <p:par>
+        <p:cTn id="1" dur="indefinite" restart="never" nodeType="tmRoot"/>
+      </p:par>
+    </p:tnLst>
+  </p:timing>
 </p:sld>
 </file>
 
@@ -6790,6 +6825,13 @@
   <p:clrMapOvr>
     <a:masterClrMapping/>
   </p:clrMapOvr>
+  <p:timing>
+    <p:tnLst>
+      <p:par>
+        <p:cTn id="1" dur="indefinite" restart="never" nodeType="tmRoot"/>
+      </p:par>
+    </p:tnLst>
+  </p:timing>
 </p:sld>
 </file>
 
@@ -6912,6 +6954,13 @@
   <p:clrMapOvr>
     <a:masterClrMapping/>
   </p:clrMapOvr>
+  <p:timing>
+    <p:tnLst>
+      <p:par>
+        <p:cTn id="1" dur="indefinite" restart="never" nodeType="tmRoot"/>
+      </p:par>
+    </p:tnLst>
+  </p:timing>
 </p:sld>
 </file>
 
@@ -6944,7 +6993,7 @@
         </p:nvSpPr>
         <p:spPr>
           <a:xfrm>
-            <a:off x="684212" y="5175581"/>
+            <a:off x="675504" y="5523924"/>
             <a:ext cx="8534400" cy="1507067"/>
           </a:xfrm>
         </p:spPr>
@@ -6975,7 +7024,7 @@
         </p:nvSpPr>
         <p:spPr>
           <a:xfrm>
-            <a:off x="684212" y="215538"/>
+            <a:off x="745172" y="0"/>
             <a:ext cx="8534400" cy="3615267"/>
           </a:xfrm>
         </p:spPr>
@@ -7006,6 +7055,16 @@
                 </a:solidFill>
               </a:rPr>
               <a:t>Worker installation</a:t>
+            </a:r>
+          </a:p>
+          <a:p>
+            <a:r>
+              <a:rPr lang="en-US" dirty="0" smtClean="0">
+                <a:solidFill>
+                  <a:schemeClr val="tx1"/>
+                </a:solidFill>
+              </a:rPr>
+              <a:t>Cache First </a:t>
             </a:r>
           </a:p>
           <a:p>
@@ -7019,7 +7078,7 @@
       </p:sp>
       <p:pic>
         <p:nvPicPr>
-          <p:cNvPr id="4" name="Picture 3"/>
+          <p:cNvPr id="5" name="Picture 4"/>
           <p:cNvPicPr>
             <a:picLocks noChangeAspect="1"/>
           </p:cNvPicPr>
@@ -7039,8 +7098,8 @@
         </p:blipFill>
         <p:spPr>
           <a:xfrm>
-            <a:off x="788715" y="2293136"/>
-            <a:ext cx="9535856" cy="2381582"/>
+            <a:off x="844732" y="2090327"/>
+            <a:ext cx="9074332" cy="3433597"/>
           </a:xfrm>
           <a:prstGeom prst="rect">
             <a:avLst/>

--- a/Progressive Web App/PWA.pptx
+++ b/Progressive Web App/PWA.pptx
@@ -5,7 +5,7 @@
     <p:sldMasterId id="2147483660" r:id="rId1"/>
   </p:sldMasterIdLst>
   <p:notesMasterIdLst>
-    <p:notesMasterId r:id="rId10"/>
+    <p:notesMasterId r:id="rId11"/>
   </p:notesMasterIdLst>
   <p:sldIdLst>
     <p:sldId id="256" r:id="rId2"/>
@@ -16,6 +16,7 @@
     <p:sldId id="261" r:id="rId7"/>
     <p:sldId id="262" r:id="rId8"/>
     <p:sldId id="263" r:id="rId9"/>
+    <p:sldId id="264" r:id="rId10"/>
   </p:sldIdLst>
   <p:sldSz cx="12192000" cy="6858000"/>
   <p:notesSz cx="6858000" cy="9144000"/>
@@ -204,7 +205,7 @@
           <a:p>
             <a:fld id="{C72D6864-BB37-41A0-8C8D-E8C9E6E86ABA}" type="datetimeFigureOut">
               <a:rPr lang="en-US" smtClean="0"/>
-              <a:t>11/5/2018</a:t>
+              <a:t>11/6/2018</a:t>
             </a:fld>
             <a:endParaRPr lang="en-US"/>
           </a:p>
@@ -746,7 +747,7 @@
           <a:p>
             <a:fld id="{C04051DA-BB6C-4F90-AE63-86FA0FBECCA9}" type="datetimeFigureOut">
               <a:rPr lang="en-US" smtClean="0"/>
-              <a:t>11/5/2018</a:t>
+              <a:t>11/6/2018</a:t>
             </a:fld>
             <a:endParaRPr lang="en-US"/>
           </a:p>
@@ -1182,7 +1183,7 @@
           <a:p>
             <a:fld id="{C04051DA-BB6C-4F90-AE63-86FA0FBECCA9}" type="datetimeFigureOut">
               <a:rPr lang="en-US" smtClean="0"/>
-              <a:t>11/5/2018</a:t>
+              <a:t>11/6/2018</a:t>
             </a:fld>
             <a:endParaRPr lang="en-US"/>
           </a:p>
@@ -1432,7 +1433,7 @@
           <a:p>
             <a:fld id="{C04051DA-BB6C-4F90-AE63-86FA0FBECCA9}" type="datetimeFigureOut">
               <a:rPr lang="en-US" smtClean="0"/>
-              <a:t>11/5/2018</a:t>
+              <a:t>11/6/2018</a:t>
             </a:fld>
             <a:endParaRPr lang="en-US"/>
           </a:p>
@@ -1740,7 +1741,7 @@
           <a:p>
             <a:fld id="{C04051DA-BB6C-4F90-AE63-86FA0FBECCA9}" type="datetimeFigureOut">
               <a:rPr lang="en-US" smtClean="0"/>
-              <a:t>11/5/2018</a:t>
+              <a:t>11/6/2018</a:t>
             </a:fld>
             <a:endParaRPr lang="en-US"/>
           </a:p>
@@ -2058,7 +2059,7 @@
           <a:p>
             <a:fld id="{C04051DA-BB6C-4F90-AE63-86FA0FBECCA9}" type="datetimeFigureOut">
               <a:rPr lang="en-US" smtClean="0"/>
-              <a:t>11/5/2018</a:t>
+              <a:t>11/6/2018</a:t>
             </a:fld>
             <a:endParaRPr lang="en-US"/>
           </a:p>
@@ -2360,7 +2361,7 @@
           <a:p>
             <a:fld id="{C04051DA-BB6C-4F90-AE63-86FA0FBECCA9}" type="datetimeFigureOut">
               <a:rPr lang="en-US" smtClean="0"/>
-              <a:t>11/5/2018</a:t>
+              <a:t>11/6/2018</a:t>
             </a:fld>
             <a:endParaRPr lang="en-US"/>
           </a:p>
@@ -2727,7 +2728,7 @@
           <a:p>
             <a:fld id="{C04051DA-BB6C-4F90-AE63-86FA0FBECCA9}" type="datetimeFigureOut">
               <a:rPr lang="en-US" smtClean="0"/>
-              <a:t>11/5/2018</a:t>
+              <a:t>11/6/2018</a:t>
             </a:fld>
             <a:endParaRPr lang="en-US"/>
           </a:p>
@@ -2901,7 +2902,7 @@
           <a:p>
             <a:fld id="{C04051DA-BB6C-4F90-AE63-86FA0FBECCA9}" type="datetimeFigureOut">
               <a:rPr lang="en-US" smtClean="0"/>
-              <a:t>11/5/2018</a:t>
+              <a:t>11/6/2018</a:t>
             </a:fld>
             <a:endParaRPr lang="en-US"/>
           </a:p>
@@ -3081,7 +3082,7 @@
           <a:p>
             <a:fld id="{C04051DA-BB6C-4F90-AE63-86FA0FBECCA9}" type="datetimeFigureOut">
               <a:rPr lang="en-US" smtClean="0"/>
-              <a:t>11/5/2018</a:t>
+              <a:t>11/6/2018</a:t>
             </a:fld>
             <a:endParaRPr lang="en-US"/>
           </a:p>
@@ -3251,7 +3252,7 @@
           <a:p>
             <a:fld id="{C04051DA-BB6C-4F90-AE63-86FA0FBECCA9}" type="datetimeFigureOut">
               <a:rPr lang="en-US" smtClean="0"/>
-              <a:t>11/5/2018</a:t>
+              <a:t>11/6/2018</a:t>
             </a:fld>
             <a:endParaRPr lang="en-US"/>
           </a:p>
@@ -3501,7 +3502,7 @@
           <a:p>
             <a:fld id="{C04051DA-BB6C-4F90-AE63-86FA0FBECCA9}" type="datetimeFigureOut">
               <a:rPr lang="en-US" smtClean="0"/>
-              <a:t>11/5/2018</a:t>
+              <a:t>11/6/2018</a:t>
             </a:fld>
             <a:endParaRPr lang="en-US"/>
           </a:p>
@@ -3737,7 +3738,7 @@
           <a:p>
             <a:fld id="{C04051DA-BB6C-4F90-AE63-86FA0FBECCA9}" type="datetimeFigureOut">
               <a:rPr lang="en-US" smtClean="0"/>
-              <a:t>11/5/2018</a:t>
+              <a:t>11/6/2018</a:t>
             </a:fld>
             <a:endParaRPr lang="en-US"/>
           </a:p>
@@ -4119,7 +4120,7 @@
           <a:p>
             <a:fld id="{C04051DA-BB6C-4F90-AE63-86FA0FBECCA9}" type="datetimeFigureOut">
               <a:rPr lang="en-US" smtClean="0"/>
-              <a:t>11/5/2018</a:t>
+              <a:t>11/6/2018</a:t>
             </a:fld>
             <a:endParaRPr lang="en-US"/>
           </a:p>
@@ -4237,7 +4238,7 @@
           <a:p>
             <a:fld id="{C04051DA-BB6C-4F90-AE63-86FA0FBECCA9}" type="datetimeFigureOut">
               <a:rPr lang="en-US" smtClean="0"/>
-              <a:t>11/5/2018</a:t>
+              <a:t>11/6/2018</a:t>
             </a:fld>
             <a:endParaRPr lang="en-US"/>
           </a:p>
@@ -4332,7 +4333,7 @@
           <a:p>
             <a:fld id="{C04051DA-BB6C-4F90-AE63-86FA0FBECCA9}" type="datetimeFigureOut">
               <a:rPr lang="en-US" smtClean="0"/>
-              <a:t>11/5/2018</a:t>
+              <a:t>11/6/2018</a:t>
             </a:fld>
             <a:endParaRPr lang="en-US"/>
           </a:p>
@@ -4587,7 +4588,7 @@
           <a:p>
             <a:fld id="{C04051DA-BB6C-4F90-AE63-86FA0FBECCA9}" type="datetimeFigureOut">
               <a:rPr lang="en-US" smtClean="0"/>
-              <a:t>11/5/2018</a:t>
+              <a:t>11/6/2018</a:t>
             </a:fld>
             <a:endParaRPr lang="en-US"/>
           </a:p>
@@ -4870,7 +4871,7 @@
           <a:p>
             <a:fld id="{C04051DA-BB6C-4F90-AE63-86FA0FBECCA9}" type="datetimeFigureOut">
               <a:rPr lang="en-US" smtClean="0"/>
-              <a:t>11/5/2018</a:t>
+              <a:t>11/6/2018</a:t>
             </a:fld>
             <a:endParaRPr lang="en-US"/>
           </a:p>
@@ -5276,7 +5277,7 @@
           <a:p>
             <a:fld id="{C04051DA-BB6C-4F90-AE63-86FA0FBECCA9}" type="datetimeFigureOut">
               <a:rPr lang="en-US" smtClean="0"/>
-              <a:t>11/5/2018</a:t>
+              <a:t>11/6/2018</a:t>
             </a:fld>
             <a:endParaRPr lang="en-US"/>
           </a:p>
@@ -5816,7 +5817,7 @@
           <p:cNvPr id="2" name="Title 1">
             <a:extLst>
               <a:ext uri="{FF2B5EF4-FFF2-40B4-BE49-F238E27FC236}">
-                <a16:creationId xmlns:a16="http://schemas.microsoft.com/office/drawing/2014/main" xmlns="" id="{1DEC1DD5-CABD-4CE3-BAAC-EDF7607001A4}"/>
+                <a16:creationId xmlns:a16="http://schemas.microsoft.com/office/drawing/2014/main" id="{1DEC1DD5-CABD-4CE3-BAAC-EDF7607001A4}"/>
               </a:ext>
             </a:extLst>
           </p:cNvPr>
@@ -5844,7 +5845,7 @@
           <p:cNvPr id="3" name="Subtitle 2">
             <a:extLst>
               <a:ext uri="{FF2B5EF4-FFF2-40B4-BE49-F238E27FC236}">
-                <a16:creationId xmlns:a16="http://schemas.microsoft.com/office/drawing/2014/main" xmlns="" id="{B6A676DF-C18E-4D54-8352-938FA317F453}"/>
+                <a16:creationId xmlns:a16="http://schemas.microsoft.com/office/drawing/2014/main" id="{B6A676DF-C18E-4D54-8352-938FA317F453}"/>
               </a:ext>
             </a:extLst>
           </p:cNvPr>
@@ -5874,13 +5875,6 @@
   <p:clrMapOvr>
     <a:masterClrMapping/>
   </p:clrMapOvr>
-  <p:timing>
-    <p:tnLst>
-      <p:par>
-        <p:cTn id="1" dur="indefinite" restart="never" nodeType="tmRoot"/>
-      </p:par>
-    </p:tnLst>
-  </p:timing>
 </p:sld>
 </file>
 
@@ -5906,7 +5900,7 @@
           <p:cNvPr id="2" name="Title 1">
             <a:extLst>
               <a:ext uri="{FF2B5EF4-FFF2-40B4-BE49-F238E27FC236}">
-                <a16:creationId xmlns:a16="http://schemas.microsoft.com/office/drawing/2014/main" xmlns="" id="{43C726DE-43AE-4074-8247-C32968E8AF52}"/>
+                <a16:creationId xmlns:a16="http://schemas.microsoft.com/office/drawing/2014/main" id="{43C726DE-43AE-4074-8247-C32968E8AF52}"/>
               </a:ext>
             </a:extLst>
           </p:cNvPr>
@@ -5934,7 +5928,7 @@
           <p:cNvPr id="3" name="Content Placeholder 2">
             <a:extLst>
               <a:ext uri="{FF2B5EF4-FFF2-40B4-BE49-F238E27FC236}">
-                <a16:creationId xmlns:a16="http://schemas.microsoft.com/office/drawing/2014/main" xmlns="" id="{10E3FC0C-076C-491D-8372-24DDAECA570D}"/>
+                <a16:creationId xmlns:a16="http://schemas.microsoft.com/office/drawing/2014/main" id="{10E3FC0C-076C-491D-8372-24DDAECA570D}"/>
               </a:ext>
             </a:extLst>
           </p:cNvPr>
@@ -5993,21 +5987,8 @@
                   <a:schemeClr val="tx1"/>
                 </a:solidFill>
               </a:rPr>
-              <a:t>Caching </a:t>
-            </a:r>
-            <a:r>
-              <a:rPr lang="en-US" dirty="0" smtClean="0">
-                <a:solidFill>
-                  <a:schemeClr val="tx1"/>
-                </a:solidFill>
-              </a:rPr>
-              <a:t>strategy </a:t>
-            </a:r>
-            <a:endParaRPr lang="en-US" dirty="0">
-              <a:solidFill>
-                <a:schemeClr val="tx1"/>
-              </a:solidFill>
-            </a:endParaRPr>
+              <a:t>Caching strategy </a:t>
+            </a:r>
           </a:p>
           <a:p>
             <a:r>
@@ -6102,13 +6083,6 @@
   <p:clrMapOvr>
     <a:masterClrMapping/>
   </p:clrMapOvr>
-  <p:timing>
-    <p:tnLst>
-      <p:par>
-        <p:cTn id="1" dur="indefinite" restart="never" nodeType="tmRoot"/>
-      </p:par>
-    </p:tnLst>
-  </p:timing>
 </p:sld>
 </file>
 
@@ -6134,7 +6108,7 @@
           <p:cNvPr id="2" name="Title 1">
             <a:extLst>
               <a:ext uri="{FF2B5EF4-FFF2-40B4-BE49-F238E27FC236}">
-                <a16:creationId xmlns:a16="http://schemas.microsoft.com/office/drawing/2014/main" xmlns="" id="{5B8E0E3C-7724-4C66-AFF5-DEE7E703DFD6}"/>
+                <a16:creationId xmlns:a16="http://schemas.microsoft.com/office/drawing/2014/main" id="{5B8E0E3C-7724-4C66-AFF5-DEE7E703DFD6}"/>
               </a:ext>
             </a:extLst>
           </p:cNvPr>
@@ -6175,7 +6149,7 @@
           <p:cNvPr id="3" name="Content Placeholder 2">
             <a:extLst>
               <a:ext uri="{FF2B5EF4-FFF2-40B4-BE49-F238E27FC236}">
-                <a16:creationId xmlns:a16="http://schemas.microsoft.com/office/drawing/2014/main" xmlns="" id="{4CC45F13-5C9B-49D4-8F3B-059D4CBDC62B}"/>
+                <a16:creationId xmlns:a16="http://schemas.microsoft.com/office/drawing/2014/main" id="{4CC45F13-5C9B-49D4-8F3B-059D4CBDC62B}"/>
               </a:ext>
             </a:extLst>
           </p:cNvPr>
@@ -6314,13 +6288,6 @@
   <p:clrMapOvr>
     <a:masterClrMapping/>
   </p:clrMapOvr>
-  <p:timing>
-    <p:tnLst>
-      <p:par>
-        <p:cTn id="1" dur="indefinite" restart="never" nodeType="tmRoot"/>
-      </p:par>
-    </p:tnLst>
-  </p:timing>
 </p:sld>
 </file>
 
@@ -6346,7 +6313,7 @@
           <p:cNvPr id="2" name="Title 1">
             <a:extLst>
               <a:ext uri="{FF2B5EF4-FFF2-40B4-BE49-F238E27FC236}">
-                <a16:creationId xmlns:a16="http://schemas.microsoft.com/office/drawing/2014/main" xmlns="" id="{FD1776FB-59EC-4639-A7DF-71C67569EBF1}"/>
+                <a16:creationId xmlns:a16="http://schemas.microsoft.com/office/drawing/2014/main" id="{FD1776FB-59EC-4639-A7DF-71C67569EBF1}"/>
               </a:ext>
             </a:extLst>
           </p:cNvPr>
@@ -6379,7 +6346,7 @@
           <p:cNvPr id="3" name="Content Placeholder 2">
             <a:extLst>
               <a:ext uri="{FF2B5EF4-FFF2-40B4-BE49-F238E27FC236}">
-                <a16:creationId xmlns:a16="http://schemas.microsoft.com/office/drawing/2014/main" xmlns="" id="{04FF6E83-715A-4753-898C-0F8BC4606043}"/>
+                <a16:creationId xmlns:a16="http://schemas.microsoft.com/office/drawing/2014/main" id="{04FF6E83-715A-4753-898C-0F8BC4606043}"/>
               </a:ext>
             </a:extLst>
           </p:cNvPr>
@@ -6456,13 +6423,6 @@
   <p:clrMapOvr>
     <a:masterClrMapping/>
   </p:clrMapOvr>
-  <p:timing>
-    <p:tnLst>
-      <p:par>
-        <p:cTn id="1" dur="indefinite" restart="never" nodeType="tmRoot"/>
-      </p:par>
-    </p:tnLst>
-  </p:timing>
 </p:sld>
 </file>
 
@@ -6488,7 +6448,7 @@
           <p:cNvPr id="2" name="Title 1">
             <a:extLst>
               <a:ext uri="{FF2B5EF4-FFF2-40B4-BE49-F238E27FC236}">
-                <a16:creationId xmlns:a16="http://schemas.microsoft.com/office/drawing/2014/main" xmlns="" id="{5998A157-FCD1-4C27-8F6E-F674ED02688B}"/>
+                <a16:creationId xmlns:a16="http://schemas.microsoft.com/office/drawing/2014/main" id="{5998A157-FCD1-4C27-8F6E-F674ED02688B}"/>
               </a:ext>
             </a:extLst>
           </p:cNvPr>
@@ -6521,7 +6481,7 @@
           <p:cNvPr id="3" name="Content Placeholder 2">
             <a:extLst>
               <a:ext uri="{FF2B5EF4-FFF2-40B4-BE49-F238E27FC236}">
-                <a16:creationId xmlns:a16="http://schemas.microsoft.com/office/drawing/2014/main" xmlns="" id="{267068F6-BE1B-4F5F-92E0-84E8573583EA}"/>
+                <a16:creationId xmlns:a16="http://schemas.microsoft.com/office/drawing/2014/main" id="{267068F6-BE1B-4F5F-92E0-84E8573583EA}"/>
               </a:ext>
             </a:extLst>
           </p:cNvPr>
@@ -6720,13 +6680,6 @@
   <p:clrMapOvr>
     <a:masterClrMapping/>
   </p:clrMapOvr>
-  <p:timing>
-    <p:tnLst>
-      <p:par>
-        <p:cTn id="1" dur="indefinite" restart="never" nodeType="tmRoot"/>
-      </p:par>
-    </p:tnLst>
-  </p:timing>
 </p:sld>
 </file>
 
@@ -6752,7 +6705,7 @@
           <p:cNvPr id="2" name="Title 1">
             <a:extLst>
               <a:ext uri="{FF2B5EF4-FFF2-40B4-BE49-F238E27FC236}">
-                <a16:creationId xmlns:a16="http://schemas.microsoft.com/office/drawing/2014/main" xmlns="" id="{9CB72FEE-B902-40F9-AACA-EC55CA6C6720}"/>
+                <a16:creationId xmlns:a16="http://schemas.microsoft.com/office/drawing/2014/main" id="{9CB72FEE-B902-40F9-AACA-EC55CA6C6720}"/>
               </a:ext>
             </a:extLst>
           </p:cNvPr>
@@ -6785,7 +6738,7 @@
           <p:cNvPr id="5" name="Content Placeholder 4">
             <a:extLst>
               <a:ext uri="{FF2B5EF4-FFF2-40B4-BE49-F238E27FC236}">
-                <a16:creationId xmlns:a16="http://schemas.microsoft.com/office/drawing/2014/main" xmlns="" id="{0EEE8D40-76BA-4EA2-AD2D-6D9B6259AE63}"/>
+                <a16:creationId xmlns:a16="http://schemas.microsoft.com/office/drawing/2014/main" id="{0EEE8D40-76BA-4EA2-AD2D-6D9B6259AE63}"/>
               </a:ext>
             </a:extLst>
           </p:cNvPr>
@@ -6825,13 +6778,6 @@
   <p:clrMapOvr>
     <a:masterClrMapping/>
   </p:clrMapOvr>
-  <p:timing>
-    <p:tnLst>
-      <p:par>
-        <p:cTn id="1" dur="indefinite" restart="never" nodeType="tmRoot"/>
-      </p:par>
-    </p:tnLst>
-  </p:timing>
 </p:sld>
 </file>
 
@@ -6857,7 +6803,7 @@
           <p:cNvPr id="2" name="Title 1">
             <a:extLst>
               <a:ext uri="{FF2B5EF4-FFF2-40B4-BE49-F238E27FC236}">
-                <a16:creationId xmlns:a16="http://schemas.microsoft.com/office/drawing/2014/main" xmlns="" id="{3F2B6B2B-52E3-44A1-B06E-81EDEADA04F5}"/>
+                <a16:creationId xmlns:a16="http://schemas.microsoft.com/office/drawing/2014/main" id="{3F2B6B2B-52E3-44A1-B06E-81EDEADA04F5}"/>
               </a:ext>
             </a:extLst>
           </p:cNvPr>
@@ -6894,7 +6840,7 @@
           <p:cNvPr id="3" name="Content Placeholder 2">
             <a:extLst>
               <a:ext uri="{FF2B5EF4-FFF2-40B4-BE49-F238E27FC236}">
-                <a16:creationId xmlns:a16="http://schemas.microsoft.com/office/drawing/2014/main" xmlns="" id="{89426F1F-F7A3-44F6-B515-7260B22129D5}"/>
+                <a16:creationId xmlns:a16="http://schemas.microsoft.com/office/drawing/2014/main" id="{89426F1F-F7A3-44F6-B515-7260B22129D5}"/>
               </a:ext>
             </a:extLst>
           </p:cNvPr>
@@ -6916,15 +6862,7 @@
                   <a:schemeClr val="tx1"/>
                 </a:solidFill>
               </a:rPr>
-              <a:t>The app shell mean minimal HTML,CSS,JS powering the user interface. Since shell doesn’t  usually change we can cache and once loaded, dynamic content can populate the view</a:t>
-            </a:r>
-            <a:r>
-              <a:rPr lang="en-US" dirty="0" smtClean="0">
-                <a:solidFill>
-                  <a:schemeClr val="tx1"/>
-                </a:solidFill>
-              </a:rPr>
-              <a:t>.</a:t>
+              <a:t>The app shell mean minimal HTML,CSS,JS powering the user interface. Since shell doesn’t  usually change we can cache and once loaded, dynamic content can populate the view.</a:t>
             </a:r>
           </a:p>
           <a:p>
@@ -6936,11 +6874,6 @@
               </a:rPr>
               <a:t>Demo: https://github.com/GoogleChromeLabs/application-shell</a:t>
             </a:r>
-            <a:endParaRPr lang="en-US" dirty="0">
-              <a:solidFill>
-                <a:schemeClr val="tx1"/>
-              </a:solidFill>
-            </a:endParaRPr>
           </a:p>
         </p:txBody>
       </p:sp>
@@ -6954,13 +6887,6 @@
   <p:clrMapOvr>
     <a:masterClrMapping/>
   </p:clrMapOvr>
-  <p:timing>
-    <p:tnLst>
-      <p:par>
-        <p:cTn id="1" dur="indefinite" restart="never" nodeType="tmRoot"/>
-      </p:par>
-    </p:tnLst>
-  </p:timing>
 </p:sld>
 </file>
 
@@ -7024,47 +6950,73 @@
         </p:nvSpPr>
         <p:spPr>
           <a:xfrm>
-            <a:off x="745172" y="0"/>
+            <a:off x="675504" y="701336"/>
             <a:ext cx="8534400" cy="3615267"/>
           </a:xfrm>
         </p:spPr>
         <p:txBody>
-          <a:bodyPr/>
-          <a:lstStyle/>
-          <a:p>
-            <a:r>
-              <a:rPr lang="en-US" dirty="0" err="1">
+          <a:bodyPr>
+            <a:normAutofit fontScale="85000" lnSpcReduction="20000"/>
+          </a:bodyPr>
+          <a:lstStyle/>
+          <a:p>
+            <a:r>
+              <a:rPr lang="en-US" dirty="0">
                 <a:solidFill>
                   <a:schemeClr val="tx1"/>
                 </a:solidFill>
               </a:rPr>
-              <a:t>Precaching</a:t>
-            </a:r>
+              <a:t>On Install</a:t>
+            </a:r>
+          </a:p>
+          <a:p>
             <a:r>
               <a:rPr lang="en-US" dirty="0">
                 <a:solidFill>
                   <a:schemeClr val="tx1"/>
                 </a:solidFill>
               </a:rPr>
-              <a:t> during Service </a:t>
-            </a:r>
-            <a:r>
-              <a:rPr lang="en-US" dirty="0" smtClean="0">
+              <a:t>On activate</a:t>
+            </a:r>
+          </a:p>
+          <a:p>
+            <a:r>
+              <a:rPr lang="en-US" dirty="0">
                 <a:solidFill>
                   <a:schemeClr val="tx1"/>
                 </a:solidFill>
               </a:rPr>
-              <a:t>Worker installation</a:t>
-            </a:r>
-          </a:p>
-          <a:p>
-            <a:r>
-              <a:rPr lang="en-US" dirty="0" smtClean="0">
+              <a:t>On user interaction</a:t>
+            </a:r>
+          </a:p>
+          <a:p>
+            <a:r>
+              <a:rPr lang="en-US" dirty="0">
                 <a:solidFill>
                   <a:schemeClr val="tx1"/>
                 </a:solidFill>
               </a:rPr>
-              <a:t>Cache First </a:t>
+              <a:t>On network response</a:t>
+            </a:r>
+          </a:p>
+          <a:p>
+            <a:r>
+              <a:rPr lang="en-US" dirty="0">
+                <a:solidFill>
+                  <a:schemeClr val="tx1"/>
+                </a:solidFill>
+              </a:rPr>
+              <a:t>Stale-while-revalidate</a:t>
+            </a:r>
+          </a:p>
+          <a:p>
+            <a:r>
+              <a:rPr lang="en-US" dirty="0">
+                <a:solidFill>
+                  <a:schemeClr val="tx1"/>
+                </a:solidFill>
+              </a:rPr>
+              <a:t>On push message</a:t>
             </a:r>
           </a:p>
           <a:p>
@@ -7074,15 +7026,126 @@
               </a:solidFill>
             </a:endParaRPr>
           </a:p>
+          <a:p>
+            <a:pPr marL="0" indent="0">
+              <a:buNone/>
+            </a:pPr>
+            <a:r>
+              <a:rPr lang="en-US" dirty="0">
+                <a:solidFill>
+                  <a:schemeClr val="tx1"/>
+                </a:solidFill>
+              </a:rPr>
+              <a:t>Demo:</a:t>
+            </a:r>
+          </a:p>
+          <a:p>
+            <a:pPr marL="457200" indent="-457200">
+              <a:buFont typeface="+mj-lt"/>
+              <a:buAutoNum type="arabicPeriod"/>
+            </a:pPr>
+            <a:r>
+              <a:rPr lang="en-US" dirty="0">
+                <a:solidFill>
+                  <a:schemeClr val="tx1"/>
+                </a:solidFill>
+              </a:rPr>
+              <a:t>Precaching during Service Worker installation</a:t>
+            </a:r>
+          </a:p>
+          <a:p>
+            <a:pPr marL="457200" indent="-457200">
+              <a:buFont typeface="+mj-lt"/>
+              <a:buAutoNum type="arabicPeriod"/>
+            </a:pPr>
+            <a:r>
+              <a:rPr lang="en-US" dirty="0">
+                <a:solidFill>
+                  <a:schemeClr val="tx1"/>
+                </a:solidFill>
+              </a:rPr>
+              <a:t>Cache First </a:t>
+            </a:r>
+          </a:p>
+          <a:p>
+            <a:endParaRPr lang="en-US" dirty="0">
+              <a:solidFill>
+                <a:schemeClr val="tx1"/>
+              </a:solidFill>
+            </a:endParaRPr>
+          </a:p>
+        </p:txBody>
+      </p:sp>
+    </p:spTree>
+    <p:extLst>
+      <p:ext uri="{BB962C8B-B14F-4D97-AF65-F5344CB8AC3E}">
+        <p14:creationId xmlns:p14="http://schemas.microsoft.com/office/powerpoint/2010/main" val="1112003914"/>
+      </p:ext>
+    </p:extLst>
+  </p:cSld>
+  <p:clrMapOvr>
+    <a:masterClrMapping/>
+  </p:clrMapOvr>
+</p:sld>
+</file>
+
+<file path=ppt/slides/slide9.xml><?xml version="1.0" encoding="utf-8"?>
+<p:sld xmlns:a="http://schemas.openxmlformats.org/drawingml/2006/main" xmlns:r="http://schemas.openxmlformats.org/officeDocument/2006/relationships" xmlns:p="http://schemas.openxmlformats.org/presentationml/2006/main">
+  <p:cSld>
+    <p:spTree>
+      <p:nvGrpSpPr>
+        <p:cNvPr id="1" name=""/>
+        <p:cNvGrpSpPr/>
+        <p:nvPr/>
+      </p:nvGrpSpPr>
+      <p:grpSpPr>
+        <a:xfrm>
+          <a:off x="0" y="0"/>
+          <a:ext cx="0" cy="0"/>
+          <a:chOff x="0" y="0"/>
+          <a:chExt cx="0" cy="0"/>
+        </a:xfrm>
+      </p:grpSpPr>
+      <p:sp>
+        <p:nvSpPr>
+          <p:cNvPr id="2" name="Title 1">
+            <a:extLst>
+              <a:ext uri="{FF2B5EF4-FFF2-40B4-BE49-F238E27FC236}">
+                <a16:creationId xmlns:a16="http://schemas.microsoft.com/office/drawing/2014/main" id="{C8B43DA7-2345-408B-AB8C-F23698E6052C}"/>
+              </a:ext>
+            </a:extLst>
+          </p:cNvPr>
+          <p:cNvSpPr>
+            <a:spLocks noGrp="1"/>
+          </p:cNvSpPr>
+          <p:nvPr>
+            <p:ph type="title"/>
+          </p:nvPr>
+        </p:nvSpPr>
+        <p:spPr/>
+        <p:txBody>
+          <a:bodyPr/>
+          <a:lstStyle/>
+          <a:p>
+            <a:endParaRPr lang="en-US"/>
+          </a:p>
         </p:txBody>
       </p:sp>
       <p:pic>
         <p:nvPicPr>
-          <p:cNvPr id="5" name="Picture 4"/>
+          <p:cNvPr id="4" name="Content Placeholder 3">
+            <a:extLst>
+              <a:ext uri="{FF2B5EF4-FFF2-40B4-BE49-F238E27FC236}">
+                <a16:creationId xmlns:a16="http://schemas.microsoft.com/office/drawing/2014/main" id="{416C16D3-06DA-434A-A615-91B440249FC7}"/>
+              </a:ext>
+            </a:extLst>
+          </p:cNvPr>
           <p:cNvPicPr>
-            <a:picLocks noChangeAspect="1"/>
+            <a:picLocks noGrp="1" noChangeAspect="1"/>
           </p:cNvPicPr>
-          <p:nvPr/>
+          <p:nvPr>
+            <p:ph idx="1"/>
+          </p:nvPr>
         </p:nvPicPr>
         <p:blipFill>
           <a:blip r:embed="rId2">
@@ -7098,8 +7161,8 @@
         </p:blipFill>
         <p:spPr>
           <a:xfrm>
-            <a:off x="844732" y="2090327"/>
-            <a:ext cx="9074332" cy="3433597"/>
+            <a:off x="1684378" y="685800"/>
+            <a:ext cx="6534069" cy="3614738"/>
           </a:xfrm>
           <a:prstGeom prst="rect">
             <a:avLst/>
@@ -7109,20 +7172,13 @@
     </p:spTree>
     <p:extLst>
       <p:ext uri="{BB962C8B-B14F-4D97-AF65-F5344CB8AC3E}">
-        <p14:creationId xmlns:p14="http://schemas.microsoft.com/office/powerpoint/2010/main" val="1112003914"/>
+        <p14:creationId xmlns:p14="http://schemas.microsoft.com/office/powerpoint/2010/main" val="1864608788"/>
       </p:ext>
     </p:extLst>
   </p:cSld>
   <p:clrMapOvr>
     <a:masterClrMapping/>
   </p:clrMapOvr>
-  <p:timing>
-    <p:tnLst>
-      <p:par>
-        <p:cTn id="1" dur="indefinite" restart="never" nodeType="tmRoot"/>
-      </p:par>
-    </p:tnLst>
-  </p:timing>
 </p:sld>
 </file>
 

--- a/Progressive Web App/PWA.pptx
+++ b/Progressive Web App/PWA.pptx
@@ -6119,7 +6119,12 @@
             <p:ph type="title"/>
           </p:nvPr>
         </p:nvSpPr>
-        <p:spPr/>
+        <p:spPr>
+          <a:xfrm>
+            <a:off x="684212" y="5144280"/>
+            <a:ext cx="8534400" cy="1507067"/>
+          </a:xfrm>
+        </p:spPr>
         <p:txBody>
           <a:bodyPr>
             <a:normAutofit fontScale="90000"/>
@@ -6160,7 +6165,12 @@
             <p:ph idx="1"/>
           </p:nvPr>
         </p:nvSpPr>
-        <p:spPr/>
+        <p:spPr>
+          <a:xfrm>
+            <a:off x="684212" y="943252"/>
+            <a:ext cx="8534400" cy="3615267"/>
+          </a:xfrm>
+        </p:spPr>
         <p:txBody>
           <a:bodyPr>
             <a:normAutofit lnSpcReduction="10000"/>
@@ -7161,8 +7171,8 @@
         </p:blipFill>
         <p:spPr>
           <a:xfrm>
-            <a:off x="1684378" y="685800"/>
-            <a:ext cx="6534069" cy="3614738"/>
+            <a:off x="684212" y="1036581"/>
+            <a:ext cx="8534400" cy="4337175"/>
           </a:xfrm>
           <a:prstGeom prst="rect">
             <a:avLst/>

--- a/Progressive Web App/PWA.pptx
+++ b/Progressive Web App/PWA.pptx
@@ -5,7 +5,7 @@
     <p:sldMasterId id="2147483660" r:id="rId1"/>
   </p:sldMasterIdLst>
   <p:notesMasterIdLst>
-    <p:notesMasterId r:id="rId11"/>
+    <p:notesMasterId r:id="rId12"/>
   </p:notesMasterIdLst>
   <p:sldIdLst>
     <p:sldId id="256" r:id="rId2"/>
@@ -17,6 +17,7 @@
     <p:sldId id="262" r:id="rId8"/>
     <p:sldId id="263" r:id="rId9"/>
     <p:sldId id="264" r:id="rId10"/>
+    <p:sldId id="265" r:id="rId11"/>
   </p:sldIdLst>
   <p:sldSz cx="12192000" cy="6858000"/>
   <p:notesSz cx="6858000" cy="9144000"/>
@@ -5869,6 +5870,104 @@
     <p:extLst>
       <p:ext uri="{BB962C8B-B14F-4D97-AF65-F5344CB8AC3E}">
         <p14:creationId xmlns:p14="http://schemas.microsoft.com/office/powerpoint/2010/main" val="2912831867"/>
+      </p:ext>
+    </p:extLst>
+  </p:cSld>
+  <p:clrMapOvr>
+    <a:masterClrMapping/>
+  </p:clrMapOvr>
+</p:sld>
+</file>
+
+<file path=ppt/slides/slide10.xml><?xml version="1.0" encoding="utf-8"?>
+<p:sld xmlns:a="http://schemas.openxmlformats.org/drawingml/2006/main" xmlns:r="http://schemas.openxmlformats.org/officeDocument/2006/relationships" xmlns:p="http://schemas.openxmlformats.org/presentationml/2006/main">
+  <p:cSld>
+    <p:spTree>
+      <p:nvGrpSpPr>
+        <p:cNvPr id="1" name=""/>
+        <p:cNvGrpSpPr/>
+        <p:nvPr/>
+      </p:nvGrpSpPr>
+      <p:grpSpPr>
+        <a:xfrm>
+          <a:off x="0" y="0"/>
+          <a:ext cx="0" cy="0"/>
+          <a:chOff x="0" y="0"/>
+          <a:chExt cx="0" cy="0"/>
+        </a:xfrm>
+      </p:grpSpPr>
+      <p:sp>
+        <p:nvSpPr>
+          <p:cNvPr id="2" name="Title 1">
+            <a:extLst>
+              <a:ext uri="{FF2B5EF4-FFF2-40B4-BE49-F238E27FC236}">
+                <a16:creationId xmlns:a16="http://schemas.microsoft.com/office/drawing/2014/main" id="{4C563FB7-B9B0-4A8B-A4AB-449E119AE454}"/>
+              </a:ext>
+            </a:extLst>
+          </p:cNvPr>
+          <p:cNvSpPr>
+            <a:spLocks noGrp="1"/>
+          </p:cNvSpPr>
+          <p:nvPr>
+            <p:ph type="title"/>
+          </p:nvPr>
+        </p:nvSpPr>
+        <p:spPr>
+          <a:xfrm>
+            <a:off x="701967" y="4789172"/>
+            <a:ext cx="8534400" cy="1507067"/>
+          </a:xfrm>
+        </p:spPr>
+        <p:txBody>
+          <a:bodyPr/>
+          <a:lstStyle/>
+          <a:p>
+            <a:r>
+              <a:rPr lang="en-US" dirty="0"/>
+              <a:t>Fetch API</a:t>
+            </a:r>
+          </a:p>
+        </p:txBody>
+      </p:sp>
+      <p:pic>
+        <p:nvPicPr>
+          <p:cNvPr id="6" name="Content Placeholder 5">
+            <a:extLst>
+              <a:ext uri="{FF2B5EF4-FFF2-40B4-BE49-F238E27FC236}">
+                <a16:creationId xmlns:a16="http://schemas.microsoft.com/office/drawing/2014/main" id="{DEE54AF1-098B-421B-B35F-D03D5723B00C}"/>
+              </a:ext>
+            </a:extLst>
+          </p:cNvPr>
+          <p:cNvPicPr>
+            <a:picLocks noGrp="1" noChangeAspect="1"/>
+          </p:cNvPicPr>
+          <p:nvPr>
+            <p:ph idx="1"/>
+          </p:nvPr>
+        </p:nvPicPr>
+        <p:blipFill>
+          <a:blip r:embed="rId2">
+            <a:extLst>
+              <a:ext uri="{28A0092B-C50C-407E-A947-70E740481C1C}">
+                <a14:useLocalDpi xmlns:a14="http://schemas.microsoft.com/office/drawing/2010/main" val="0"/>
+              </a:ext>
+            </a:extLst>
+          </a:blip>
+          <a:stretch>
+            <a:fillRect/>
+          </a:stretch>
+        </p:blipFill>
+        <p:spPr>
+          <a:xfrm>
+            <a:off x="766468" y="229686"/>
+            <a:ext cx="8688250" cy="4778743"/>
+          </a:xfrm>
+        </p:spPr>
+      </p:pic>
+    </p:spTree>
+    <p:extLst>
+      <p:ext uri="{BB962C8B-B14F-4D97-AF65-F5344CB8AC3E}">
+        <p14:creationId xmlns:p14="http://schemas.microsoft.com/office/powerpoint/2010/main" val="1930993044"/>
       </p:ext>
     </p:extLst>
   </p:cSld>

--- a/Progressive Web App/PWA.pptx
+++ b/Progressive Web App/PWA.pptx
@@ -5,7 +5,7 @@
     <p:sldMasterId id="2147483660" r:id="rId1"/>
   </p:sldMasterIdLst>
   <p:notesMasterIdLst>
-    <p:notesMasterId r:id="rId12"/>
+    <p:notesMasterId r:id="rId13"/>
   </p:notesMasterIdLst>
   <p:sldIdLst>
     <p:sldId id="256" r:id="rId2"/>
@@ -18,6 +18,7 @@
     <p:sldId id="263" r:id="rId9"/>
     <p:sldId id="264" r:id="rId10"/>
     <p:sldId id="265" r:id="rId11"/>
+    <p:sldId id="266" r:id="rId12"/>
   </p:sldIdLst>
   <p:sldSz cx="12192000" cy="6858000"/>
   <p:notesSz cx="6858000" cy="9144000"/>
@@ -5968,6 +5969,159 @@
     <p:extLst>
       <p:ext uri="{BB962C8B-B14F-4D97-AF65-F5344CB8AC3E}">
         <p14:creationId xmlns:p14="http://schemas.microsoft.com/office/powerpoint/2010/main" val="1930993044"/>
+      </p:ext>
+    </p:extLst>
+  </p:cSld>
+  <p:clrMapOvr>
+    <a:masterClrMapping/>
+  </p:clrMapOvr>
+</p:sld>
+</file>
+
+<file path=ppt/slides/slide11.xml><?xml version="1.0" encoding="utf-8"?>
+<p:sld xmlns:a="http://schemas.openxmlformats.org/drawingml/2006/main" xmlns:r="http://schemas.openxmlformats.org/officeDocument/2006/relationships" xmlns:p="http://schemas.openxmlformats.org/presentationml/2006/main">
+  <p:cSld>
+    <p:spTree>
+      <p:nvGrpSpPr>
+        <p:cNvPr id="1" name=""/>
+        <p:cNvGrpSpPr/>
+        <p:nvPr/>
+      </p:nvGrpSpPr>
+      <p:grpSpPr>
+        <a:xfrm>
+          <a:off x="0" y="0"/>
+          <a:ext cx="0" cy="0"/>
+          <a:chOff x="0" y="0"/>
+          <a:chExt cx="0" cy="0"/>
+        </a:xfrm>
+      </p:grpSpPr>
+      <p:sp>
+        <p:nvSpPr>
+          <p:cNvPr id="2" name="Title 1">
+            <a:extLst>
+              <a:ext uri="{FF2B5EF4-FFF2-40B4-BE49-F238E27FC236}">
+                <a16:creationId xmlns:a16="http://schemas.microsoft.com/office/drawing/2014/main" id="{1CE5E76C-50B9-4A9E-A76E-FDB8153F0A7A}"/>
+              </a:ext>
+            </a:extLst>
+          </p:cNvPr>
+          <p:cNvSpPr>
+            <a:spLocks noGrp="1"/>
+          </p:cNvSpPr>
+          <p:nvPr>
+            <p:ph type="title"/>
+          </p:nvPr>
+        </p:nvSpPr>
+        <p:spPr>
+          <a:xfrm>
+            <a:off x="684212" y="5963815"/>
+            <a:ext cx="8534400" cy="1507067"/>
+          </a:xfrm>
+        </p:spPr>
+        <p:txBody>
+          <a:bodyPr/>
+          <a:lstStyle/>
+          <a:p>
+            <a:r>
+              <a:rPr lang="en-US" dirty="0"/>
+              <a:t>Web App Manifest</a:t>
+            </a:r>
+            <a:br>
+              <a:rPr lang="en-US" dirty="0"/>
+            </a:br>
+            <a:endParaRPr lang="en-US" dirty="0"/>
+          </a:p>
+        </p:txBody>
+      </p:sp>
+      <p:sp>
+        <p:nvSpPr>
+          <p:cNvPr id="3" name="Content Placeholder 2">
+            <a:extLst>
+              <a:ext uri="{FF2B5EF4-FFF2-40B4-BE49-F238E27FC236}">
+                <a16:creationId xmlns:a16="http://schemas.microsoft.com/office/drawing/2014/main" id="{48F2C5EF-27DF-4405-B689-B76C63BA4D19}"/>
+              </a:ext>
+            </a:extLst>
+          </p:cNvPr>
+          <p:cNvSpPr>
+            <a:spLocks noGrp="1"/>
+          </p:cNvSpPr>
+          <p:nvPr>
+            <p:ph idx="1"/>
+          </p:nvPr>
+        </p:nvSpPr>
+        <p:spPr>
+          <a:xfrm>
+            <a:off x="684212" y="-32018"/>
+            <a:ext cx="8534400" cy="3615267"/>
+          </a:xfrm>
+        </p:spPr>
+        <p:txBody>
+          <a:bodyPr/>
+          <a:lstStyle/>
+          <a:p>
+            <a:r>
+              <a:rPr lang="en-US" dirty="0"/>
+              <a:t>A </a:t>
+            </a:r>
+            <a:r>
+              <a:rPr lang="en-US" i="1" dirty="0"/>
+              <a:t>web app manifest </a:t>
+            </a:r>
+            <a:r>
+              <a:rPr lang="en-US" dirty="0"/>
+              <a:t>file is a simple JSON file that provides useful information about the application (such as its name, author, icon, and description) in a text file.</a:t>
+            </a:r>
+          </a:p>
+          <a:p>
+            <a:endParaRPr lang="en-US" dirty="0"/>
+          </a:p>
+          <a:p>
+            <a:endParaRPr lang="en-US" dirty="0"/>
+          </a:p>
+          <a:p>
+            <a:endParaRPr lang="en-US" dirty="0"/>
+          </a:p>
+        </p:txBody>
+      </p:sp>
+      <p:pic>
+        <p:nvPicPr>
+          <p:cNvPr id="9" name="Picture 8">
+            <a:extLst>
+              <a:ext uri="{FF2B5EF4-FFF2-40B4-BE49-F238E27FC236}">
+                <a16:creationId xmlns:a16="http://schemas.microsoft.com/office/drawing/2014/main" id="{CD2C4364-711E-460D-9CEB-9A4EB69FCDD5}"/>
+              </a:ext>
+            </a:extLst>
+          </p:cNvPr>
+          <p:cNvPicPr>
+            <a:picLocks noChangeAspect="1"/>
+          </p:cNvPicPr>
+          <p:nvPr/>
+        </p:nvPicPr>
+        <p:blipFill>
+          <a:blip r:embed="rId2">
+            <a:extLst>
+              <a:ext uri="{28A0092B-C50C-407E-A947-70E740481C1C}">
+                <a14:useLocalDpi xmlns:a14="http://schemas.microsoft.com/office/drawing/2010/main" val="0"/>
+              </a:ext>
+            </a:extLst>
+          </a:blip>
+          <a:stretch>
+            <a:fillRect/>
+          </a:stretch>
+        </p:blipFill>
+        <p:spPr>
+          <a:xfrm>
+            <a:off x="1010783" y="1775615"/>
+            <a:ext cx="10008670" cy="4032956"/>
+          </a:xfrm>
+          <a:prstGeom prst="rect">
+            <a:avLst/>
+          </a:prstGeom>
+        </p:spPr>
+      </p:pic>
+    </p:spTree>
+    <p:extLst>
+      <p:ext uri="{BB962C8B-B14F-4D97-AF65-F5344CB8AC3E}">
+        <p14:creationId xmlns:p14="http://schemas.microsoft.com/office/powerpoint/2010/main" val="2165020322"/>
       </p:ext>
     </p:extLst>
   </p:cSld>

--- a/Progressive Web App/PWA.pptx
+++ b/Progressive Web App/PWA.pptx
@@ -207,7 +207,7 @@
           <a:p>
             <a:fld id="{C72D6864-BB37-41A0-8C8D-E8C9E6E86ABA}" type="datetimeFigureOut">
               <a:rPr lang="en-US" smtClean="0"/>
-              <a:t>11/6/2018</a:t>
+              <a:t>11/28/2018</a:t>
             </a:fld>
             <a:endParaRPr lang="en-US"/>
           </a:p>
@@ -749,7 +749,7 @@
           <a:p>
             <a:fld id="{C04051DA-BB6C-4F90-AE63-86FA0FBECCA9}" type="datetimeFigureOut">
               <a:rPr lang="en-US" smtClean="0"/>
-              <a:t>11/6/2018</a:t>
+              <a:t>11/28/2018</a:t>
             </a:fld>
             <a:endParaRPr lang="en-US"/>
           </a:p>
@@ -1185,7 +1185,7 @@
           <a:p>
             <a:fld id="{C04051DA-BB6C-4F90-AE63-86FA0FBECCA9}" type="datetimeFigureOut">
               <a:rPr lang="en-US" smtClean="0"/>
-              <a:t>11/6/2018</a:t>
+              <a:t>11/28/2018</a:t>
             </a:fld>
             <a:endParaRPr lang="en-US"/>
           </a:p>
@@ -1435,7 +1435,7 @@
           <a:p>
             <a:fld id="{C04051DA-BB6C-4F90-AE63-86FA0FBECCA9}" type="datetimeFigureOut">
               <a:rPr lang="en-US" smtClean="0"/>
-              <a:t>11/6/2018</a:t>
+              <a:t>11/28/2018</a:t>
             </a:fld>
             <a:endParaRPr lang="en-US"/>
           </a:p>
@@ -1743,7 +1743,7 @@
           <a:p>
             <a:fld id="{C04051DA-BB6C-4F90-AE63-86FA0FBECCA9}" type="datetimeFigureOut">
               <a:rPr lang="en-US" smtClean="0"/>
-              <a:t>11/6/2018</a:t>
+              <a:t>11/28/2018</a:t>
             </a:fld>
             <a:endParaRPr lang="en-US"/>
           </a:p>
@@ -2061,7 +2061,7 @@
           <a:p>
             <a:fld id="{C04051DA-BB6C-4F90-AE63-86FA0FBECCA9}" type="datetimeFigureOut">
               <a:rPr lang="en-US" smtClean="0"/>
-              <a:t>11/6/2018</a:t>
+              <a:t>11/28/2018</a:t>
             </a:fld>
             <a:endParaRPr lang="en-US"/>
           </a:p>
@@ -2363,7 +2363,7 @@
           <a:p>
             <a:fld id="{C04051DA-BB6C-4F90-AE63-86FA0FBECCA9}" type="datetimeFigureOut">
               <a:rPr lang="en-US" smtClean="0"/>
-              <a:t>11/6/2018</a:t>
+              <a:t>11/28/2018</a:t>
             </a:fld>
             <a:endParaRPr lang="en-US"/>
           </a:p>
@@ -2730,7 +2730,7 @@
           <a:p>
             <a:fld id="{C04051DA-BB6C-4F90-AE63-86FA0FBECCA9}" type="datetimeFigureOut">
               <a:rPr lang="en-US" smtClean="0"/>
-              <a:t>11/6/2018</a:t>
+              <a:t>11/28/2018</a:t>
             </a:fld>
             <a:endParaRPr lang="en-US"/>
           </a:p>
@@ -2904,7 +2904,7 @@
           <a:p>
             <a:fld id="{C04051DA-BB6C-4F90-AE63-86FA0FBECCA9}" type="datetimeFigureOut">
               <a:rPr lang="en-US" smtClean="0"/>
-              <a:t>11/6/2018</a:t>
+              <a:t>11/28/2018</a:t>
             </a:fld>
             <a:endParaRPr lang="en-US"/>
           </a:p>
@@ -3084,7 +3084,7 @@
           <a:p>
             <a:fld id="{C04051DA-BB6C-4F90-AE63-86FA0FBECCA9}" type="datetimeFigureOut">
               <a:rPr lang="en-US" smtClean="0"/>
-              <a:t>11/6/2018</a:t>
+              <a:t>11/28/2018</a:t>
             </a:fld>
             <a:endParaRPr lang="en-US"/>
           </a:p>
@@ -3254,7 +3254,7 @@
           <a:p>
             <a:fld id="{C04051DA-BB6C-4F90-AE63-86FA0FBECCA9}" type="datetimeFigureOut">
               <a:rPr lang="en-US" smtClean="0"/>
-              <a:t>11/6/2018</a:t>
+              <a:t>11/28/2018</a:t>
             </a:fld>
             <a:endParaRPr lang="en-US"/>
           </a:p>
@@ -3504,7 +3504,7 @@
           <a:p>
             <a:fld id="{C04051DA-BB6C-4F90-AE63-86FA0FBECCA9}" type="datetimeFigureOut">
               <a:rPr lang="en-US" smtClean="0"/>
-              <a:t>11/6/2018</a:t>
+              <a:t>11/28/2018</a:t>
             </a:fld>
             <a:endParaRPr lang="en-US"/>
           </a:p>
@@ -3740,7 +3740,7 @@
           <a:p>
             <a:fld id="{C04051DA-BB6C-4F90-AE63-86FA0FBECCA9}" type="datetimeFigureOut">
               <a:rPr lang="en-US" smtClean="0"/>
-              <a:t>11/6/2018</a:t>
+              <a:t>11/28/2018</a:t>
             </a:fld>
             <a:endParaRPr lang="en-US"/>
           </a:p>
@@ -4122,7 +4122,7 @@
           <a:p>
             <a:fld id="{C04051DA-BB6C-4F90-AE63-86FA0FBECCA9}" type="datetimeFigureOut">
               <a:rPr lang="en-US" smtClean="0"/>
-              <a:t>11/6/2018</a:t>
+              <a:t>11/28/2018</a:t>
             </a:fld>
             <a:endParaRPr lang="en-US"/>
           </a:p>
@@ -4240,7 +4240,7 @@
           <a:p>
             <a:fld id="{C04051DA-BB6C-4F90-AE63-86FA0FBECCA9}" type="datetimeFigureOut">
               <a:rPr lang="en-US" smtClean="0"/>
-              <a:t>11/6/2018</a:t>
+              <a:t>11/28/2018</a:t>
             </a:fld>
             <a:endParaRPr lang="en-US"/>
           </a:p>
@@ -4335,7 +4335,7 @@
           <a:p>
             <a:fld id="{C04051DA-BB6C-4F90-AE63-86FA0FBECCA9}" type="datetimeFigureOut">
               <a:rPr lang="en-US" smtClean="0"/>
-              <a:t>11/6/2018</a:t>
+              <a:t>11/28/2018</a:t>
             </a:fld>
             <a:endParaRPr lang="en-US"/>
           </a:p>
@@ -4590,7 +4590,7 @@
           <a:p>
             <a:fld id="{C04051DA-BB6C-4F90-AE63-86FA0FBECCA9}" type="datetimeFigureOut">
               <a:rPr lang="en-US" smtClean="0"/>
-              <a:t>11/6/2018</a:t>
+              <a:t>11/28/2018</a:t>
             </a:fld>
             <a:endParaRPr lang="en-US"/>
           </a:p>
@@ -4873,7 +4873,7 @@
           <a:p>
             <a:fld id="{C04051DA-BB6C-4F90-AE63-86FA0FBECCA9}" type="datetimeFigureOut">
               <a:rPr lang="en-US" smtClean="0"/>
-              <a:t>11/6/2018</a:t>
+              <a:t>11/28/2018</a:t>
             </a:fld>
             <a:endParaRPr lang="en-US"/>
           </a:p>
@@ -5279,7 +5279,7 @@
           <a:p>
             <a:fld id="{C04051DA-BB6C-4F90-AE63-86FA0FBECCA9}" type="datetimeFigureOut">
               <a:rPr lang="en-US" smtClean="0"/>
-              <a:t>11/6/2018</a:t>
+              <a:t>11/28/2018</a:t>
             </a:fld>
             <a:endParaRPr lang="en-US"/>
           </a:p>
@@ -5819,7 +5819,7 @@
           <p:cNvPr id="2" name="Title 1">
             <a:extLst>
               <a:ext uri="{FF2B5EF4-FFF2-40B4-BE49-F238E27FC236}">
-                <a16:creationId xmlns:a16="http://schemas.microsoft.com/office/drawing/2014/main" id="{1DEC1DD5-CABD-4CE3-BAAC-EDF7607001A4}"/>
+                <a16:creationId xmlns:a16="http://schemas.microsoft.com/office/drawing/2014/main" xmlns="" id="{1DEC1DD5-CABD-4CE3-BAAC-EDF7607001A4}"/>
               </a:ext>
             </a:extLst>
           </p:cNvPr>
@@ -5847,7 +5847,7 @@
           <p:cNvPr id="3" name="Subtitle 2">
             <a:extLst>
               <a:ext uri="{FF2B5EF4-FFF2-40B4-BE49-F238E27FC236}">
-                <a16:creationId xmlns:a16="http://schemas.microsoft.com/office/drawing/2014/main" id="{B6A676DF-C18E-4D54-8352-938FA317F453}"/>
+                <a16:creationId xmlns:a16="http://schemas.microsoft.com/office/drawing/2014/main" xmlns="" id="{B6A676DF-C18E-4D54-8352-938FA317F453}"/>
               </a:ext>
             </a:extLst>
           </p:cNvPr>
@@ -5902,7 +5902,7 @@
           <p:cNvPr id="2" name="Title 1">
             <a:extLst>
               <a:ext uri="{FF2B5EF4-FFF2-40B4-BE49-F238E27FC236}">
-                <a16:creationId xmlns:a16="http://schemas.microsoft.com/office/drawing/2014/main" id="{4C563FB7-B9B0-4A8B-A4AB-449E119AE454}"/>
+                <a16:creationId xmlns:a16="http://schemas.microsoft.com/office/drawing/2014/main" xmlns="" id="{4C563FB7-B9B0-4A8B-A4AB-449E119AE454}"/>
               </a:ext>
             </a:extLst>
           </p:cNvPr>
@@ -5935,7 +5935,7 @@
           <p:cNvPr id="6" name="Content Placeholder 5">
             <a:extLst>
               <a:ext uri="{FF2B5EF4-FFF2-40B4-BE49-F238E27FC236}">
-                <a16:creationId xmlns:a16="http://schemas.microsoft.com/office/drawing/2014/main" id="{DEE54AF1-098B-421B-B35F-D03D5723B00C}"/>
+                <a16:creationId xmlns:a16="http://schemas.microsoft.com/office/drawing/2014/main" xmlns="" id="{DEE54AF1-098B-421B-B35F-D03D5723B00C}"/>
               </a:ext>
             </a:extLst>
           </p:cNvPr>
@@ -6000,7 +6000,7 @@
           <p:cNvPr id="2" name="Title 1">
             <a:extLst>
               <a:ext uri="{FF2B5EF4-FFF2-40B4-BE49-F238E27FC236}">
-                <a16:creationId xmlns:a16="http://schemas.microsoft.com/office/drawing/2014/main" id="{1CE5E76C-50B9-4A9E-A76E-FDB8153F0A7A}"/>
+                <a16:creationId xmlns:a16="http://schemas.microsoft.com/office/drawing/2014/main" xmlns="" id="{1CE5E76C-50B9-4A9E-A76E-FDB8153F0A7A}"/>
               </a:ext>
             </a:extLst>
           </p:cNvPr>
@@ -6037,7 +6037,7 @@
           <p:cNvPr id="3" name="Content Placeholder 2">
             <a:extLst>
               <a:ext uri="{FF2B5EF4-FFF2-40B4-BE49-F238E27FC236}">
-                <a16:creationId xmlns:a16="http://schemas.microsoft.com/office/drawing/2014/main" id="{48F2C5EF-27DF-4405-B689-B76C63BA4D19}"/>
+                <a16:creationId xmlns:a16="http://schemas.microsoft.com/office/drawing/2014/main" xmlns="" id="{48F2C5EF-27DF-4405-B689-B76C63BA4D19}"/>
               </a:ext>
             </a:extLst>
           </p:cNvPr>
@@ -6087,7 +6087,7 @@
           <p:cNvPr id="9" name="Picture 8">
             <a:extLst>
               <a:ext uri="{FF2B5EF4-FFF2-40B4-BE49-F238E27FC236}">
-                <a16:creationId xmlns:a16="http://schemas.microsoft.com/office/drawing/2014/main" id="{CD2C4364-711E-460D-9CEB-9A4EB69FCDD5}"/>
+                <a16:creationId xmlns:a16="http://schemas.microsoft.com/office/drawing/2014/main" xmlns="" id="{CD2C4364-711E-460D-9CEB-9A4EB69FCDD5}"/>
               </a:ext>
             </a:extLst>
           </p:cNvPr>
@@ -6153,7 +6153,7 @@
           <p:cNvPr id="2" name="Title 1">
             <a:extLst>
               <a:ext uri="{FF2B5EF4-FFF2-40B4-BE49-F238E27FC236}">
-                <a16:creationId xmlns:a16="http://schemas.microsoft.com/office/drawing/2014/main" id="{43C726DE-43AE-4074-8247-C32968E8AF52}"/>
+                <a16:creationId xmlns:a16="http://schemas.microsoft.com/office/drawing/2014/main" xmlns="" id="{43C726DE-43AE-4074-8247-C32968E8AF52}"/>
               </a:ext>
             </a:extLst>
           </p:cNvPr>
@@ -6181,7 +6181,7 @@
           <p:cNvPr id="3" name="Content Placeholder 2">
             <a:extLst>
               <a:ext uri="{FF2B5EF4-FFF2-40B4-BE49-F238E27FC236}">
-                <a16:creationId xmlns:a16="http://schemas.microsoft.com/office/drawing/2014/main" id="{10E3FC0C-076C-491D-8372-24DDAECA570D}"/>
+                <a16:creationId xmlns:a16="http://schemas.microsoft.com/office/drawing/2014/main" xmlns="" id="{10E3FC0C-076C-491D-8372-24DDAECA570D}"/>
               </a:ext>
             </a:extLst>
           </p:cNvPr>
@@ -6361,7 +6361,7 @@
           <p:cNvPr id="2" name="Title 1">
             <a:extLst>
               <a:ext uri="{FF2B5EF4-FFF2-40B4-BE49-F238E27FC236}">
-                <a16:creationId xmlns:a16="http://schemas.microsoft.com/office/drawing/2014/main" id="{5B8E0E3C-7724-4C66-AFF5-DEE7E703DFD6}"/>
+                <a16:creationId xmlns:a16="http://schemas.microsoft.com/office/drawing/2014/main" xmlns="" id="{5B8E0E3C-7724-4C66-AFF5-DEE7E703DFD6}"/>
               </a:ext>
             </a:extLst>
           </p:cNvPr>
@@ -6407,7 +6407,7 @@
           <p:cNvPr id="3" name="Content Placeholder 2">
             <a:extLst>
               <a:ext uri="{FF2B5EF4-FFF2-40B4-BE49-F238E27FC236}">
-                <a16:creationId xmlns:a16="http://schemas.microsoft.com/office/drawing/2014/main" id="{4CC45F13-5C9B-49D4-8F3B-059D4CBDC62B}"/>
+                <a16:creationId xmlns:a16="http://schemas.microsoft.com/office/drawing/2014/main" xmlns="" id="{4CC45F13-5C9B-49D4-8F3B-059D4CBDC62B}"/>
               </a:ext>
             </a:extLst>
           </p:cNvPr>
@@ -6576,7 +6576,7 @@
           <p:cNvPr id="2" name="Title 1">
             <a:extLst>
               <a:ext uri="{FF2B5EF4-FFF2-40B4-BE49-F238E27FC236}">
-                <a16:creationId xmlns:a16="http://schemas.microsoft.com/office/drawing/2014/main" id="{FD1776FB-59EC-4639-A7DF-71C67569EBF1}"/>
+                <a16:creationId xmlns:a16="http://schemas.microsoft.com/office/drawing/2014/main" xmlns="" id="{FD1776FB-59EC-4639-A7DF-71C67569EBF1}"/>
               </a:ext>
             </a:extLst>
           </p:cNvPr>
@@ -6609,7 +6609,7 @@
           <p:cNvPr id="3" name="Content Placeholder 2">
             <a:extLst>
               <a:ext uri="{FF2B5EF4-FFF2-40B4-BE49-F238E27FC236}">
-                <a16:creationId xmlns:a16="http://schemas.microsoft.com/office/drawing/2014/main" id="{04FF6E83-715A-4753-898C-0F8BC4606043}"/>
+                <a16:creationId xmlns:a16="http://schemas.microsoft.com/office/drawing/2014/main" xmlns="" id="{04FF6E83-715A-4753-898C-0F8BC4606043}"/>
               </a:ext>
             </a:extLst>
           </p:cNvPr>
@@ -6711,7 +6711,7 @@
           <p:cNvPr id="2" name="Title 1">
             <a:extLst>
               <a:ext uri="{FF2B5EF4-FFF2-40B4-BE49-F238E27FC236}">
-                <a16:creationId xmlns:a16="http://schemas.microsoft.com/office/drawing/2014/main" id="{5998A157-FCD1-4C27-8F6E-F674ED02688B}"/>
+                <a16:creationId xmlns:a16="http://schemas.microsoft.com/office/drawing/2014/main" xmlns="" id="{5998A157-FCD1-4C27-8F6E-F674ED02688B}"/>
               </a:ext>
             </a:extLst>
           </p:cNvPr>
@@ -6744,7 +6744,7 @@
           <p:cNvPr id="3" name="Content Placeholder 2">
             <a:extLst>
               <a:ext uri="{FF2B5EF4-FFF2-40B4-BE49-F238E27FC236}">
-                <a16:creationId xmlns:a16="http://schemas.microsoft.com/office/drawing/2014/main" id="{267068F6-BE1B-4F5F-92E0-84E8573583EA}"/>
+                <a16:creationId xmlns:a16="http://schemas.microsoft.com/office/drawing/2014/main" xmlns="" id="{267068F6-BE1B-4F5F-92E0-84E8573583EA}"/>
               </a:ext>
             </a:extLst>
           </p:cNvPr>
@@ -6763,7 +6763,7 @@
         </p:spPr>
         <p:txBody>
           <a:bodyPr>
-            <a:normAutofit fontScale="85000" lnSpcReduction="20000"/>
+            <a:normAutofit lnSpcReduction="10000"/>
           </a:bodyPr>
           <a:lstStyle/>
           <a:p>
@@ -6814,23 +6814,7 @@
                   <a:schemeClr val="tx1"/>
                 </a:solidFill>
               </a:rPr>
-              <a:t>Can't access the DOM directly. Instead, a service worker can communicate with the pages it controls by responding to messages sent via the </a:t>
-            </a:r>
-            <a:r>
-              <a:rPr lang="en-US" dirty="0" err="1">
-                <a:solidFill>
-                  <a:schemeClr val="tx1"/>
-                </a:solidFill>
-              </a:rPr>
-              <a:t>postMessage</a:t>
-            </a:r>
-            <a:r>
-              <a:rPr lang="en-US" dirty="0">
-                <a:solidFill>
-                  <a:schemeClr val="tx1"/>
-                </a:solidFill>
-              </a:rPr>
-              <a:t> interface, and those pages can manipulate the DOM if needed.</a:t>
+              <a:t>Can't access the DOM directly. </a:t>
             </a:r>
           </a:p>
           <a:p>
@@ -6838,6 +6822,22 @@
               <a:buFont typeface="+mj-lt"/>
               <a:buAutoNum type="arabicPeriod"/>
             </a:pPr>
+            <a:r>
+              <a:rPr lang="en-US" dirty="0">
+                <a:solidFill>
+                  <a:schemeClr val="tx1"/>
+                </a:solidFill>
+              </a:rPr>
+              <a:t>Service worker allowing you to control how network requests from your page are handled</a:t>
+            </a:r>
+            <a:r>
+              <a:rPr lang="en-US" dirty="0" smtClean="0">
+                <a:solidFill>
+                  <a:schemeClr val="tx1"/>
+                </a:solidFill>
+              </a:rPr>
+              <a:t>.</a:t>
+            </a:r>
             <a:endParaRPr lang="en-US" dirty="0">
               <a:solidFill>
                 <a:schemeClr val="tx1"/>
@@ -6855,31 +6855,6 @@
                   <a:schemeClr val="tx1"/>
                 </a:solidFill>
               </a:rPr>
-              <a:t>Service worker allowing you to control how network requests from your page are handled.</a:t>
-            </a:r>
-          </a:p>
-          <a:p>
-            <a:pPr marL="457200" indent="-457200">
-              <a:buFont typeface="+mj-lt"/>
-              <a:buAutoNum type="arabicPeriod"/>
-            </a:pPr>
-            <a:endParaRPr lang="en-US" dirty="0">
-              <a:solidFill>
-                <a:schemeClr val="tx1"/>
-              </a:solidFill>
-            </a:endParaRPr>
-          </a:p>
-          <a:p>
-            <a:pPr marL="457200" indent="-457200">
-              <a:buFont typeface="+mj-lt"/>
-              <a:buAutoNum type="arabicPeriod"/>
-            </a:pPr>
-            <a:r>
-              <a:rPr lang="en-US" dirty="0">
-                <a:solidFill>
-                  <a:schemeClr val="tx1"/>
-                </a:solidFill>
-              </a:rPr>
               <a:t>It's terminated when not in use, and restarted when it's next needed. If there is information that you need to persist and reuse across restarts, service workers do have access to the </a:t>
             </a:r>
             <a:r>
@@ -6896,14 +6871,16 @@
                   <a:schemeClr val="tx1"/>
                 </a:solidFill>
               </a:rPr>
-              <a:t> API.</a:t>
-            </a:r>
-          </a:p>
-          <a:p>
-            <a:pPr marL="457200" indent="-457200">
-              <a:buFont typeface="+mj-lt"/>
-              <a:buAutoNum type="arabicPeriod"/>
-            </a:pPr>
+              <a:t> API</a:t>
+            </a:r>
+            <a:r>
+              <a:rPr lang="en-US" dirty="0" smtClean="0">
+                <a:solidFill>
+                  <a:schemeClr val="tx1"/>
+                </a:solidFill>
+              </a:rPr>
+              <a:t>.</a:t>
+            </a:r>
             <a:endParaRPr lang="en-US" dirty="0">
               <a:solidFill>
                 <a:schemeClr val="tx1"/>
@@ -6968,7 +6945,7 @@
           <p:cNvPr id="2" name="Title 1">
             <a:extLst>
               <a:ext uri="{FF2B5EF4-FFF2-40B4-BE49-F238E27FC236}">
-                <a16:creationId xmlns:a16="http://schemas.microsoft.com/office/drawing/2014/main" id="{9CB72FEE-B902-40F9-AACA-EC55CA6C6720}"/>
+                <a16:creationId xmlns:a16="http://schemas.microsoft.com/office/drawing/2014/main" xmlns="" id="{9CB72FEE-B902-40F9-AACA-EC55CA6C6720}"/>
               </a:ext>
             </a:extLst>
           </p:cNvPr>
@@ -7001,7 +6978,7 @@
           <p:cNvPr id="5" name="Content Placeholder 4">
             <a:extLst>
               <a:ext uri="{FF2B5EF4-FFF2-40B4-BE49-F238E27FC236}">
-                <a16:creationId xmlns:a16="http://schemas.microsoft.com/office/drawing/2014/main" id="{0EEE8D40-76BA-4EA2-AD2D-6D9B6259AE63}"/>
+                <a16:creationId xmlns:a16="http://schemas.microsoft.com/office/drawing/2014/main" xmlns="" id="{0EEE8D40-76BA-4EA2-AD2D-6D9B6259AE63}"/>
               </a:ext>
             </a:extLst>
           </p:cNvPr>
@@ -7066,7 +7043,7 @@
           <p:cNvPr id="2" name="Title 1">
             <a:extLst>
               <a:ext uri="{FF2B5EF4-FFF2-40B4-BE49-F238E27FC236}">
-                <a16:creationId xmlns:a16="http://schemas.microsoft.com/office/drawing/2014/main" id="{3F2B6B2B-52E3-44A1-B06E-81EDEADA04F5}"/>
+                <a16:creationId xmlns:a16="http://schemas.microsoft.com/office/drawing/2014/main" xmlns="" id="{3F2B6B2B-52E3-44A1-B06E-81EDEADA04F5}"/>
               </a:ext>
             </a:extLst>
           </p:cNvPr>
@@ -7103,7 +7080,7 @@
           <p:cNvPr id="3" name="Content Placeholder 2">
             <a:extLst>
               <a:ext uri="{FF2B5EF4-FFF2-40B4-BE49-F238E27FC236}">
-                <a16:creationId xmlns:a16="http://schemas.microsoft.com/office/drawing/2014/main" id="{89426F1F-F7A3-44F6-B515-7260B22129D5}"/>
+                <a16:creationId xmlns:a16="http://schemas.microsoft.com/office/drawing/2014/main" xmlns="" id="{89426F1F-F7A3-44F6-B515-7260B22129D5}"/>
               </a:ext>
             </a:extLst>
           </p:cNvPr>
@@ -7259,8 +7236,21 @@
                   <a:schemeClr val="tx1"/>
                 </a:solidFill>
               </a:rPr>
-              <a:t>On network response</a:t>
-            </a:r>
+              <a:t>On network </a:t>
+            </a:r>
+            <a:r>
+              <a:rPr lang="en-US" dirty="0" smtClean="0">
+                <a:solidFill>
+                  <a:schemeClr val="tx1"/>
+                </a:solidFill>
+              </a:rPr>
+              <a:t>response (Fetch)</a:t>
+            </a:r>
+            <a:endParaRPr lang="en-US" dirty="0">
+              <a:solidFill>
+                <a:schemeClr val="tx1"/>
+              </a:solidFill>
+            </a:endParaRPr>
           </a:p>
           <a:p>
             <a:r>
@@ -7374,7 +7364,7 @@
           <p:cNvPr id="2" name="Title 1">
             <a:extLst>
               <a:ext uri="{FF2B5EF4-FFF2-40B4-BE49-F238E27FC236}">
-                <a16:creationId xmlns:a16="http://schemas.microsoft.com/office/drawing/2014/main" id="{C8B43DA7-2345-408B-AB8C-F23698E6052C}"/>
+                <a16:creationId xmlns:a16="http://schemas.microsoft.com/office/drawing/2014/main" xmlns="" id="{C8B43DA7-2345-408B-AB8C-F23698E6052C}"/>
               </a:ext>
             </a:extLst>
           </p:cNvPr>
@@ -7399,7 +7389,7 @@
           <p:cNvPr id="4" name="Content Placeholder 3">
             <a:extLst>
               <a:ext uri="{FF2B5EF4-FFF2-40B4-BE49-F238E27FC236}">
-                <a16:creationId xmlns:a16="http://schemas.microsoft.com/office/drawing/2014/main" id="{416C16D3-06DA-434A-A615-91B440249FC7}"/>
+                <a16:creationId xmlns:a16="http://schemas.microsoft.com/office/drawing/2014/main" xmlns="" id="{416C16D3-06DA-434A-A615-91B440249FC7}"/>
               </a:ext>
             </a:extLst>
           </p:cNvPr>

--- a/Progressive Web App/PWA.pptx
+++ b/Progressive Web App/PWA.pptx
@@ -6220,7 +6220,23 @@
                   <a:schemeClr val="tx1"/>
                 </a:solidFill>
               </a:rPr>
-              <a:t>Service Worker, Service Worker Lifecycle</a:t>
+              <a:t>Service </a:t>
+            </a:r>
+            <a:r>
+              <a:rPr lang="en-US" dirty="0" smtClean="0">
+                <a:solidFill>
+                  <a:schemeClr val="tx1"/>
+                </a:solidFill>
+              </a:rPr>
+              <a:t>Worker, Scope, </a:t>
+            </a:r>
+            <a:r>
+              <a:rPr lang="en-US" dirty="0">
+                <a:solidFill>
+                  <a:schemeClr val="tx1"/>
+                </a:solidFill>
+              </a:rPr>
+              <a:t>Service Worker Lifecycle</a:t>
             </a:r>
           </a:p>
           <a:p>
@@ -6235,13 +6251,18 @@
           </a:p>
           <a:p>
             <a:r>
-              <a:rPr lang="en-US" dirty="0">
+              <a:rPr lang="en-US" dirty="0" smtClean="0">
                 <a:solidFill>
                   <a:schemeClr val="tx1"/>
                 </a:solidFill>
               </a:rPr>
-              <a:t>Caching strategy </a:t>
-            </a:r>
+              <a:t>Events(Caching strategy) </a:t>
+            </a:r>
+            <a:endParaRPr lang="en-US" dirty="0">
+              <a:solidFill>
+                <a:schemeClr val="tx1"/>
+              </a:solidFill>
+            </a:endParaRPr>
           </a:p>
           <a:p>
             <a:r>
@@ -7168,8 +7189,12 @@
           <a:lstStyle/>
           <a:p>
             <a:r>
+              <a:rPr lang="en-US" dirty="0" smtClean="0"/>
+              <a:t>Events</a:t>
+            </a:r>
+            <a:r>
               <a:rPr lang="en-US" dirty="0"/>
-              <a:t>Caching strategy </a:t>
+              <a:t/>
             </a:r>
             <a:br>
               <a:rPr lang="en-US" dirty="0"/>
@@ -7200,51 +7225,44 @@
           </a:bodyPr>
           <a:lstStyle/>
           <a:p>
-            <a:r>
-              <a:rPr lang="en-US" dirty="0">
+            <a:endParaRPr lang="en-US" dirty="0" smtClean="0">
+              <a:solidFill>
+                <a:schemeClr val="tx1"/>
+              </a:solidFill>
+            </a:endParaRPr>
+          </a:p>
+          <a:p>
+            <a:r>
+              <a:rPr lang="en-US" dirty="0" smtClean="0">
                 <a:solidFill>
                   <a:schemeClr val="tx1"/>
                 </a:solidFill>
               </a:rPr>
-              <a:t>On Install</a:t>
-            </a:r>
-          </a:p>
-          <a:p>
-            <a:r>
-              <a:rPr lang="en-US" dirty="0">
+              <a:t>On Install: After registered and downloaded, </a:t>
+            </a:r>
+            <a:r>
+              <a:rPr lang="en-US" dirty="0" err="1" smtClean="0">
                 <a:solidFill>
                   <a:schemeClr val="tx1"/>
                 </a:solidFill>
               </a:rPr>
-              <a:t>On activate</a:t>
-            </a:r>
-          </a:p>
-          <a:p>
-            <a:r>
-              <a:rPr lang="en-US" dirty="0">
+              <a:t>sw</a:t>
+            </a:r>
+            <a:r>
+              <a:rPr lang="en-US" dirty="0" smtClean="0">
                 <a:solidFill>
                   <a:schemeClr val="tx1"/>
                 </a:solidFill>
               </a:rPr>
-              <a:t>On user interaction</a:t>
-            </a:r>
-          </a:p>
-          <a:p>
-            <a:r>
-              <a:rPr lang="en-US" dirty="0">
+              <a:t> get installed in the background. Suitable for static assets like </a:t>
+            </a:r>
+            <a:r>
+              <a:rPr lang="en-US" dirty="0" err="1" smtClean="0">
                 <a:solidFill>
                   <a:schemeClr val="tx1"/>
                 </a:solidFill>
               </a:rPr>
-              <a:t>On network </a:t>
-            </a:r>
-            <a:r>
-              <a:rPr lang="en-US" dirty="0" smtClean="0">
-                <a:solidFill>
-                  <a:schemeClr val="tx1"/>
-                </a:solidFill>
-              </a:rPr>
-              <a:t>response (Fetch)</a:t>
+              <a:t>js,css,img</a:t>
             </a:r>
             <a:endParaRPr lang="en-US" dirty="0">
               <a:solidFill>
@@ -7259,18 +7277,63 @@
                   <a:schemeClr val="tx1"/>
                 </a:solidFill>
               </a:rPr>
-              <a:t>Stale-while-revalidate</a:t>
-            </a:r>
-          </a:p>
-          <a:p>
+              <a:t>On </a:t>
+            </a:r>
+            <a:r>
+              <a:rPr lang="en-US" dirty="0" smtClean="0">
+                <a:solidFill>
+                  <a:schemeClr val="tx1"/>
+                </a:solidFill>
+              </a:rPr>
+              <a:t>activate: After install stage is finished. SW now in control of things within its scope. Suitable for clean up old cache and update new version.</a:t>
+            </a:r>
+          </a:p>
+          <a:p>
+            <a:r>
+              <a:rPr lang="en-US" dirty="0" smtClean="0">
+                <a:solidFill>
+                  <a:schemeClr val="tx1"/>
+                </a:solidFill>
+              </a:rPr>
+              <a:t>On </a:t>
+            </a:r>
             <a:r>
               <a:rPr lang="en-US" dirty="0">
                 <a:solidFill>
                   <a:schemeClr val="tx1"/>
                 </a:solidFill>
               </a:rPr>
-              <a:t>On push message</a:t>
-            </a:r>
+              <a:t>network </a:t>
+            </a:r>
+            <a:r>
+              <a:rPr lang="en-US" dirty="0" smtClean="0">
+                <a:solidFill>
+                  <a:schemeClr val="tx1"/>
+                </a:solidFill>
+              </a:rPr>
+              <a:t>response (Fetch): When browser download data. Suitable fo</a:t>
+            </a:r>
+            <a:r>
+              <a:rPr lang="en-US" dirty="0" smtClean="0">
+                <a:solidFill>
+                  <a:schemeClr val="tx1"/>
+                </a:solidFill>
+              </a:rPr>
+              <a:t>r caching web request</a:t>
+            </a:r>
+            <a:r>
+              <a:rPr lang="en-US" smtClean="0">
+                <a:solidFill>
+                  <a:schemeClr val="tx1"/>
+                </a:solidFill>
+              </a:rPr>
+              <a:t>, response</a:t>
+            </a:r>
+            <a:endParaRPr lang="en-US" dirty="0" smtClean="0">
+              <a:solidFill>
+                <a:schemeClr val="tx1"/>
+              </a:solidFill>
+            </a:endParaRPr>
           </a:p>
           <a:p>
             <a:endParaRPr lang="en-US" dirty="0">

--- a/Progressive Web App/PWA.pptx
+++ b/Progressive Web App/PWA.pptx
@@ -12,9 +12,9 @@
     <p:sldId id="257" r:id="rId3"/>
     <p:sldId id="258" r:id="rId4"/>
     <p:sldId id="259" r:id="rId5"/>
-    <p:sldId id="260" r:id="rId6"/>
-    <p:sldId id="261" r:id="rId7"/>
-    <p:sldId id="262" r:id="rId8"/>
+    <p:sldId id="262" r:id="rId6"/>
+    <p:sldId id="260" r:id="rId7"/>
+    <p:sldId id="261" r:id="rId8"/>
     <p:sldId id="263" r:id="rId9"/>
     <p:sldId id="264" r:id="rId10"/>
     <p:sldId id="265" r:id="rId11"/>
@@ -6220,15 +6220,17 @@
                   <a:schemeClr val="tx1"/>
                 </a:solidFill>
               </a:rPr>
-              <a:t>Service </a:t>
-            </a:r>
+              <a:t>Application Shell Architecture</a:t>
+            </a:r>
+          </a:p>
+          <a:p>
             <a:r>
               <a:rPr lang="en-US" dirty="0" smtClean="0">
                 <a:solidFill>
                   <a:schemeClr val="tx1"/>
                 </a:solidFill>
               </a:rPr>
-              <a:t>Worker, Scope, </a:t>
+              <a:t>Service Worker, Scope, </a:t>
             </a:r>
             <a:r>
               <a:rPr lang="en-US" dirty="0">
@@ -6237,16 +6239,6 @@
                 </a:solidFill>
               </a:rPr>
               <a:t>Service Worker Lifecycle</a:t>
-            </a:r>
-          </a:p>
-          <a:p>
-            <a:r>
-              <a:rPr lang="en-US" dirty="0">
-                <a:solidFill>
-                  <a:schemeClr val="tx1"/>
-                </a:solidFill>
-              </a:rPr>
-              <a:t>Application Shell Architecture</a:t>
             </a:r>
           </a:p>
           <a:p>
@@ -6732,6 +6724,115 @@
           <p:cNvPr id="2" name="Title 1">
             <a:extLst>
               <a:ext uri="{FF2B5EF4-FFF2-40B4-BE49-F238E27FC236}">
+                <a16:creationId xmlns:a16="http://schemas.microsoft.com/office/drawing/2014/main" xmlns="" id="{3F2B6B2B-52E3-44A1-B06E-81EDEADA04F5}"/>
+              </a:ext>
+            </a:extLst>
+          </p:cNvPr>
+          <p:cNvSpPr>
+            <a:spLocks noGrp="1"/>
+          </p:cNvSpPr>
+          <p:nvPr>
+            <p:ph type="title"/>
+          </p:nvPr>
+        </p:nvSpPr>
+        <p:spPr>
+          <a:xfrm>
+            <a:off x="684212" y="5144279"/>
+            <a:ext cx="8534400" cy="1507067"/>
+          </a:xfrm>
+        </p:spPr>
+        <p:txBody>
+          <a:bodyPr/>
+          <a:lstStyle/>
+          <a:p>
+            <a:r>
+              <a:rPr lang="en-US" dirty="0"/>
+              <a:t>Application Shell Architecture</a:t>
+            </a:r>
+            <a:br>
+              <a:rPr lang="en-US" dirty="0"/>
+            </a:br>
+            <a:endParaRPr lang="en-US" dirty="0"/>
+          </a:p>
+        </p:txBody>
+      </p:sp>
+      <p:sp>
+        <p:nvSpPr>
+          <p:cNvPr id="3" name="Content Placeholder 2">
+            <a:extLst>
+              <a:ext uri="{FF2B5EF4-FFF2-40B4-BE49-F238E27FC236}">
+                <a16:creationId xmlns:a16="http://schemas.microsoft.com/office/drawing/2014/main" xmlns="" id="{89426F1F-F7A3-44F6-B515-7260B22129D5}"/>
+              </a:ext>
+            </a:extLst>
+          </p:cNvPr>
+          <p:cNvSpPr>
+            <a:spLocks noGrp="1"/>
+          </p:cNvSpPr>
+          <p:nvPr>
+            <p:ph idx="1"/>
+          </p:nvPr>
+        </p:nvSpPr>
+        <p:spPr/>
+        <p:txBody>
+          <a:bodyPr/>
+          <a:lstStyle/>
+          <a:p>
+            <a:r>
+              <a:rPr lang="en-US" dirty="0">
+                <a:solidFill>
+                  <a:schemeClr val="tx1"/>
+                </a:solidFill>
+              </a:rPr>
+              <a:t>The app shell mean minimal HTML,CSS,JS powering the user interface. Since shell doesn’t  usually change we can cache and once loaded, dynamic content can populate the view.</a:t>
+            </a:r>
+          </a:p>
+          <a:p>
+            <a:r>
+              <a:rPr lang="en-US" dirty="0">
+                <a:solidFill>
+                  <a:schemeClr val="tx1"/>
+                </a:solidFill>
+              </a:rPr>
+              <a:t>Demo: https://github.com/GoogleChromeLabs/application-shell</a:t>
+            </a:r>
+          </a:p>
+        </p:txBody>
+      </p:sp>
+    </p:spTree>
+    <p:extLst>
+      <p:ext uri="{BB962C8B-B14F-4D97-AF65-F5344CB8AC3E}">
+        <p14:creationId xmlns:p14="http://schemas.microsoft.com/office/powerpoint/2010/main" val="1240040262"/>
+      </p:ext>
+    </p:extLst>
+  </p:cSld>
+  <p:clrMapOvr>
+    <a:masterClrMapping/>
+  </p:clrMapOvr>
+</p:sld>
+</file>
+
+<file path=ppt/slides/slide6.xml><?xml version="1.0" encoding="utf-8"?>
+<p:sld xmlns:a="http://schemas.openxmlformats.org/drawingml/2006/main" xmlns:r="http://schemas.openxmlformats.org/officeDocument/2006/relationships" xmlns:p="http://schemas.openxmlformats.org/presentationml/2006/main">
+  <p:cSld>
+    <p:spTree>
+      <p:nvGrpSpPr>
+        <p:cNvPr id="1" name=""/>
+        <p:cNvGrpSpPr/>
+        <p:nvPr/>
+      </p:nvGrpSpPr>
+      <p:grpSpPr>
+        <a:xfrm>
+          <a:off x="0" y="0"/>
+          <a:ext cx="0" cy="0"/>
+          <a:chOff x="0" y="0"/>
+          <a:chExt cx="0" cy="0"/>
+        </a:xfrm>
+      </p:grpSpPr>
+      <p:sp>
+        <p:nvSpPr>
+          <p:cNvPr id="2" name="Title 1">
+            <a:extLst>
+              <a:ext uri="{FF2B5EF4-FFF2-40B4-BE49-F238E27FC236}">
                 <a16:creationId xmlns:a16="http://schemas.microsoft.com/office/drawing/2014/main" xmlns="" id="{5998A157-FCD1-4C27-8F6E-F674ED02688B}"/>
               </a:ext>
             </a:extLst>
@@ -6944,7 +7045,7 @@
 </p:sld>
 </file>
 
-<file path=ppt/slides/slide6.xml><?xml version="1.0" encoding="utf-8"?>
+<file path=ppt/slides/slide7.xml><?xml version="1.0" encoding="utf-8"?>
 <p:sld xmlns:a="http://schemas.openxmlformats.org/drawingml/2006/main" xmlns:r="http://schemas.openxmlformats.org/officeDocument/2006/relationships" xmlns:p="http://schemas.openxmlformats.org/presentationml/2006/main">
   <p:cSld>
     <p:spTree>
@@ -7042,115 +7143,6 @@
 </p:sld>
 </file>
 
-<file path=ppt/slides/slide7.xml><?xml version="1.0" encoding="utf-8"?>
-<p:sld xmlns:a="http://schemas.openxmlformats.org/drawingml/2006/main" xmlns:r="http://schemas.openxmlformats.org/officeDocument/2006/relationships" xmlns:p="http://schemas.openxmlformats.org/presentationml/2006/main">
-  <p:cSld>
-    <p:spTree>
-      <p:nvGrpSpPr>
-        <p:cNvPr id="1" name=""/>
-        <p:cNvGrpSpPr/>
-        <p:nvPr/>
-      </p:nvGrpSpPr>
-      <p:grpSpPr>
-        <a:xfrm>
-          <a:off x="0" y="0"/>
-          <a:ext cx="0" cy="0"/>
-          <a:chOff x="0" y="0"/>
-          <a:chExt cx="0" cy="0"/>
-        </a:xfrm>
-      </p:grpSpPr>
-      <p:sp>
-        <p:nvSpPr>
-          <p:cNvPr id="2" name="Title 1">
-            <a:extLst>
-              <a:ext uri="{FF2B5EF4-FFF2-40B4-BE49-F238E27FC236}">
-                <a16:creationId xmlns:a16="http://schemas.microsoft.com/office/drawing/2014/main" xmlns="" id="{3F2B6B2B-52E3-44A1-B06E-81EDEADA04F5}"/>
-              </a:ext>
-            </a:extLst>
-          </p:cNvPr>
-          <p:cNvSpPr>
-            <a:spLocks noGrp="1"/>
-          </p:cNvSpPr>
-          <p:nvPr>
-            <p:ph type="title"/>
-          </p:nvPr>
-        </p:nvSpPr>
-        <p:spPr>
-          <a:xfrm>
-            <a:off x="684212" y="5144279"/>
-            <a:ext cx="8534400" cy="1507067"/>
-          </a:xfrm>
-        </p:spPr>
-        <p:txBody>
-          <a:bodyPr/>
-          <a:lstStyle/>
-          <a:p>
-            <a:r>
-              <a:rPr lang="en-US" dirty="0"/>
-              <a:t>Application Shell Architecture</a:t>
-            </a:r>
-            <a:br>
-              <a:rPr lang="en-US" dirty="0"/>
-            </a:br>
-            <a:endParaRPr lang="en-US" dirty="0"/>
-          </a:p>
-        </p:txBody>
-      </p:sp>
-      <p:sp>
-        <p:nvSpPr>
-          <p:cNvPr id="3" name="Content Placeholder 2">
-            <a:extLst>
-              <a:ext uri="{FF2B5EF4-FFF2-40B4-BE49-F238E27FC236}">
-                <a16:creationId xmlns:a16="http://schemas.microsoft.com/office/drawing/2014/main" xmlns="" id="{89426F1F-F7A3-44F6-B515-7260B22129D5}"/>
-              </a:ext>
-            </a:extLst>
-          </p:cNvPr>
-          <p:cNvSpPr>
-            <a:spLocks noGrp="1"/>
-          </p:cNvSpPr>
-          <p:nvPr>
-            <p:ph idx="1"/>
-          </p:nvPr>
-        </p:nvSpPr>
-        <p:spPr/>
-        <p:txBody>
-          <a:bodyPr/>
-          <a:lstStyle/>
-          <a:p>
-            <a:r>
-              <a:rPr lang="en-US" dirty="0">
-                <a:solidFill>
-                  <a:schemeClr val="tx1"/>
-                </a:solidFill>
-              </a:rPr>
-              <a:t>The app shell mean minimal HTML,CSS,JS powering the user interface. Since shell doesn’t  usually change we can cache and once loaded, dynamic content can populate the view.</a:t>
-            </a:r>
-          </a:p>
-          <a:p>
-            <a:r>
-              <a:rPr lang="en-US" dirty="0">
-                <a:solidFill>
-                  <a:schemeClr val="tx1"/>
-                </a:solidFill>
-              </a:rPr>
-              <a:t>Demo: https://github.com/GoogleChromeLabs/application-shell</a:t>
-            </a:r>
-          </a:p>
-        </p:txBody>
-      </p:sp>
-    </p:spTree>
-    <p:extLst>
-      <p:ext uri="{BB962C8B-B14F-4D97-AF65-F5344CB8AC3E}">
-        <p14:creationId xmlns:p14="http://schemas.microsoft.com/office/powerpoint/2010/main" val="1240040262"/>
-      </p:ext>
-    </p:extLst>
-  </p:cSld>
-  <p:clrMapOvr>
-    <a:masterClrMapping/>
-  </p:clrMapOvr>
-</p:sld>
-</file>
-
 <file path=ppt/slides/slide8.xml><?xml version="1.0" encoding="utf-8"?>
 <p:sld xmlns:a="http://schemas.openxmlformats.org/drawingml/2006/main" xmlns:r="http://schemas.openxmlformats.org/officeDocument/2006/relationships" xmlns:p="http://schemas.openxmlformats.org/presentationml/2006/main">
   <p:cSld>
@@ -7319,15 +7311,7 @@
                   <a:schemeClr val="tx1"/>
                 </a:solidFill>
               </a:rPr>
-              <a:t>r caching web request</a:t>
-            </a:r>
-            <a:r>
-              <a:rPr lang="en-US" smtClean="0">
-                <a:solidFill>
-                  <a:schemeClr val="tx1"/>
-                </a:solidFill>
-              </a:rPr>
-              <a:t>, response</a:t>
+              <a:t>r caching web request, response</a:t>
             </a:r>
             <a:endParaRPr lang="en-US" dirty="0" smtClean="0">
               <a:solidFill>

--- a/Progressive Web App/PWA.pptx
+++ b/Progressive Web App/PWA.pptx
@@ -6059,15 +6059,27 @@
           <a:lstStyle/>
           <a:p>
             <a:r>
-              <a:rPr lang="en-US" dirty="0"/>
+              <a:rPr lang="en-US" dirty="0">
+                <a:solidFill>
+                  <a:schemeClr val="tx1"/>
+                </a:solidFill>
+              </a:rPr>
               <a:t>A </a:t>
             </a:r>
             <a:r>
-              <a:rPr lang="en-US" i="1" dirty="0"/>
+              <a:rPr lang="en-US" i="1" dirty="0">
+                <a:solidFill>
+                  <a:schemeClr val="tx1"/>
+                </a:solidFill>
+              </a:rPr>
               <a:t>web app manifest </a:t>
             </a:r>
             <a:r>
-              <a:rPr lang="en-US" dirty="0"/>
+              <a:rPr lang="en-US" dirty="0">
+                <a:solidFill>
+                  <a:schemeClr val="tx1"/>
+                </a:solidFill>
+              </a:rPr>
               <a:t>file is a simple JSON file that provides useful information about the application (such as its name, author, icon, and description) in a text file.</a:t>
             </a:r>
           </a:p>

--- a/Progressive Web App/PWA.pptx
+++ b/Progressive Web App/PWA.pptx
@@ -6285,8 +6285,39 @@
                   <a:schemeClr val="tx1"/>
                 </a:solidFill>
               </a:rPr>
-              <a:t>Web App Manifest</a:t>
-            </a:r>
+              <a:t>Web App </a:t>
+            </a:r>
+            <a:r>
+              <a:rPr lang="en-US" dirty="0" smtClean="0">
+                <a:solidFill>
+                  <a:schemeClr val="tx1"/>
+                </a:solidFill>
+              </a:rPr>
+              <a:t>Manifest</a:t>
+            </a:r>
+          </a:p>
+          <a:p>
+            <a:r>
+              <a:rPr lang="en-US">
+                <a:solidFill>
+                  <a:schemeClr val="tx1"/>
+                </a:solidFill>
+              </a:rPr>
+              <a:t>Offline </a:t>
+            </a:r>
+            <a:r>
+              <a:rPr lang="en-US" smtClean="0">
+                <a:solidFill>
+                  <a:schemeClr val="tx1"/>
+                </a:solidFill>
+              </a:rPr>
+              <a:t>Browsing</a:t>
+            </a:r>
+            <a:endParaRPr lang="en-US" dirty="0">
+              <a:solidFill>
+                <a:schemeClr val="tx1"/>
+              </a:solidFill>
+            </a:endParaRPr>
           </a:p>
           <a:p>
             <a:r>
@@ -6300,17 +6331,7 @@
           </a:p>
           <a:p>
             <a:r>
-              <a:rPr lang="en-US" dirty="0">
-                <a:solidFill>
-                  <a:schemeClr val="tx1"/>
-                </a:solidFill>
-              </a:rPr>
-              <a:t>Offline Browsing</a:t>
-            </a:r>
-          </a:p>
-          <a:p>
-            <a:r>
-              <a:rPr lang="en-US" dirty="0" err="1">
+              <a:rPr lang="en-US" dirty="0" err="1" smtClean="0">
                 <a:solidFill>
                   <a:schemeClr val="tx1"/>
                 </a:solidFill>

--- a/Progressive Web App/PWA.pptx
+++ b/Progressive Web App/PWA.pptx
@@ -5,7 +5,7 @@
     <p:sldMasterId id="2147483660" r:id="rId1"/>
   </p:sldMasterIdLst>
   <p:notesMasterIdLst>
-    <p:notesMasterId r:id="rId13"/>
+    <p:notesMasterId r:id="rId14"/>
   </p:notesMasterIdLst>
   <p:sldIdLst>
     <p:sldId id="256" r:id="rId2"/>
@@ -19,6 +19,7 @@
     <p:sldId id="264" r:id="rId10"/>
     <p:sldId id="265" r:id="rId11"/>
     <p:sldId id="266" r:id="rId12"/>
+    <p:sldId id="267" r:id="rId13"/>
   </p:sldIdLst>
   <p:sldSz cx="12192000" cy="6858000"/>
   <p:notesSz cx="6858000" cy="9144000"/>
@@ -6143,6 +6144,82 @@
 </p:sld>
 </file>
 
+<file path=ppt/slides/slide12.xml><?xml version="1.0" encoding="utf-8"?>
+<p:sld xmlns:a="http://schemas.openxmlformats.org/drawingml/2006/main" xmlns:r="http://schemas.openxmlformats.org/officeDocument/2006/relationships" xmlns:p="http://schemas.openxmlformats.org/presentationml/2006/main">
+  <p:cSld>
+    <p:spTree>
+      <p:nvGrpSpPr>
+        <p:cNvPr id="1" name=""/>
+        <p:cNvGrpSpPr/>
+        <p:nvPr/>
+      </p:nvGrpSpPr>
+      <p:grpSpPr>
+        <a:xfrm>
+          <a:off x="0" y="0"/>
+          <a:ext cx="0" cy="0"/>
+          <a:chOff x="0" y="0"/>
+          <a:chExt cx="0" cy="0"/>
+        </a:xfrm>
+      </p:grpSpPr>
+      <p:sp>
+        <p:nvSpPr>
+          <p:cNvPr id="2" name="Title 1"/>
+          <p:cNvSpPr>
+            <a:spLocks noGrp="1"/>
+          </p:cNvSpPr>
+          <p:nvPr>
+            <p:ph type="title"/>
+          </p:nvPr>
+        </p:nvSpPr>
+        <p:spPr/>
+        <p:txBody>
+          <a:bodyPr/>
+          <a:lstStyle/>
+          <a:p>
+            <a:r>
+              <a:rPr lang="en-US" dirty="0" smtClean="0"/>
+              <a:t>Offline Browsing </a:t>
+            </a:r>
+            <a:r>
+              <a:rPr lang="en-US" smtClean="0"/>
+              <a:t>DEMo</a:t>
+            </a:r>
+            <a:endParaRPr lang="en-US"/>
+          </a:p>
+        </p:txBody>
+      </p:sp>
+      <p:sp>
+        <p:nvSpPr>
+          <p:cNvPr id="3" name="Content Placeholder 2"/>
+          <p:cNvSpPr>
+            <a:spLocks noGrp="1"/>
+          </p:cNvSpPr>
+          <p:nvPr>
+            <p:ph idx="1"/>
+          </p:nvPr>
+        </p:nvSpPr>
+        <p:spPr/>
+        <p:txBody>
+          <a:bodyPr/>
+          <a:lstStyle/>
+          <a:p>
+            <a:endParaRPr lang="en-US"/>
+          </a:p>
+        </p:txBody>
+      </p:sp>
+    </p:spTree>
+    <p:extLst>
+      <p:ext uri="{BB962C8B-B14F-4D97-AF65-F5344CB8AC3E}">
+        <p14:creationId xmlns:p14="http://schemas.microsoft.com/office/powerpoint/2010/main" val="3599277956"/>
+      </p:ext>
+    </p:extLst>
+  </p:cSld>
+  <p:clrMapOvr>
+    <a:masterClrMapping/>
+  </p:clrMapOvr>
+</p:sld>
+</file>
+
 <file path=ppt/slides/slide2.xml><?xml version="1.0" encoding="utf-8"?>
 <p:sld xmlns:a="http://schemas.openxmlformats.org/drawingml/2006/main" xmlns:r="http://schemas.openxmlformats.org/officeDocument/2006/relationships" xmlns:p="http://schemas.openxmlformats.org/presentationml/2006/main">
   <p:cSld>
@@ -6298,7 +6375,7 @@
           </a:p>
           <a:p>
             <a:r>
-              <a:rPr lang="en-US">
+              <a:rPr lang="en-US" dirty="0">
                 <a:solidFill>
                   <a:schemeClr val="tx1"/>
                 </a:solidFill>
@@ -6306,7 +6383,7 @@
               <a:t>Offline </a:t>
             </a:r>
             <a:r>
-              <a:rPr lang="en-US" smtClean="0">
+              <a:rPr lang="en-US" dirty="0" smtClean="0">
                 <a:solidFill>
                   <a:schemeClr val="tx1"/>
                 </a:solidFill>

--- a/Progressive Web App/PWA.pptx
+++ b/Progressive Web App/PWA.pptx
@@ -6181,10 +6181,10 @@
               <a:t>Offline Browsing </a:t>
             </a:r>
             <a:r>
-              <a:rPr lang="en-US" smtClean="0"/>
+              <a:rPr lang="en-US" dirty="0" err="1" smtClean="0"/>
               <a:t>DEMo</a:t>
             </a:r>
-            <a:endParaRPr lang="en-US"/>
+            <a:endParaRPr lang="en-US" dirty="0"/>
           </a:p>
         </p:txBody>
       </p:sp>

--- a/Progressive Web App/PWA.pptx
+++ b/Progressive Web App/PWA.pptx
@@ -5,7 +5,7 @@
     <p:sldMasterId id="2147483660" r:id="rId1"/>
   </p:sldMasterIdLst>
   <p:notesMasterIdLst>
-    <p:notesMasterId r:id="rId14"/>
+    <p:notesMasterId r:id="rId15"/>
   </p:notesMasterIdLst>
   <p:sldIdLst>
     <p:sldId id="256" r:id="rId2"/>
@@ -20,6 +20,7 @@
     <p:sldId id="265" r:id="rId11"/>
     <p:sldId id="266" r:id="rId12"/>
     <p:sldId id="267" r:id="rId13"/>
+    <p:sldId id="268" r:id="rId14"/>
   </p:sldIdLst>
   <p:sldSz cx="12192000" cy="6858000"/>
   <p:notesSz cx="6858000" cy="9144000"/>
@@ -208,7 +209,7 @@
           <a:p>
             <a:fld id="{C72D6864-BB37-41A0-8C8D-E8C9E6E86ABA}" type="datetimeFigureOut">
               <a:rPr lang="en-US" smtClean="0"/>
-              <a:t>11/28/2018</a:t>
+              <a:t>11/30/2018</a:t>
             </a:fld>
             <a:endParaRPr lang="en-US"/>
           </a:p>
@@ -750,7 +751,7 @@
           <a:p>
             <a:fld id="{C04051DA-BB6C-4F90-AE63-86FA0FBECCA9}" type="datetimeFigureOut">
               <a:rPr lang="en-US" smtClean="0"/>
-              <a:t>11/28/2018</a:t>
+              <a:t>11/30/2018</a:t>
             </a:fld>
             <a:endParaRPr lang="en-US"/>
           </a:p>
@@ -1186,7 +1187,7 @@
           <a:p>
             <a:fld id="{C04051DA-BB6C-4F90-AE63-86FA0FBECCA9}" type="datetimeFigureOut">
               <a:rPr lang="en-US" smtClean="0"/>
-              <a:t>11/28/2018</a:t>
+              <a:t>11/30/2018</a:t>
             </a:fld>
             <a:endParaRPr lang="en-US"/>
           </a:p>
@@ -1436,7 +1437,7 @@
           <a:p>
             <a:fld id="{C04051DA-BB6C-4F90-AE63-86FA0FBECCA9}" type="datetimeFigureOut">
               <a:rPr lang="en-US" smtClean="0"/>
-              <a:t>11/28/2018</a:t>
+              <a:t>11/30/2018</a:t>
             </a:fld>
             <a:endParaRPr lang="en-US"/>
           </a:p>
@@ -1744,7 +1745,7 @@
           <a:p>
             <a:fld id="{C04051DA-BB6C-4F90-AE63-86FA0FBECCA9}" type="datetimeFigureOut">
               <a:rPr lang="en-US" smtClean="0"/>
-              <a:t>11/28/2018</a:t>
+              <a:t>11/30/2018</a:t>
             </a:fld>
             <a:endParaRPr lang="en-US"/>
           </a:p>
@@ -2062,7 +2063,7 @@
           <a:p>
             <a:fld id="{C04051DA-BB6C-4F90-AE63-86FA0FBECCA9}" type="datetimeFigureOut">
               <a:rPr lang="en-US" smtClean="0"/>
-              <a:t>11/28/2018</a:t>
+              <a:t>11/30/2018</a:t>
             </a:fld>
             <a:endParaRPr lang="en-US"/>
           </a:p>
@@ -2364,7 +2365,7 @@
           <a:p>
             <a:fld id="{C04051DA-BB6C-4F90-AE63-86FA0FBECCA9}" type="datetimeFigureOut">
               <a:rPr lang="en-US" smtClean="0"/>
-              <a:t>11/28/2018</a:t>
+              <a:t>11/30/2018</a:t>
             </a:fld>
             <a:endParaRPr lang="en-US"/>
           </a:p>
@@ -2731,7 +2732,7 @@
           <a:p>
             <a:fld id="{C04051DA-BB6C-4F90-AE63-86FA0FBECCA9}" type="datetimeFigureOut">
               <a:rPr lang="en-US" smtClean="0"/>
-              <a:t>11/28/2018</a:t>
+              <a:t>11/30/2018</a:t>
             </a:fld>
             <a:endParaRPr lang="en-US"/>
           </a:p>
@@ -2905,7 +2906,7 @@
           <a:p>
             <a:fld id="{C04051DA-BB6C-4F90-AE63-86FA0FBECCA9}" type="datetimeFigureOut">
               <a:rPr lang="en-US" smtClean="0"/>
-              <a:t>11/28/2018</a:t>
+              <a:t>11/30/2018</a:t>
             </a:fld>
             <a:endParaRPr lang="en-US"/>
           </a:p>
@@ -3085,7 +3086,7 @@
           <a:p>
             <a:fld id="{C04051DA-BB6C-4F90-AE63-86FA0FBECCA9}" type="datetimeFigureOut">
               <a:rPr lang="en-US" smtClean="0"/>
-              <a:t>11/28/2018</a:t>
+              <a:t>11/30/2018</a:t>
             </a:fld>
             <a:endParaRPr lang="en-US"/>
           </a:p>
@@ -3255,7 +3256,7 @@
           <a:p>
             <a:fld id="{C04051DA-BB6C-4F90-AE63-86FA0FBECCA9}" type="datetimeFigureOut">
               <a:rPr lang="en-US" smtClean="0"/>
-              <a:t>11/28/2018</a:t>
+              <a:t>11/30/2018</a:t>
             </a:fld>
             <a:endParaRPr lang="en-US"/>
           </a:p>
@@ -3505,7 +3506,7 @@
           <a:p>
             <a:fld id="{C04051DA-BB6C-4F90-AE63-86FA0FBECCA9}" type="datetimeFigureOut">
               <a:rPr lang="en-US" smtClean="0"/>
-              <a:t>11/28/2018</a:t>
+              <a:t>11/30/2018</a:t>
             </a:fld>
             <a:endParaRPr lang="en-US"/>
           </a:p>
@@ -3741,7 +3742,7 @@
           <a:p>
             <a:fld id="{C04051DA-BB6C-4F90-AE63-86FA0FBECCA9}" type="datetimeFigureOut">
               <a:rPr lang="en-US" smtClean="0"/>
-              <a:t>11/28/2018</a:t>
+              <a:t>11/30/2018</a:t>
             </a:fld>
             <a:endParaRPr lang="en-US"/>
           </a:p>
@@ -4123,7 +4124,7 @@
           <a:p>
             <a:fld id="{C04051DA-BB6C-4F90-AE63-86FA0FBECCA9}" type="datetimeFigureOut">
               <a:rPr lang="en-US" smtClean="0"/>
-              <a:t>11/28/2018</a:t>
+              <a:t>11/30/2018</a:t>
             </a:fld>
             <a:endParaRPr lang="en-US"/>
           </a:p>
@@ -4241,7 +4242,7 @@
           <a:p>
             <a:fld id="{C04051DA-BB6C-4F90-AE63-86FA0FBECCA9}" type="datetimeFigureOut">
               <a:rPr lang="en-US" smtClean="0"/>
-              <a:t>11/28/2018</a:t>
+              <a:t>11/30/2018</a:t>
             </a:fld>
             <a:endParaRPr lang="en-US"/>
           </a:p>
@@ -4336,7 +4337,7 @@
           <a:p>
             <a:fld id="{C04051DA-BB6C-4F90-AE63-86FA0FBECCA9}" type="datetimeFigureOut">
               <a:rPr lang="en-US" smtClean="0"/>
-              <a:t>11/28/2018</a:t>
+              <a:t>11/30/2018</a:t>
             </a:fld>
             <a:endParaRPr lang="en-US"/>
           </a:p>
@@ -4591,7 +4592,7 @@
           <a:p>
             <a:fld id="{C04051DA-BB6C-4F90-AE63-86FA0FBECCA9}" type="datetimeFigureOut">
               <a:rPr lang="en-US" smtClean="0"/>
-              <a:t>11/28/2018</a:t>
+              <a:t>11/30/2018</a:t>
             </a:fld>
             <a:endParaRPr lang="en-US"/>
           </a:p>
@@ -4874,7 +4875,7 @@
           <a:p>
             <a:fld id="{C04051DA-BB6C-4F90-AE63-86FA0FBECCA9}" type="datetimeFigureOut">
               <a:rPr lang="en-US" smtClean="0"/>
-              <a:t>11/28/2018</a:t>
+              <a:t>11/30/2018</a:t>
             </a:fld>
             <a:endParaRPr lang="en-US"/>
           </a:p>
@@ -5280,7 +5281,7 @@
           <a:p>
             <a:fld id="{C04051DA-BB6C-4F90-AE63-86FA0FBECCA9}" type="datetimeFigureOut">
               <a:rPr lang="en-US" smtClean="0"/>
-              <a:t>11/28/2018</a:t>
+              <a:t>11/30/2018</a:t>
             </a:fld>
             <a:endParaRPr lang="en-US"/>
           </a:p>
@@ -5820,7 +5821,7 @@
           <p:cNvPr id="2" name="Title 1">
             <a:extLst>
               <a:ext uri="{FF2B5EF4-FFF2-40B4-BE49-F238E27FC236}">
-                <a16:creationId xmlns:a16="http://schemas.microsoft.com/office/drawing/2014/main" xmlns="" id="{1DEC1DD5-CABD-4CE3-BAAC-EDF7607001A4}"/>
+                <a16:creationId xmlns:a16="http://schemas.microsoft.com/office/drawing/2014/main" id="{1DEC1DD5-CABD-4CE3-BAAC-EDF7607001A4}"/>
               </a:ext>
             </a:extLst>
           </p:cNvPr>
@@ -5848,7 +5849,7 @@
           <p:cNvPr id="3" name="Subtitle 2">
             <a:extLst>
               <a:ext uri="{FF2B5EF4-FFF2-40B4-BE49-F238E27FC236}">
-                <a16:creationId xmlns:a16="http://schemas.microsoft.com/office/drawing/2014/main" xmlns="" id="{B6A676DF-C18E-4D54-8352-938FA317F453}"/>
+                <a16:creationId xmlns:a16="http://schemas.microsoft.com/office/drawing/2014/main" id="{B6A676DF-C18E-4D54-8352-938FA317F453}"/>
               </a:ext>
             </a:extLst>
           </p:cNvPr>
@@ -5903,7 +5904,7 @@
           <p:cNvPr id="2" name="Title 1">
             <a:extLst>
               <a:ext uri="{FF2B5EF4-FFF2-40B4-BE49-F238E27FC236}">
-                <a16:creationId xmlns:a16="http://schemas.microsoft.com/office/drawing/2014/main" xmlns="" id="{4C563FB7-B9B0-4A8B-A4AB-449E119AE454}"/>
+                <a16:creationId xmlns:a16="http://schemas.microsoft.com/office/drawing/2014/main" id="{4C563FB7-B9B0-4A8B-A4AB-449E119AE454}"/>
               </a:ext>
             </a:extLst>
           </p:cNvPr>
@@ -5936,7 +5937,7 @@
           <p:cNvPr id="6" name="Content Placeholder 5">
             <a:extLst>
               <a:ext uri="{FF2B5EF4-FFF2-40B4-BE49-F238E27FC236}">
-                <a16:creationId xmlns:a16="http://schemas.microsoft.com/office/drawing/2014/main" xmlns="" id="{DEE54AF1-098B-421B-B35F-D03D5723B00C}"/>
+                <a16:creationId xmlns:a16="http://schemas.microsoft.com/office/drawing/2014/main" id="{DEE54AF1-098B-421B-B35F-D03D5723B00C}"/>
               </a:ext>
             </a:extLst>
           </p:cNvPr>
@@ -6001,7 +6002,7 @@
           <p:cNvPr id="2" name="Title 1">
             <a:extLst>
               <a:ext uri="{FF2B5EF4-FFF2-40B4-BE49-F238E27FC236}">
-                <a16:creationId xmlns:a16="http://schemas.microsoft.com/office/drawing/2014/main" xmlns="" id="{1CE5E76C-50B9-4A9E-A76E-FDB8153F0A7A}"/>
+                <a16:creationId xmlns:a16="http://schemas.microsoft.com/office/drawing/2014/main" id="{1CE5E76C-50B9-4A9E-A76E-FDB8153F0A7A}"/>
               </a:ext>
             </a:extLst>
           </p:cNvPr>
@@ -6038,7 +6039,7 @@
           <p:cNvPr id="3" name="Content Placeholder 2">
             <a:extLst>
               <a:ext uri="{FF2B5EF4-FFF2-40B4-BE49-F238E27FC236}">
-                <a16:creationId xmlns:a16="http://schemas.microsoft.com/office/drawing/2014/main" xmlns="" id="{48F2C5EF-27DF-4405-B689-B76C63BA4D19}"/>
+                <a16:creationId xmlns:a16="http://schemas.microsoft.com/office/drawing/2014/main" id="{48F2C5EF-27DF-4405-B689-B76C63BA4D19}"/>
               </a:ext>
             </a:extLst>
           </p:cNvPr>
@@ -6100,7 +6101,7 @@
           <p:cNvPr id="9" name="Picture 8">
             <a:extLst>
               <a:ext uri="{FF2B5EF4-FFF2-40B4-BE49-F238E27FC236}">
-                <a16:creationId xmlns:a16="http://schemas.microsoft.com/office/drawing/2014/main" xmlns="" id="{CD2C4364-711E-460D-9CEB-9A4EB69FCDD5}"/>
+                <a16:creationId xmlns:a16="http://schemas.microsoft.com/office/drawing/2014/main" id="{CD2C4364-711E-460D-9CEB-9A4EB69FCDD5}"/>
               </a:ext>
             </a:extLst>
           </p:cNvPr>
@@ -6177,11 +6178,11 @@
           <a:lstStyle/>
           <a:p>
             <a:r>
-              <a:rPr lang="en-US" dirty="0" smtClean="0"/>
+              <a:rPr lang="en-US" dirty="0"/>
               <a:t>Offline Browsing </a:t>
             </a:r>
             <a:r>
-              <a:rPr lang="en-US" dirty="0" err="1" smtClean="0"/>
+              <a:rPr lang="en-US" dirty="0" err="1"/>
               <a:t>DEMo</a:t>
             </a:r>
             <a:endParaRPr lang="en-US" dirty="0"/>
@@ -6211,6 +6212,89 @@
     <p:extLst>
       <p:ext uri="{BB962C8B-B14F-4D97-AF65-F5344CB8AC3E}">
         <p14:creationId xmlns:p14="http://schemas.microsoft.com/office/powerpoint/2010/main" val="3599277956"/>
+      </p:ext>
+    </p:extLst>
+  </p:cSld>
+  <p:clrMapOvr>
+    <a:masterClrMapping/>
+  </p:clrMapOvr>
+</p:sld>
+</file>
+
+<file path=ppt/slides/slide13.xml><?xml version="1.0" encoding="utf-8"?>
+<p:sld xmlns:a="http://schemas.openxmlformats.org/drawingml/2006/main" xmlns:r="http://schemas.openxmlformats.org/officeDocument/2006/relationships" xmlns:p="http://schemas.openxmlformats.org/presentationml/2006/main">
+  <p:cSld>
+    <p:spTree>
+      <p:nvGrpSpPr>
+        <p:cNvPr id="1" name=""/>
+        <p:cNvGrpSpPr/>
+        <p:nvPr/>
+      </p:nvGrpSpPr>
+      <p:grpSpPr>
+        <a:xfrm>
+          <a:off x="0" y="0"/>
+          <a:ext cx="0" cy="0"/>
+          <a:chOff x="0" y="0"/>
+          <a:chExt cx="0" cy="0"/>
+        </a:xfrm>
+      </p:grpSpPr>
+      <p:sp>
+        <p:nvSpPr>
+          <p:cNvPr id="2" name="Title 1">
+            <a:extLst>
+              <a:ext uri="{FF2B5EF4-FFF2-40B4-BE49-F238E27FC236}">
+                <a16:creationId xmlns:a16="http://schemas.microsoft.com/office/drawing/2014/main" id="{9A417A89-8E44-44F6-B308-9426FD4B50F0}"/>
+              </a:ext>
+            </a:extLst>
+          </p:cNvPr>
+          <p:cNvSpPr>
+            <a:spLocks noGrp="1"/>
+          </p:cNvSpPr>
+          <p:nvPr>
+            <p:ph type="title"/>
+          </p:nvPr>
+        </p:nvSpPr>
+        <p:spPr/>
+        <p:txBody>
+          <a:bodyPr/>
+          <a:lstStyle/>
+          <a:p>
+            <a:r>
+              <a:rPr lang="en-US"/>
+              <a:t>Push notification</a:t>
+            </a:r>
+          </a:p>
+        </p:txBody>
+      </p:sp>
+      <p:sp>
+        <p:nvSpPr>
+          <p:cNvPr id="3" name="Content Placeholder 2">
+            <a:extLst>
+              <a:ext uri="{FF2B5EF4-FFF2-40B4-BE49-F238E27FC236}">
+                <a16:creationId xmlns:a16="http://schemas.microsoft.com/office/drawing/2014/main" id="{351E42AA-F625-464F-91D8-85ACA3C07519}"/>
+              </a:ext>
+            </a:extLst>
+          </p:cNvPr>
+          <p:cNvSpPr>
+            <a:spLocks noGrp="1"/>
+          </p:cNvSpPr>
+          <p:nvPr>
+            <p:ph idx="1"/>
+          </p:nvPr>
+        </p:nvSpPr>
+        <p:spPr/>
+        <p:txBody>
+          <a:bodyPr/>
+          <a:lstStyle/>
+          <a:p>
+            <a:endParaRPr lang="en-US"/>
+          </a:p>
+        </p:txBody>
+      </p:sp>
+    </p:spTree>
+    <p:extLst>
+      <p:ext uri="{BB962C8B-B14F-4D97-AF65-F5344CB8AC3E}">
+        <p14:creationId xmlns:p14="http://schemas.microsoft.com/office/powerpoint/2010/main" val="3636380"/>
       </p:ext>
     </p:extLst>
   </p:cSld>
@@ -6242,7 +6326,7 @@
           <p:cNvPr id="2" name="Title 1">
             <a:extLst>
               <a:ext uri="{FF2B5EF4-FFF2-40B4-BE49-F238E27FC236}">
-                <a16:creationId xmlns:a16="http://schemas.microsoft.com/office/drawing/2014/main" xmlns="" id="{43C726DE-43AE-4074-8247-C32968E8AF52}"/>
+                <a16:creationId xmlns:a16="http://schemas.microsoft.com/office/drawing/2014/main" id="{43C726DE-43AE-4074-8247-C32968E8AF52}"/>
               </a:ext>
             </a:extLst>
           </p:cNvPr>
@@ -6270,7 +6354,7 @@
           <p:cNvPr id="3" name="Content Placeholder 2">
             <a:extLst>
               <a:ext uri="{FF2B5EF4-FFF2-40B4-BE49-F238E27FC236}">
-                <a16:creationId xmlns:a16="http://schemas.microsoft.com/office/drawing/2014/main" xmlns="" id="{10E3FC0C-076C-491D-8372-24DDAECA570D}"/>
+                <a16:creationId xmlns:a16="http://schemas.microsoft.com/office/drawing/2014/main" id="{10E3FC0C-076C-491D-8372-24DDAECA570D}"/>
               </a:ext>
             </a:extLst>
           </p:cNvPr>
@@ -6314,36 +6398,23 @@
           </a:p>
           <a:p>
             <a:r>
-              <a:rPr lang="en-US" dirty="0" smtClean="0">
+              <a:rPr lang="en-US" dirty="0">
                 <a:solidFill>
                   <a:schemeClr val="tx1"/>
                 </a:solidFill>
               </a:rPr>
-              <a:t>Service Worker, Scope, </a:t>
-            </a:r>
+              <a:t>Service Worker, Scope, Service Worker Lifecycle</a:t>
+            </a:r>
+          </a:p>
+          <a:p>
             <a:r>
               <a:rPr lang="en-US" dirty="0">
-                <a:solidFill>
-                  <a:schemeClr val="tx1"/>
-                </a:solidFill>
-              </a:rPr>
-              <a:t>Service Worker Lifecycle</a:t>
-            </a:r>
-          </a:p>
-          <a:p>
-            <a:r>
-              <a:rPr lang="en-US" dirty="0" smtClean="0">
                 <a:solidFill>
                   <a:schemeClr val="tx1"/>
                 </a:solidFill>
               </a:rPr>
               <a:t>Events(Caching strategy) </a:t>
             </a:r>
-            <a:endParaRPr lang="en-US" dirty="0">
-              <a:solidFill>
-                <a:schemeClr val="tx1"/>
-              </a:solidFill>
-            </a:endParaRPr>
           </a:p>
           <a:p>
             <a:r>
@@ -6362,39 +6433,18 @@
                   <a:schemeClr val="tx1"/>
                 </a:solidFill>
               </a:rPr>
-              <a:t>Web App </a:t>
-            </a:r>
-            <a:r>
-              <a:rPr lang="en-US" dirty="0" smtClean="0">
+              <a:t>Web App Manifest</a:t>
+            </a:r>
+          </a:p>
+          <a:p>
+            <a:r>
+              <a:rPr lang="en-US" dirty="0">
                 <a:solidFill>
                   <a:schemeClr val="tx1"/>
                 </a:solidFill>
               </a:rPr>
-              <a:t>Manifest</a:t>
-            </a:r>
-          </a:p>
-          <a:p>
-            <a:r>
-              <a:rPr lang="en-US" dirty="0">
-                <a:solidFill>
-                  <a:schemeClr val="tx1"/>
-                </a:solidFill>
-              </a:rPr>
-              <a:t>Offline </a:t>
-            </a:r>
-            <a:r>
-              <a:rPr lang="en-US" dirty="0" smtClean="0">
-                <a:solidFill>
-                  <a:schemeClr val="tx1"/>
-                </a:solidFill>
-              </a:rPr>
-              <a:t>Browsing</a:t>
-            </a:r>
-            <a:endParaRPr lang="en-US" dirty="0">
-              <a:solidFill>
-                <a:schemeClr val="tx1"/>
-              </a:solidFill>
-            </a:endParaRPr>
+              <a:t>Offline Browsing</a:t>
+            </a:r>
           </a:p>
           <a:p>
             <a:r>
@@ -6408,7 +6458,7 @@
           </a:p>
           <a:p>
             <a:r>
-              <a:rPr lang="en-US" dirty="0" err="1" smtClean="0">
+              <a:rPr lang="en-US" dirty="0" err="1">
                 <a:solidFill>
                   <a:schemeClr val="tx1"/>
                 </a:solidFill>
@@ -6484,7 +6534,7 @@
           <p:cNvPr id="2" name="Title 1">
             <a:extLst>
               <a:ext uri="{FF2B5EF4-FFF2-40B4-BE49-F238E27FC236}">
-                <a16:creationId xmlns:a16="http://schemas.microsoft.com/office/drawing/2014/main" xmlns="" id="{5B8E0E3C-7724-4C66-AFF5-DEE7E703DFD6}"/>
+                <a16:creationId xmlns:a16="http://schemas.microsoft.com/office/drawing/2014/main" id="{5B8E0E3C-7724-4C66-AFF5-DEE7E703DFD6}"/>
               </a:ext>
             </a:extLst>
           </p:cNvPr>
@@ -6530,7 +6580,7 @@
           <p:cNvPr id="3" name="Content Placeholder 2">
             <a:extLst>
               <a:ext uri="{FF2B5EF4-FFF2-40B4-BE49-F238E27FC236}">
-                <a16:creationId xmlns:a16="http://schemas.microsoft.com/office/drawing/2014/main" xmlns="" id="{4CC45F13-5C9B-49D4-8F3B-059D4CBDC62B}"/>
+                <a16:creationId xmlns:a16="http://schemas.microsoft.com/office/drawing/2014/main" id="{4CC45F13-5C9B-49D4-8F3B-059D4CBDC62B}"/>
               </a:ext>
             </a:extLst>
           </p:cNvPr>
@@ -6699,7 +6749,7 @@
           <p:cNvPr id="2" name="Title 1">
             <a:extLst>
               <a:ext uri="{FF2B5EF4-FFF2-40B4-BE49-F238E27FC236}">
-                <a16:creationId xmlns:a16="http://schemas.microsoft.com/office/drawing/2014/main" xmlns="" id="{FD1776FB-59EC-4639-A7DF-71C67569EBF1}"/>
+                <a16:creationId xmlns:a16="http://schemas.microsoft.com/office/drawing/2014/main" id="{FD1776FB-59EC-4639-A7DF-71C67569EBF1}"/>
               </a:ext>
             </a:extLst>
           </p:cNvPr>
@@ -6732,7 +6782,7 @@
           <p:cNvPr id="3" name="Content Placeholder 2">
             <a:extLst>
               <a:ext uri="{FF2B5EF4-FFF2-40B4-BE49-F238E27FC236}">
-                <a16:creationId xmlns:a16="http://schemas.microsoft.com/office/drawing/2014/main" xmlns="" id="{04FF6E83-715A-4753-898C-0F8BC4606043}"/>
+                <a16:creationId xmlns:a16="http://schemas.microsoft.com/office/drawing/2014/main" id="{04FF6E83-715A-4753-898C-0F8BC4606043}"/>
               </a:ext>
             </a:extLst>
           </p:cNvPr>
@@ -6834,7 +6884,7 @@
           <p:cNvPr id="2" name="Title 1">
             <a:extLst>
               <a:ext uri="{FF2B5EF4-FFF2-40B4-BE49-F238E27FC236}">
-                <a16:creationId xmlns:a16="http://schemas.microsoft.com/office/drawing/2014/main" xmlns="" id="{3F2B6B2B-52E3-44A1-B06E-81EDEADA04F5}"/>
+                <a16:creationId xmlns:a16="http://schemas.microsoft.com/office/drawing/2014/main" id="{3F2B6B2B-52E3-44A1-B06E-81EDEADA04F5}"/>
               </a:ext>
             </a:extLst>
           </p:cNvPr>
@@ -6871,7 +6921,7 @@
           <p:cNvPr id="3" name="Content Placeholder 2">
             <a:extLst>
               <a:ext uri="{FF2B5EF4-FFF2-40B4-BE49-F238E27FC236}">
-                <a16:creationId xmlns:a16="http://schemas.microsoft.com/office/drawing/2014/main" xmlns="" id="{89426F1F-F7A3-44F6-B515-7260B22129D5}"/>
+                <a16:creationId xmlns:a16="http://schemas.microsoft.com/office/drawing/2014/main" id="{89426F1F-F7A3-44F6-B515-7260B22129D5}"/>
               </a:ext>
             </a:extLst>
           </p:cNvPr>
@@ -6943,7 +6993,7 @@
           <p:cNvPr id="2" name="Title 1">
             <a:extLst>
               <a:ext uri="{FF2B5EF4-FFF2-40B4-BE49-F238E27FC236}">
-                <a16:creationId xmlns:a16="http://schemas.microsoft.com/office/drawing/2014/main" xmlns="" id="{5998A157-FCD1-4C27-8F6E-F674ED02688B}"/>
+                <a16:creationId xmlns:a16="http://schemas.microsoft.com/office/drawing/2014/main" id="{5998A157-FCD1-4C27-8F6E-F674ED02688B}"/>
               </a:ext>
             </a:extLst>
           </p:cNvPr>
@@ -6976,7 +7026,7 @@
           <p:cNvPr id="3" name="Content Placeholder 2">
             <a:extLst>
               <a:ext uri="{FF2B5EF4-FFF2-40B4-BE49-F238E27FC236}">
-                <a16:creationId xmlns:a16="http://schemas.microsoft.com/office/drawing/2014/main" xmlns="" id="{267068F6-BE1B-4F5F-92E0-84E8573583EA}"/>
+                <a16:creationId xmlns:a16="http://schemas.microsoft.com/office/drawing/2014/main" id="{267068F6-BE1B-4F5F-92E0-84E8573583EA}"/>
               </a:ext>
             </a:extLst>
           </p:cNvPr>
@@ -7060,21 +7110,8 @@
                   <a:schemeClr val="tx1"/>
                 </a:solidFill>
               </a:rPr>
-              <a:t>Service worker allowing you to control how network requests from your page are handled</a:t>
-            </a:r>
-            <a:r>
-              <a:rPr lang="en-US" dirty="0" smtClean="0">
-                <a:solidFill>
-                  <a:schemeClr val="tx1"/>
-                </a:solidFill>
-              </a:rPr>
-              <a:t>.</a:t>
-            </a:r>
-            <a:endParaRPr lang="en-US" dirty="0">
-              <a:solidFill>
-                <a:schemeClr val="tx1"/>
-              </a:solidFill>
-            </a:endParaRPr>
+              <a:t>Service worker allowing you to control how network requests from your page are handled.</a:t>
+            </a:r>
           </a:p>
           <a:p>
             <a:pPr marL="457200" indent="-457200">
@@ -7103,21 +7140,8 @@
                   <a:schemeClr val="tx1"/>
                 </a:solidFill>
               </a:rPr>
-              <a:t> API</a:t>
-            </a:r>
-            <a:r>
-              <a:rPr lang="en-US" dirty="0" smtClean="0">
-                <a:solidFill>
-                  <a:schemeClr val="tx1"/>
-                </a:solidFill>
-              </a:rPr>
-              <a:t>.</a:t>
-            </a:r>
-            <a:endParaRPr lang="en-US" dirty="0">
-              <a:solidFill>
-                <a:schemeClr val="tx1"/>
-              </a:solidFill>
-            </a:endParaRPr>
+              <a:t> API.</a:t>
+            </a:r>
           </a:p>
           <a:p>
             <a:pPr marL="457200" indent="-457200">
@@ -7177,7 +7201,7 @@
           <p:cNvPr id="2" name="Title 1">
             <a:extLst>
               <a:ext uri="{FF2B5EF4-FFF2-40B4-BE49-F238E27FC236}">
-                <a16:creationId xmlns:a16="http://schemas.microsoft.com/office/drawing/2014/main" xmlns="" id="{9CB72FEE-B902-40F9-AACA-EC55CA6C6720}"/>
+                <a16:creationId xmlns:a16="http://schemas.microsoft.com/office/drawing/2014/main" id="{9CB72FEE-B902-40F9-AACA-EC55CA6C6720}"/>
               </a:ext>
             </a:extLst>
           </p:cNvPr>
@@ -7210,7 +7234,7 @@
           <p:cNvPr id="5" name="Content Placeholder 4">
             <a:extLst>
               <a:ext uri="{FF2B5EF4-FFF2-40B4-BE49-F238E27FC236}">
-                <a16:creationId xmlns:a16="http://schemas.microsoft.com/office/drawing/2014/main" xmlns="" id="{0EEE8D40-76BA-4EA2-AD2D-6D9B6259AE63}"/>
+                <a16:creationId xmlns:a16="http://schemas.microsoft.com/office/drawing/2014/main" id="{0EEE8D40-76BA-4EA2-AD2D-6D9B6259AE63}"/>
               </a:ext>
             </a:extLst>
           </p:cNvPr>
@@ -7291,12 +7315,8 @@
           <a:lstStyle/>
           <a:p>
             <a:r>
-              <a:rPr lang="en-US" dirty="0" smtClean="0"/>
+              <a:rPr lang="en-US" dirty="0"/>
               <a:t>Events</a:t>
-            </a:r>
-            <a:r>
-              <a:rPr lang="en-US" dirty="0"/>
-              <a:t/>
             </a:r>
             <a:br>
               <a:rPr lang="en-US" dirty="0"/>
@@ -7327,45 +7347,6 @@
           </a:bodyPr>
           <a:lstStyle/>
           <a:p>
-            <a:endParaRPr lang="en-US" dirty="0" smtClean="0">
-              <a:solidFill>
-                <a:schemeClr val="tx1"/>
-              </a:solidFill>
-            </a:endParaRPr>
-          </a:p>
-          <a:p>
-            <a:r>
-              <a:rPr lang="en-US" dirty="0" smtClean="0">
-                <a:solidFill>
-                  <a:schemeClr val="tx1"/>
-                </a:solidFill>
-              </a:rPr>
-              <a:t>On Install: After registered and downloaded, </a:t>
-            </a:r>
-            <a:r>
-              <a:rPr lang="en-US" dirty="0" err="1" smtClean="0">
-                <a:solidFill>
-                  <a:schemeClr val="tx1"/>
-                </a:solidFill>
-              </a:rPr>
-              <a:t>sw</a:t>
-            </a:r>
-            <a:r>
-              <a:rPr lang="en-US" dirty="0" smtClean="0">
-                <a:solidFill>
-                  <a:schemeClr val="tx1"/>
-                </a:solidFill>
-              </a:rPr>
-              <a:t> get installed in the background. Suitable for static assets like </a:t>
-            </a:r>
-            <a:r>
-              <a:rPr lang="en-US" dirty="0" err="1" smtClean="0">
-                <a:solidFill>
-                  <a:schemeClr val="tx1"/>
-                </a:solidFill>
-              </a:rPr>
-              <a:t>js,css,img</a:t>
-            </a:r>
             <a:endParaRPr lang="en-US" dirty="0">
               <a:solidFill>
                 <a:schemeClr val="tx1"/>
@@ -7379,55 +7360,57 @@
                   <a:schemeClr val="tx1"/>
                 </a:solidFill>
               </a:rPr>
-              <a:t>On </a:t>
-            </a:r>
-            <a:r>
-              <a:rPr lang="en-US" dirty="0" smtClean="0">
+              <a:t>On Install: After registered and downloaded, </a:t>
+            </a:r>
+            <a:r>
+              <a:rPr lang="en-US" dirty="0" err="1">
                 <a:solidFill>
                   <a:schemeClr val="tx1"/>
                 </a:solidFill>
               </a:rPr>
-              <a:t>activate: After install stage is finished. SW now in control of things within its scope. Suitable for clean up old cache and update new version.</a:t>
-            </a:r>
-          </a:p>
-          <a:p>
-            <a:r>
-              <a:rPr lang="en-US" dirty="0" smtClean="0">
+              <a:t>sw</a:t>
+            </a:r>
+            <a:r>
+              <a:rPr lang="en-US" dirty="0">
                 <a:solidFill>
                   <a:schemeClr val="tx1"/>
                 </a:solidFill>
               </a:rPr>
-              <a:t>On </a:t>
-            </a:r>
-            <a:r>
-              <a:rPr lang="en-US" dirty="0">
+              <a:t> get installed in the background. Suitable for static assets like </a:t>
+            </a:r>
+            <a:r>
+              <a:rPr lang="en-US" dirty="0" err="1">
                 <a:solidFill>
                   <a:schemeClr val="tx1"/>
                 </a:solidFill>
               </a:rPr>
-              <a:t>network </a:t>
-            </a:r>
-            <a:r>
-              <a:rPr lang="en-US" dirty="0" smtClean="0">
-                <a:solidFill>
-                  <a:schemeClr val="tx1"/>
-                </a:solidFill>
-              </a:rPr>
-              <a:t>response (Fetch): When browser download data. Suitable fo</a:t>
-            </a:r>
-            <a:r>
-              <a:rPr lang="en-US" dirty="0" smtClean="0">
-                <a:solidFill>
-                  <a:schemeClr val="tx1"/>
-                </a:solidFill>
-              </a:rPr>
-              <a:t>r caching web request, response</a:t>
-            </a:r>
-            <a:endParaRPr lang="en-US" dirty="0" smtClean="0">
+              <a:t>js,css,img</a:t>
+            </a:r>
+            <a:endParaRPr lang="en-US" dirty="0">
               <a:solidFill>
                 <a:schemeClr val="tx1"/>
               </a:solidFill>
             </a:endParaRPr>
+          </a:p>
+          <a:p>
+            <a:r>
+              <a:rPr lang="en-US" dirty="0">
+                <a:solidFill>
+                  <a:schemeClr val="tx1"/>
+                </a:solidFill>
+              </a:rPr>
+              <a:t>On activate: After install stage is finished. SW now in control of things within its scope. Suitable for clean up old cache and update new version.</a:t>
+            </a:r>
+          </a:p>
+          <a:p>
+            <a:r>
+              <a:rPr lang="en-US" dirty="0">
+                <a:solidFill>
+                  <a:schemeClr val="tx1"/>
+                </a:solidFill>
+              </a:rPr>
+              <a:t>On network response (Fetch): When browser download data. Suitable for caching web request, response</a:t>
+            </a:r>
           </a:p>
           <a:p>
             <a:endParaRPr lang="en-US" dirty="0">
@@ -7521,7 +7504,7 @@
           <p:cNvPr id="2" name="Title 1">
             <a:extLst>
               <a:ext uri="{FF2B5EF4-FFF2-40B4-BE49-F238E27FC236}">
-                <a16:creationId xmlns:a16="http://schemas.microsoft.com/office/drawing/2014/main" xmlns="" id="{C8B43DA7-2345-408B-AB8C-F23698E6052C}"/>
+                <a16:creationId xmlns:a16="http://schemas.microsoft.com/office/drawing/2014/main" id="{C8B43DA7-2345-408B-AB8C-F23698E6052C}"/>
               </a:ext>
             </a:extLst>
           </p:cNvPr>
@@ -7546,7 +7529,7 @@
           <p:cNvPr id="4" name="Content Placeholder 3">
             <a:extLst>
               <a:ext uri="{FF2B5EF4-FFF2-40B4-BE49-F238E27FC236}">
-                <a16:creationId xmlns:a16="http://schemas.microsoft.com/office/drawing/2014/main" xmlns="" id="{416C16D3-06DA-434A-A615-91B440249FC7}"/>
+                <a16:creationId xmlns:a16="http://schemas.microsoft.com/office/drawing/2014/main" id="{416C16D3-06DA-434A-A615-91B440249FC7}"/>
               </a:ext>
             </a:extLst>
           </p:cNvPr>

--- a/Progressive Web App/PWA.pptx
+++ b/Progressive Web App/PWA.pptx
@@ -6260,7 +6260,7 @@
           <a:lstStyle/>
           <a:p>
             <a:r>
-              <a:rPr lang="en-US"/>
+              <a:rPr lang="en-US" dirty="0"/>
               <a:t>Push notification</a:t>
             </a:r>
           </a:p>

--- a/Progressive Web App/PWA.pptx
+++ b/Progressive Web App/PWA.pptx
@@ -209,7 +209,7 @@
           <a:p>
             <a:fld id="{C72D6864-BB37-41A0-8C8D-E8C9E6E86ABA}" type="datetimeFigureOut">
               <a:rPr lang="en-US" smtClean="0"/>
-              <a:t>11/30/2018</a:t>
+              <a:t>12/1/2018</a:t>
             </a:fld>
             <a:endParaRPr lang="en-US"/>
           </a:p>
@@ -751,7 +751,7 @@
           <a:p>
             <a:fld id="{C04051DA-BB6C-4F90-AE63-86FA0FBECCA9}" type="datetimeFigureOut">
               <a:rPr lang="en-US" smtClean="0"/>
-              <a:t>11/30/2018</a:t>
+              <a:t>12/1/2018</a:t>
             </a:fld>
             <a:endParaRPr lang="en-US"/>
           </a:p>
@@ -1187,7 +1187,7 @@
           <a:p>
             <a:fld id="{C04051DA-BB6C-4F90-AE63-86FA0FBECCA9}" type="datetimeFigureOut">
               <a:rPr lang="en-US" smtClean="0"/>
-              <a:t>11/30/2018</a:t>
+              <a:t>12/1/2018</a:t>
             </a:fld>
             <a:endParaRPr lang="en-US"/>
           </a:p>
@@ -1437,7 +1437,7 @@
           <a:p>
             <a:fld id="{C04051DA-BB6C-4F90-AE63-86FA0FBECCA9}" type="datetimeFigureOut">
               <a:rPr lang="en-US" smtClean="0"/>
-              <a:t>11/30/2018</a:t>
+              <a:t>12/1/2018</a:t>
             </a:fld>
             <a:endParaRPr lang="en-US"/>
           </a:p>
@@ -1745,7 +1745,7 @@
           <a:p>
             <a:fld id="{C04051DA-BB6C-4F90-AE63-86FA0FBECCA9}" type="datetimeFigureOut">
               <a:rPr lang="en-US" smtClean="0"/>
-              <a:t>11/30/2018</a:t>
+              <a:t>12/1/2018</a:t>
             </a:fld>
             <a:endParaRPr lang="en-US"/>
           </a:p>
@@ -2063,7 +2063,7 @@
           <a:p>
             <a:fld id="{C04051DA-BB6C-4F90-AE63-86FA0FBECCA9}" type="datetimeFigureOut">
               <a:rPr lang="en-US" smtClean="0"/>
-              <a:t>11/30/2018</a:t>
+              <a:t>12/1/2018</a:t>
             </a:fld>
             <a:endParaRPr lang="en-US"/>
           </a:p>
@@ -2365,7 +2365,7 @@
           <a:p>
             <a:fld id="{C04051DA-BB6C-4F90-AE63-86FA0FBECCA9}" type="datetimeFigureOut">
               <a:rPr lang="en-US" smtClean="0"/>
-              <a:t>11/30/2018</a:t>
+              <a:t>12/1/2018</a:t>
             </a:fld>
             <a:endParaRPr lang="en-US"/>
           </a:p>
@@ -2732,7 +2732,7 @@
           <a:p>
             <a:fld id="{C04051DA-BB6C-4F90-AE63-86FA0FBECCA9}" type="datetimeFigureOut">
               <a:rPr lang="en-US" smtClean="0"/>
-              <a:t>11/30/2018</a:t>
+              <a:t>12/1/2018</a:t>
             </a:fld>
             <a:endParaRPr lang="en-US"/>
           </a:p>
@@ -2906,7 +2906,7 @@
           <a:p>
             <a:fld id="{C04051DA-BB6C-4F90-AE63-86FA0FBECCA9}" type="datetimeFigureOut">
               <a:rPr lang="en-US" smtClean="0"/>
-              <a:t>11/30/2018</a:t>
+              <a:t>12/1/2018</a:t>
             </a:fld>
             <a:endParaRPr lang="en-US"/>
           </a:p>
@@ -3086,7 +3086,7 @@
           <a:p>
             <a:fld id="{C04051DA-BB6C-4F90-AE63-86FA0FBECCA9}" type="datetimeFigureOut">
               <a:rPr lang="en-US" smtClean="0"/>
-              <a:t>11/30/2018</a:t>
+              <a:t>12/1/2018</a:t>
             </a:fld>
             <a:endParaRPr lang="en-US"/>
           </a:p>
@@ -3256,7 +3256,7 @@
           <a:p>
             <a:fld id="{C04051DA-BB6C-4F90-AE63-86FA0FBECCA9}" type="datetimeFigureOut">
               <a:rPr lang="en-US" smtClean="0"/>
-              <a:t>11/30/2018</a:t>
+              <a:t>12/1/2018</a:t>
             </a:fld>
             <a:endParaRPr lang="en-US"/>
           </a:p>
@@ -3506,7 +3506,7 @@
           <a:p>
             <a:fld id="{C04051DA-BB6C-4F90-AE63-86FA0FBECCA9}" type="datetimeFigureOut">
               <a:rPr lang="en-US" smtClean="0"/>
-              <a:t>11/30/2018</a:t>
+              <a:t>12/1/2018</a:t>
             </a:fld>
             <a:endParaRPr lang="en-US"/>
           </a:p>
@@ -3742,7 +3742,7 @@
           <a:p>
             <a:fld id="{C04051DA-BB6C-4F90-AE63-86FA0FBECCA9}" type="datetimeFigureOut">
               <a:rPr lang="en-US" smtClean="0"/>
-              <a:t>11/30/2018</a:t>
+              <a:t>12/1/2018</a:t>
             </a:fld>
             <a:endParaRPr lang="en-US"/>
           </a:p>
@@ -4124,7 +4124,7 @@
           <a:p>
             <a:fld id="{C04051DA-BB6C-4F90-AE63-86FA0FBECCA9}" type="datetimeFigureOut">
               <a:rPr lang="en-US" smtClean="0"/>
-              <a:t>11/30/2018</a:t>
+              <a:t>12/1/2018</a:t>
             </a:fld>
             <a:endParaRPr lang="en-US"/>
           </a:p>
@@ -4242,7 +4242,7 @@
           <a:p>
             <a:fld id="{C04051DA-BB6C-4F90-AE63-86FA0FBECCA9}" type="datetimeFigureOut">
               <a:rPr lang="en-US" smtClean="0"/>
-              <a:t>11/30/2018</a:t>
+              <a:t>12/1/2018</a:t>
             </a:fld>
             <a:endParaRPr lang="en-US"/>
           </a:p>
@@ -4337,7 +4337,7 @@
           <a:p>
             <a:fld id="{C04051DA-BB6C-4F90-AE63-86FA0FBECCA9}" type="datetimeFigureOut">
               <a:rPr lang="en-US" smtClean="0"/>
-              <a:t>11/30/2018</a:t>
+              <a:t>12/1/2018</a:t>
             </a:fld>
             <a:endParaRPr lang="en-US"/>
           </a:p>
@@ -4592,7 +4592,7 @@
           <a:p>
             <a:fld id="{C04051DA-BB6C-4F90-AE63-86FA0FBECCA9}" type="datetimeFigureOut">
               <a:rPr lang="en-US" smtClean="0"/>
-              <a:t>11/30/2018</a:t>
+              <a:t>12/1/2018</a:t>
             </a:fld>
             <a:endParaRPr lang="en-US"/>
           </a:p>
@@ -4875,7 +4875,7 @@
           <a:p>
             <a:fld id="{C04051DA-BB6C-4F90-AE63-86FA0FBECCA9}" type="datetimeFigureOut">
               <a:rPr lang="en-US" smtClean="0"/>
-              <a:t>11/30/2018</a:t>
+              <a:t>12/1/2018</a:t>
             </a:fld>
             <a:endParaRPr lang="en-US"/>
           </a:p>
@@ -5281,7 +5281,7 @@
           <a:p>
             <a:fld id="{C04051DA-BB6C-4F90-AE63-86FA0FBECCA9}" type="datetimeFigureOut">
               <a:rPr lang="en-US" smtClean="0"/>
-              <a:t>11/30/2018</a:t>
+              <a:t>12/1/2018</a:t>
             </a:fld>
             <a:endParaRPr lang="en-US"/>
           </a:p>
@@ -5821,7 +5821,7 @@
           <p:cNvPr id="2" name="Title 1">
             <a:extLst>
               <a:ext uri="{FF2B5EF4-FFF2-40B4-BE49-F238E27FC236}">
-                <a16:creationId xmlns:a16="http://schemas.microsoft.com/office/drawing/2014/main" id="{1DEC1DD5-CABD-4CE3-BAAC-EDF7607001A4}"/>
+                <a16:creationId xmlns:a16="http://schemas.microsoft.com/office/drawing/2014/main" xmlns="" id="{1DEC1DD5-CABD-4CE3-BAAC-EDF7607001A4}"/>
               </a:ext>
             </a:extLst>
           </p:cNvPr>
@@ -5849,7 +5849,7 @@
           <p:cNvPr id="3" name="Subtitle 2">
             <a:extLst>
               <a:ext uri="{FF2B5EF4-FFF2-40B4-BE49-F238E27FC236}">
-                <a16:creationId xmlns:a16="http://schemas.microsoft.com/office/drawing/2014/main" id="{B6A676DF-C18E-4D54-8352-938FA317F453}"/>
+                <a16:creationId xmlns:a16="http://schemas.microsoft.com/office/drawing/2014/main" xmlns="" id="{B6A676DF-C18E-4D54-8352-938FA317F453}"/>
               </a:ext>
             </a:extLst>
           </p:cNvPr>
@@ -5904,7 +5904,7 @@
           <p:cNvPr id="2" name="Title 1">
             <a:extLst>
               <a:ext uri="{FF2B5EF4-FFF2-40B4-BE49-F238E27FC236}">
-                <a16:creationId xmlns:a16="http://schemas.microsoft.com/office/drawing/2014/main" id="{4C563FB7-B9B0-4A8B-A4AB-449E119AE454}"/>
+                <a16:creationId xmlns:a16="http://schemas.microsoft.com/office/drawing/2014/main" xmlns="" id="{4C563FB7-B9B0-4A8B-A4AB-449E119AE454}"/>
               </a:ext>
             </a:extLst>
           </p:cNvPr>
@@ -5937,7 +5937,7 @@
           <p:cNvPr id="6" name="Content Placeholder 5">
             <a:extLst>
               <a:ext uri="{FF2B5EF4-FFF2-40B4-BE49-F238E27FC236}">
-                <a16:creationId xmlns:a16="http://schemas.microsoft.com/office/drawing/2014/main" id="{DEE54AF1-098B-421B-B35F-D03D5723B00C}"/>
+                <a16:creationId xmlns:a16="http://schemas.microsoft.com/office/drawing/2014/main" xmlns="" id="{DEE54AF1-098B-421B-B35F-D03D5723B00C}"/>
               </a:ext>
             </a:extLst>
           </p:cNvPr>
@@ -6002,7 +6002,7 @@
           <p:cNvPr id="2" name="Title 1">
             <a:extLst>
               <a:ext uri="{FF2B5EF4-FFF2-40B4-BE49-F238E27FC236}">
-                <a16:creationId xmlns:a16="http://schemas.microsoft.com/office/drawing/2014/main" id="{1CE5E76C-50B9-4A9E-A76E-FDB8153F0A7A}"/>
+                <a16:creationId xmlns:a16="http://schemas.microsoft.com/office/drawing/2014/main" xmlns="" id="{1CE5E76C-50B9-4A9E-A76E-FDB8153F0A7A}"/>
               </a:ext>
             </a:extLst>
           </p:cNvPr>
@@ -6039,7 +6039,7 @@
           <p:cNvPr id="3" name="Content Placeholder 2">
             <a:extLst>
               <a:ext uri="{FF2B5EF4-FFF2-40B4-BE49-F238E27FC236}">
-                <a16:creationId xmlns:a16="http://schemas.microsoft.com/office/drawing/2014/main" id="{48F2C5EF-27DF-4405-B689-B76C63BA4D19}"/>
+                <a16:creationId xmlns:a16="http://schemas.microsoft.com/office/drawing/2014/main" xmlns="" id="{48F2C5EF-27DF-4405-B689-B76C63BA4D19}"/>
               </a:ext>
             </a:extLst>
           </p:cNvPr>
@@ -6101,7 +6101,7 @@
           <p:cNvPr id="9" name="Picture 8">
             <a:extLst>
               <a:ext uri="{FF2B5EF4-FFF2-40B4-BE49-F238E27FC236}">
-                <a16:creationId xmlns:a16="http://schemas.microsoft.com/office/drawing/2014/main" id="{CD2C4364-711E-460D-9CEB-9A4EB69FCDD5}"/>
+                <a16:creationId xmlns:a16="http://schemas.microsoft.com/office/drawing/2014/main" xmlns="" id="{CD2C4364-711E-460D-9CEB-9A4EB69FCDD5}"/>
               </a:ext>
             </a:extLst>
           </p:cNvPr>
@@ -6243,7 +6243,7 @@
           <p:cNvPr id="2" name="Title 1">
             <a:extLst>
               <a:ext uri="{FF2B5EF4-FFF2-40B4-BE49-F238E27FC236}">
-                <a16:creationId xmlns:a16="http://schemas.microsoft.com/office/drawing/2014/main" id="{9A417A89-8E44-44F6-B308-9426FD4B50F0}"/>
+                <a16:creationId xmlns:a16="http://schemas.microsoft.com/office/drawing/2014/main" xmlns="" id="{9A417A89-8E44-44F6-B308-9426FD4B50F0}"/>
               </a:ext>
             </a:extLst>
           </p:cNvPr>
@@ -6271,7 +6271,7 @@
           <p:cNvPr id="3" name="Content Placeholder 2">
             <a:extLst>
               <a:ext uri="{FF2B5EF4-FFF2-40B4-BE49-F238E27FC236}">
-                <a16:creationId xmlns:a16="http://schemas.microsoft.com/office/drawing/2014/main" id="{351E42AA-F625-464F-91D8-85ACA3C07519}"/>
+                <a16:creationId xmlns:a16="http://schemas.microsoft.com/office/drawing/2014/main" xmlns="" id="{351E42AA-F625-464F-91D8-85ACA3C07519}"/>
               </a:ext>
             </a:extLst>
           </p:cNvPr>
@@ -6287,7 +6287,44 @@
           <a:bodyPr/>
           <a:lstStyle/>
           <a:p>
-            <a:endParaRPr lang="en-US"/>
+            <a:r>
+              <a:rPr lang="en-US" dirty="0">
+                <a:solidFill>
+                  <a:schemeClr val="tx1"/>
+                </a:solidFill>
+              </a:rPr>
+              <a:t>VAPID protocol: is short for Voluntary Application Server Identification. It’s a specification that defines a handshake between your app server and the push service and allows the push service to confirm which site is sending messages.</a:t>
+            </a:r>
+          </a:p>
+          <a:p>
+            <a:r>
+              <a:rPr lang="en-US" smtClean="0">
+                <a:solidFill>
+                  <a:schemeClr val="tx1"/>
+                </a:solidFill>
+              </a:rPr>
+              <a:t>Push Notification Events </a:t>
+            </a:r>
+            <a:r>
+              <a:rPr lang="en-US" dirty="0">
+                <a:solidFill>
+                  <a:schemeClr val="tx1"/>
+                </a:solidFill>
+              </a:rPr>
+              <a:t/>
+            </a:r>
+            <a:br>
+              <a:rPr lang="en-US" dirty="0">
+                <a:solidFill>
+                  <a:schemeClr val="tx1"/>
+                </a:solidFill>
+              </a:rPr>
+            </a:br>
+            <a:endParaRPr lang="en-US" dirty="0">
+              <a:solidFill>
+                <a:schemeClr val="tx1"/>
+              </a:solidFill>
+            </a:endParaRPr>
           </a:p>
         </p:txBody>
       </p:sp>
@@ -6326,7 +6363,7 @@
           <p:cNvPr id="2" name="Title 1">
             <a:extLst>
               <a:ext uri="{FF2B5EF4-FFF2-40B4-BE49-F238E27FC236}">
-                <a16:creationId xmlns:a16="http://schemas.microsoft.com/office/drawing/2014/main" id="{43C726DE-43AE-4074-8247-C32968E8AF52}"/>
+                <a16:creationId xmlns:a16="http://schemas.microsoft.com/office/drawing/2014/main" xmlns="" id="{43C726DE-43AE-4074-8247-C32968E8AF52}"/>
               </a:ext>
             </a:extLst>
           </p:cNvPr>
@@ -6354,7 +6391,7 @@
           <p:cNvPr id="3" name="Content Placeholder 2">
             <a:extLst>
               <a:ext uri="{FF2B5EF4-FFF2-40B4-BE49-F238E27FC236}">
-                <a16:creationId xmlns:a16="http://schemas.microsoft.com/office/drawing/2014/main" id="{10E3FC0C-076C-491D-8372-24DDAECA570D}"/>
+                <a16:creationId xmlns:a16="http://schemas.microsoft.com/office/drawing/2014/main" xmlns="" id="{10E3FC0C-076C-491D-8372-24DDAECA570D}"/>
               </a:ext>
             </a:extLst>
           </p:cNvPr>
@@ -6534,7 +6571,7 @@
           <p:cNvPr id="2" name="Title 1">
             <a:extLst>
               <a:ext uri="{FF2B5EF4-FFF2-40B4-BE49-F238E27FC236}">
-                <a16:creationId xmlns:a16="http://schemas.microsoft.com/office/drawing/2014/main" id="{5B8E0E3C-7724-4C66-AFF5-DEE7E703DFD6}"/>
+                <a16:creationId xmlns:a16="http://schemas.microsoft.com/office/drawing/2014/main" xmlns="" id="{5B8E0E3C-7724-4C66-AFF5-DEE7E703DFD6}"/>
               </a:ext>
             </a:extLst>
           </p:cNvPr>
@@ -6580,7 +6617,7 @@
           <p:cNvPr id="3" name="Content Placeholder 2">
             <a:extLst>
               <a:ext uri="{FF2B5EF4-FFF2-40B4-BE49-F238E27FC236}">
-                <a16:creationId xmlns:a16="http://schemas.microsoft.com/office/drawing/2014/main" id="{4CC45F13-5C9B-49D4-8F3B-059D4CBDC62B}"/>
+                <a16:creationId xmlns:a16="http://schemas.microsoft.com/office/drawing/2014/main" xmlns="" id="{4CC45F13-5C9B-49D4-8F3B-059D4CBDC62B}"/>
               </a:ext>
             </a:extLst>
           </p:cNvPr>
@@ -6749,7 +6786,7 @@
           <p:cNvPr id="2" name="Title 1">
             <a:extLst>
               <a:ext uri="{FF2B5EF4-FFF2-40B4-BE49-F238E27FC236}">
-                <a16:creationId xmlns:a16="http://schemas.microsoft.com/office/drawing/2014/main" id="{FD1776FB-59EC-4639-A7DF-71C67569EBF1}"/>
+                <a16:creationId xmlns:a16="http://schemas.microsoft.com/office/drawing/2014/main" xmlns="" id="{FD1776FB-59EC-4639-A7DF-71C67569EBF1}"/>
               </a:ext>
             </a:extLst>
           </p:cNvPr>
@@ -6782,7 +6819,7 @@
           <p:cNvPr id="3" name="Content Placeholder 2">
             <a:extLst>
               <a:ext uri="{FF2B5EF4-FFF2-40B4-BE49-F238E27FC236}">
-                <a16:creationId xmlns:a16="http://schemas.microsoft.com/office/drawing/2014/main" id="{04FF6E83-715A-4753-898C-0F8BC4606043}"/>
+                <a16:creationId xmlns:a16="http://schemas.microsoft.com/office/drawing/2014/main" xmlns="" id="{04FF6E83-715A-4753-898C-0F8BC4606043}"/>
               </a:ext>
             </a:extLst>
           </p:cNvPr>
@@ -6884,7 +6921,7 @@
           <p:cNvPr id="2" name="Title 1">
             <a:extLst>
               <a:ext uri="{FF2B5EF4-FFF2-40B4-BE49-F238E27FC236}">
-                <a16:creationId xmlns:a16="http://schemas.microsoft.com/office/drawing/2014/main" id="{3F2B6B2B-52E3-44A1-B06E-81EDEADA04F5}"/>
+                <a16:creationId xmlns:a16="http://schemas.microsoft.com/office/drawing/2014/main" xmlns="" id="{3F2B6B2B-52E3-44A1-B06E-81EDEADA04F5}"/>
               </a:ext>
             </a:extLst>
           </p:cNvPr>
@@ -6921,7 +6958,7 @@
           <p:cNvPr id="3" name="Content Placeholder 2">
             <a:extLst>
               <a:ext uri="{FF2B5EF4-FFF2-40B4-BE49-F238E27FC236}">
-                <a16:creationId xmlns:a16="http://schemas.microsoft.com/office/drawing/2014/main" id="{89426F1F-F7A3-44F6-B515-7260B22129D5}"/>
+                <a16:creationId xmlns:a16="http://schemas.microsoft.com/office/drawing/2014/main" xmlns="" id="{89426F1F-F7A3-44F6-B515-7260B22129D5}"/>
               </a:ext>
             </a:extLst>
           </p:cNvPr>
@@ -6993,7 +7030,7 @@
           <p:cNvPr id="2" name="Title 1">
             <a:extLst>
               <a:ext uri="{FF2B5EF4-FFF2-40B4-BE49-F238E27FC236}">
-                <a16:creationId xmlns:a16="http://schemas.microsoft.com/office/drawing/2014/main" id="{5998A157-FCD1-4C27-8F6E-F674ED02688B}"/>
+                <a16:creationId xmlns:a16="http://schemas.microsoft.com/office/drawing/2014/main" xmlns="" id="{5998A157-FCD1-4C27-8F6E-F674ED02688B}"/>
               </a:ext>
             </a:extLst>
           </p:cNvPr>
@@ -7026,7 +7063,7 @@
           <p:cNvPr id="3" name="Content Placeholder 2">
             <a:extLst>
               <a:ext uri="{FF2B5EF4-FFF2-40B4-BE49-F238E27FC236}">
-                <a16:creationId xmlns:a16="http://schemas.microsoft.com/office/drawing/2014/main" id="{267068F6-BE1B-4F5F-92E0-84E8573583EA}"/>
+                <a16:creationId xmlns:a16="http://schemas.microsoft.com/office/drawing/2014/main" xmlns="" id="{267068F6-BE1B-4F5F-92E0-84E8573583EA}"/>
               </a:ext>
             </a:extLst>
           </p:cNvPr>
@@ -7201,7 +7238,7 @@
           <p:cNvPr id="2" name="Title 1">
             <a:extLst>
               <a:ext uri="{FF2B5EF4-FFF2-40B4-BE49-F238E27FC236}">
-                <a16:creationId xmlns:a16="http://schemas.microsoft.com/office/drawing/2014/main" id="{9CB72FEE-B902-40F9-AACA-EC55CA6C6720}"/>
+                <a16:creationId xmlns:a16="http://schemas.microsoft.com/office/drawing/2014/main" xmlns="" id="{9CB72FEE-B902-40F9-AACA-EC55CA6C6720}"/>
               </a:ext>
             </a:extLst>
           </p:cNvPr>
@@ -7234,7 +7271,7 @@
           <p:cNvPr id="5" name="Content Placeholder 4">
             <a:extLst>
               <a:ext uri="{FF2B5EF4-FFF2-40B4-BE49-F238E27FC236}">
-                <a16:creationId xmlns:a16="http://schemas.microsoft.com/office/drawing/2014/main" id="{0EEE8D40-76BA-4EA2-AD2D-6D9B6259AE63}"/>
+                <a16:creationId xmlns:a16="http://schemas.microsoft.com/office/drawing/2014/main" xmlns="" id="{0EEE8D40-76BA-4EA2-AD2D-6D9B6259AE63}"/>
               </a:ext>
             </a:extLst>
           </p:cNvPr>
@@ -7504,7 +7541,7 @@
           <p:cNvPr id="2" name="Title 1">
             <a:extLst>
               <a:ext uri="{FF2B5EF4-FFF2-40B4-BE49-F238E27FC236}">
-                <a16:creationId xmlns:a16="http://schemas.microsoft.com/office/drawing/2014/main" id="{C8B43DA7-2345-408B-AB8C-F23698E6052C}"/>
+                <a16:creationId xmlns:a16="http://schemas.microsoft.com/office/drawing/2014/main" xmlns="" id="{C8B43DA7-2345-408B-AB8C-F23698E6052C}"/>
               </a:ext>
             </a:extLst>
           </p:cNvPr>
@@ -7529,7 +7566,7 @@
           <p:cNvPr id="4" name="Content Placeholder 3">
             <a:extLst>
               <a:ext uri="{FF2B5EF4-FFF2-40B4-BE49-F238E27FC236}">
-                <a16:creationId xmlns:a16="http://schemas.microsoft.com/office/drawing/2014/main" id="{416C16D3-06DA-434A-A615-91B440249FC7}"/>
+                <a16:creationId xmlns:a16="http://schemas.microsoft.com/office/drawing/2014/main" xmlns="" id="{416C16D3-06DA-434A-A615-91B440249FC7}"/>
               </a:ext>
             </a:extLst>
           </p:cNvPr>

--- a/Progressive Web App/PWA.pptx
+++ b/Progressive Web App/PWA.pptx
@@ -5,7 +5,7 @@
     <p:sldMasterId id="2147483660" r:id="rId1"/>
   </p:sldMasterIdLst>
   <p:notesMasterIdLst>
-    <p:notesMasterId r:id="rId15"/>
+    <p:notesMasterId r:id="rId16"/>
   </p:notesMasterIdLst>
   <p:sldIdLst>
     <p:sldId id="256" r:id="rId2"/>
@@ -20,7 +20,8 @@
     <p:sldId id="265" r:id="rId11"/>
     <p:sldId id="266" r:id="rId12"/>
     <p:sldId id="267" r:id="rId13"/>
-    <p:sldId id="268" r:id="rId14"/>
+    <p:sldId id="269" r:id="rId14"/>
+    <p:sldId id="268" r:id="rId15"/>
   </p:sldIdLst>
   <p:sldSz cx="12192000" cy="6858000"/>
   <p:notesSz cx="6858000" cy="9144000"/>
@@ -209,7 +210,7 @@
           <a:p>
             <a:fld id="{C72D6864-BB37-41A0-8C8D-E8C9E6E86ABA}" type="datetimeFigureOut">
               <a:rPr lang="en-US" smtClean="0"/>
-              <a:t>12/1/2018</a:t>
+              <a:t>1/16/2019</a:t>
             </a:fld>
             <a:endParaRPr lang="en-US"/>
           </a:p>
@@ -751,7 +752,7 @@
           <a:p>
             <a:fld id="{C04051DA-BB6C-4F90-AE63-86FA0FBECCA9}" type="datetimeFigureOut">
               <a:rPr lang="en-US" smtClean="0"/>
-              <a:t>12/1/2018</a:t>
+              <a:t>1/16/2019</a:t>
             </a:fld>
             <a:endParaRPr lang="en-US"/>
           </a:p>
@@ -1187,7 +1188,7 @@
           <a:p>
             <a:fld id="{C04051DA-BB6C-4F90-AE63-86FA0FBECCA9}" type="datetimeFigureOut">
               <a:rPr lang="en-US" smtClean="0"/>
-              <a:t>12/1/2018</a:t>
+              <a:t>1/16/2019</a:t>
             </a:fld>
             <a:endParaRPr lang="en-US"/>
           </a:p>
@@ -1437,7 +1438,7 @@
           <a:p>
             <a:fld id="{C04051DA-BB6C-4F90-AE63-86FA0FBECCA9}" type="datetimeFigureOut">
               <a:rPr lang="en-US" smtClean="0"/>
-              <a:t>12/1/2018</a:t>
+              <a:t>1/16/2019</a:t>
             </a:fld>
             <a:endParaRPr lang="en-US"/>
           </a:p>
@@ -1745,7 +1746,7 @@
           <a:p>
             <a:fld id="{C04051DA-BB6C-4F90-AE63-86FA0FBECCA9}" type="datetimeFigureOut">
               <a:rPr lang="en-US" smtClean="0"/>
-              <a:t>12/1/2018</a:t>
+              <a:t>1/16/2019</a:t>
             </a:fld>
             <a:endParaRPr lang="en-US"/>
           </a:p>
@@ -2063,7 +2064,7 @@
           <a:p>
             <a:fld id="{C04051DA-BB6C-4F90-AE63-86FA0FBECCA9}" type="datetimeFigureOut">
               <a:rPr lang="en-US" smtClean="0"/>
-              <a:t>12/1/2018</a:t>
+              <a:t>1/16/2019</a:t>
             </a:fld>
             <a:endParaRPr lang="en-US"/>
           </a:p>
@@ -2365,7 +2366,7 @@
           <a:p>
             <a:fld id="{C04051DA-BB6C-4F90-AE63-86FA0FBECCA9}" type="datetimeFigureOut">
               <a:rPr lang="en-US" smtClean="0"/>
-              <a:t>12/1/2018</a:t>
+              <a:t>1/16/2019</a:t>
             </a:fld>
             <a:endParaRPr lang="en-US"/>
           </a:p>
@@ -2732,7 +2733,7 @@
           <a:p>
             <a:fld id="{C04051DA-BB6C-4F90-AE63-86FA0FBECCA9}" type="datetimeFigureOut">
               <a:rPr lang="en-US" smtClean="0"/>
-              <a:t>12/1/2018</a:t>
+              <a:t>1/16/2019</a:t>
             </a:fld>
             <a:endParaRPr lang="en-US"/>
           </a:p>
@@ -2906,7 +2907,7 @@
           <a:p>
             <a:fld id="{C04051DA-BB6C-4F90-AE63-86FA0FBECCA9}" type="datetimeFigureOut">
               <a:rPr lang="en-US" smtClean="0"/>
-              <a:t>12/1/2018</a:t>
+              <a:t>1/16/2019</a:t>
             </a:fld>
             <a:endParaRPr lang="en-US"/>
           </a:p>
@@ -3086,7 +3087,7 @@
           <a:p>
             <a:fld id="{C04051DA-BB6C-4F90-AE63-86FA0FBECCA9}" type="datetimeFigureOut">
               <a:rPr lang="en-US" smtClean="0"/>
-              <a:t>12/1/2018</a:t>
+              <a:t>1/16/2019</a:t>
             </a:fld>
             <a:endParaRPr lang="en-US"/>
           </a:p>
@@ -3256,7 +3257,7 @@
           <a:p>
             <a:fld id="{C04051DA-BB6C-4F90-AE63-86FA0FBECCA9}" type="datetimeFigureOut">
               <a:rPr lang="en-US" smtClean="0"/>
-              <a:t>12/1/2018</a:t>
+              <a:t>1/16/2019</a:t>
             </a:fld>
             <a:endParaRPr lang="en-US"/>
           </a:p>
@@ -3506,7 +3507,7 @@
           <a:p>
             <a:fld id="{C04051DA-BB6C-4F90-AE63-86FA0FBECCA9}" type="datetimeFigureOut">
               <a:rPr lang="en-US" smtClean="0"/>
-              <a:t>12/1/2018</a:t>
+              <a:t>1/16/2019</a:t>
             </a:fld>
             <a:endParaRPr lang="en-US"/>
           </a:p>
@@ -3742,7 +3743,7 @@
           <a:p>
             <a:fld id="{C04051DA-BB6C-4F90-AE63-86FA0FBECCA9}" type="datetimeFigureOut">
               <a:rPr lang="en-US" smtClean="0"/>
-              <a:t>12/1/2018</a:t>
+              <a:t>1/16/2019</a:t>
             </a:fld>
             <a:endParaRPr lang="en-US"/>
           </a:p>
@@ -4124,7 +4125,7 @@
           <a:p>
             <a:fld id="{C04051DA-BB6C-4F90-AE63-86FA0FBECCA9}" type="datetimeFigureOut">
               <a:rPr lang="en-US" smtClean="0"/>
-              <a:t>12/1/2018</a:t>
+              <a:t>1/16/2019</a:t>
             </a:fld>
             <a:endParaRPr lang="en-US"/>
           </a:p>
@@ -4242,7 +4243,7 @@
           <a:p>
             <a:fld id="{C04051DA-BB6C-4F90-AE63-86FA0FBECCA9}" type="datetimeFigureOut">
               <a:rPr lang="en-US" smtClean="0"/>
-              <a:t>12/1/2018</a:t>
+              <a:t>1/16/2019</a:t>
             </a:fld>
             <a:endParaRPr lang="en-US"/>
           </a:p>
@@ -4337,7 +4338,7 @@
           <a:p>
             <a:fld id="{C04051DA-BB6C-4F90-AE63-86FA0FBECCA9}" type="datetimeFigureOut">
               <a:rPr lang="en-US" smtClean="0"/>
-              <a:t>12/1/2018</a:t>
+              <a:t>1/16/2019</a:t>
             </a:fld>
             <a:endParaRPr lang="en-US"/>
           </a:p>
@@ -4592,7 +4593,7 @@
           <a:p>
             <a:fld id="{C04051DA-BB6C-4F90-AE63-86FA0FBECCA9}" type="datetimeFigureOut">
               <a:rPr lang="en-US" smtClean="0"/>
-              <a:t>12/1/2018</a:t>
+              <a:t>1/16/2019</a:t>
             </a:fld>
             <a:endParaRPr lang="en-US"/>
           </a:p>
@@ -4875,7 +4876,7 @@
           <a:p>
             <a:fld id="{C04051DA-BB6C-4F90-AE63-86FA0FBECCA9}" type="datetimeFigureOut">
               <a:rPr lang="en-US" smtClean="0"/>
-              <a:t>12/1/2018</a:t>
+              <a:t>1/16/2019</a:t>
             </a:fld>
             <a:endParaRPr lang="en-US"/>
           </a:p>
@@ -5281,7 +5282,7 @@
           <a:p>
             <a:fld id="{C04051DA-BB6C-4F90-AE63-86FA0FBECCA9}" type="datetimeFigureOut">
               <a:rPr lang="en-US" smtClean="0"/>
-              <a:t>12/1/2018</a:t>
+              <a:t>1/16/2019</a:t>
             </a:fld>
             <a:endParaRPr lang="en-US"/>
           </a:p>
@@ -5821,7 +5822,7 @@
           <p:cNvPr id="2" name="Title 1">
             <a:extLst>
               <a:ext uri="{FF2B5EF4-FFF2-40B4-BE49-F238E27FC236}">
-                <a16:creationId xmlns:a16="http://schemas.microsoft.com/office/drawing/2014/main" xmlns="" id="{1DEC1DD5-CABD-4CE3-BAAC-EDF7607001A4}"/>
+                <a16:creationId xmlns="" xmlns:a16="http://schemas.microsoft.com/office/drawing/2014/main" id="{1DEC1DD5-CABD-4CE3-BAAC-EDF7607001A4}"/>
               </a:ext>
             </a:extLst>
           </p:cNvPr>
@@ -5849,7 +5850,7 @@
           <p:cNvPr id="3" name="Subtitle 2">
             <a:extLst>
               <a:ext uri="{FF2B5EF4-FFF2-40B4-BE49-F238E27FC236}">
-                <a16:creationId xmlns:a16="http://schemas.microsoft.com/office/drawing/2014/main" xmlns="" id="{B6A676DF-C18E-4D54-8352-938FA317F453}"/>
+                <a16:creationId xmlns="" xmlns:a16="http://schemas.microsoft.com/office/drawing/2014/main" id="{B6A676DF-C18E-4D54-8352-938FA317F453}"/>
               </a:ext>
             </a:extLst>
           </p:cNvPr>
@@ -5904,7 +5905,7 @@
           <p:cNvPr id="2" name="Title 1">
             <a:extLst>
               <a:ext uri="{FF2B5EF4-FFF2-40B4-BE49-F238E27FC236}">
-                <a16:creationId xmlns:a16="http://schemas.microsoft.com/office/drawing/2014/main" xmlns="" id="{4C563FB7-B9B0-4A8B-A4AB-449E119AE454}"/>
+                <a16:creationId xmlns="" xmlns:a16="http://schemas.microsoft.com/office/drawing/2014/main" id="{4C563FB7-B9B0-4A8B-A4AB-449E119AE454}"/>
               </a:ext>
             </a:extLst>
           </p:cNvPr>
@@ -5937,7 +5938,7 @@
           <p:cNvPr id="6" name="Content Placeholder 5">
             <a:extLst>
               <a:ext uri="{FF2B5EF4-FFF2-40B4-BE49-F238E27FC236}">
-                <a16:creationId xmlns:a16="http://schemas.microsoft.com/office/drawing/2014/main" xmlns="" id="{DEE54AF1-098B-421B-B35F-D03D5723B00C}"/>
+                <a16:creationId xmlns="" xmlns:a16="http://schemas.microsoft.com/office/drawing/2014/main" id="{DEE54AF1-098B-421B-B35F-D03D5723B00C}"/>
               </a:ext>
             </a:extLst>
           </p:cNvPr>
@@ -6002,7 +6003,7 @@
           <p:cNvPr id="2" name="Title 1">
             <a:extLst>
               <a:ext uri="{FF2B5EF4-FFF2-40B4-BE49-F238E27FC236}">
-                <a16:creationId xmlns:a16="http://schemas.microsoft.com/office/drawing/2014/main" xmlns="" id="{1CE5E76C-50B9-4A9E-A76E-FDB8153F0A7A}"/>
+                <a16:creationId xmlns="" xmlns:a16="http://schemas.microsoft.com/office/drawing/2014/main" id="{1CE5E76C-50B9-4A9E-A76E-FDB8153F0A7A}"/>
               </a:ext>
             </a:extLst>
           </p:cNvPr>
@@ -6039,7 +6040,7 @@
           <p:cNvPr id="3" name="Content Placeholder 2">
             <a:extLst>
               <a:ext uri="{FF2B5EF4-FFF2-40B4-BE49-F238E27FC236}">
-                <a16:creationId xmlns:a16="http://schemas.microsoft.com/office/drawing/2014/main" xmlns="" id="{48F2C5EF-27DF-4405-B689-B76C63BA4D19}"/>
+                <a16:creationId xmlns="" xmlns:a16="http://schemas.microsoft.com/office/drawing/2014/main" id="{48F2C5EF-27DF-4405-B689-B76C63BA4D19}"/>
               </a:ext>
             </a:extLst>
           </p:cNvPr>
@@ -6101,7 +6102,7 @@
           <p:cNvPr id="9" name="Picture 8">
             <a:extLst>
               <a:ext uri="{FF2B5EF4-FFF2-40B4-BE49-F238E27FC236}">
-                <a16:creationId xmlns:a16="http://schemas.microsoft.com/office/drawing/2014/main" xmlns="" id="{CD2C4364-711E-460D-9CEB-9A4EB69FCDD5}"/>
+                <a16:creationId xmlns="" xmlns:a16="http://schemas.microsoft.com/office/drawing/2014/main" id="{CD2C4364-711E-460D-9CEB-9A4EB69FCDD5}"/>
               </a:ext>
             </a:extLst>
           </p:cNvPr>
@@ -6240,10 +6241,92 @@
       </p:grpSpPr>
       <p:sp>
         <p:nvSpPr>
+          <p:cNvPr id="2" name="Title 1"/>
+          <p:cNvSpPr>
+            <a:spLocks noGrp="1"/>
+          </p:cNvSpPr>
+          <p:nvPr>
+            <p:ph type="title"/>
+          </p:nvPr>
+        </p:nvSpPr>
+        <p:spPr/>
+        <p:txBody>
+          <a:bodyPr/>
+          <a:lstStyle/>
+          <a:p>
+            <a:r>
+              <a:rPr lang="en-US" dirty="0" smtClean="0"/>
+              <a:t>PUSH NOTIFICATION</a:t>
+            </a:r>
+            <a:endParaRPr lang="en-US" dirty="0"/>
+          </a:p>
+        </p:txBody>
+      </p:sp>
+      <p:pic>
+        <p:nvPicPr>
+          <p:cNvPr id="4" name="Content Placeholder 3"/>
+          <p:cNvPicPr>
+            <a:picLocks noGrp="1" noChangeAspect="1"/>
+          </p:cNvPicPr>
+          <p:nvPr>
+            <p:ph idx="1"/>
+          </p:nvPr>
+        </p:nvPicPr>
+        <p:blipFill>
+          <a:blip r:embed="rId2">
+            <a:extLst>
+              <a:ext uri="{28A0092B-C50C-407E-A947-70E740481C1C}">
+                <a14:useLocalDpi xmlns:a14="http://schemas.microsoft.com/office/drawing/2010/main" val="0"/>
+              </a:ext>
+            </a:extLst>
+          </a:blip>
+          <a:stretch>
+            <a:fillRect/>
+          </a:stretch>
+        </p:blipFill>
+        <p:spPr>
+          <a:xfrm>
+            <a:off x="1557916" y="685800"/>
+            <a:ext cx="6786993" cy="3614738"/>
+          </a:xfrm>
+        </p:spPr>
+      </p:pic>
+    </p:spTree>
+    <p:extLst>
+      <p:ext uri="{BB962C8B-B14F-4D97-AF65-F5344CB8AC3E}">
+        <p14:creationId xmlns:p14="http://schemas.microsoft.com/office/powerpoint/2010/main" val="3925466188"/>
+      </p:ext>
+    </p:extLst>
+  </p:cSld>
+  <p:clrMapOvr>
+    <a:masterClrMapping/>
+  </p:clrMapOvr>
+</p:sld>
+</file>
+
+<file path=ppt/slides/slide14.xml><?xml version="1.0" encoding="utf-8"?>
+<p:sld xmlns:a="http://schemas.openxmlformats.org/drawingml/2006/main" xmlns:r="http://schemas.openxmlformats.org/officeDocument/2006/relationships" xmlns:p="http://schemas.openxmlformats.org/presentationml/2006/main">
+  <p:cSld>
+    <p:spTree>
+      <p:nvGrpSpPr>
+        <p:cNvPr id="1" name=""/>
+        <p:cNvGrpSpPr/>
+        <p:nvPr/>
+      </p:nvGrpSpPr>
+      <p:grpSpPr>
+        <a:xfrm>
+          <a:off x="0" y="0"/>
+          <a:ext cx="0" cy="0"/>
+          <a:chOff x="0" y="0"/>
+          <a:chExt cx="0" cy="0"/>
+        </a:xfrm>
+      </p:grpSpPr>
+      <p:sp>
+        <p:nvSpPr>
           <p:cNvPr id="2" name="Title 1">
             <a:extLst>
               <a:ext uri="{FF2B5EF4-FFF2-40B4-BE49-F238E27FC236}">
-                <a16:creationId xmlns:a16="http://schemas.microsoft.com/office/drawing/2014/main" xmlns="" id="{9A417A89-8E44-44F6-B308-9426FD4B50F0}"/>
+                <a16:creationId xmlns="" xmlns:a16="http://schemas.microsoft.com/office/drawing/2014/main" id="{9A417A89-8E44-44F6-B308-9426FD4B50F0}"/>
               </a:ext>
             </a:extLst>
           </p:cNvPr>
@@ -6254,7 +6337,12 @@
             <p:ph type="title"/>
           </p:nvPr>
         </p:nvSpPr>
-        <p:spPr/>
+        <p:spPr>
+          <a:xfrm>
+            <a:off x="279098" y="5350933"/>
+            <a:ext cx="8534400" cy="1507067"/>
+          </a:xfrm>
+        </p:spPr>
         <p:txBody>
           <a:bodyPr/>
           <a:lstStyle/>
@@ -6271,7 +6359,7 @@
           <p:cNvPr id="3" name="Content Placeholder 2">
             <a:extLst>
               <a:ext uri="{FF2B5EF4-FFF2-40B4-BE49-F238E27FC236}">
-                <a16:creationId xmlns:a16="http://schemas.microsoft.com/office/drawing/2014/main" xmlns="" id="{351E42AA-F625-464F-91D8-85ACA3C07519}"/>
+                <a16:creationId xmlns="" xmlns:a16="http://schemas.microsoft.com/office/drawing/2014/main" id="{351E42AA-F625-464F-91D8-85ACA3C07519}"/>
               </a:ext>
             </a:extLst>
           </p:cNvPr>
@@ -6282,29 +6370,21 @@
             <p:ph idx="1"/>
           </p:nvPr>
         </p:nvSpPr>
-        <p:spPr/>
-        <p:txBody>
-          <a:bodyPr/>
-          <a:lstStyle/>
-          <a:p>
-            <a:r>
-              <a:rPr lang="en-US" dirty="0">
-                <a:solidFill>
-                  <a:schemeClr val="tx1"/>
-                </a:solidFill>
-              </a:rPr>
-              <a:t>VAPID protocol: is short for Voluntary Application Server Identification. It’s a specification that defines a handshake between your app server and the push service and allows the push service to confirm which site is sending messages.</a:t>
-            </a:r>
-          </a:p>
-          <a:p>
-            <a:r>
-              <a:rPr lang="en-US" smtClean="0">
-                <a:solidFill>
-                  <a:schemeClr val="tx1"/>
-                </a:solidFill>
-              </a:rPr>
-              <a:t>Push Notification Events </a:t>
-            </a:r>
+        <p:spPr>
+          <a:xfrm>
+            <a:off x="684212" y="685800"/>
+            <a:ext cx="10427484" cy="4789025"/>
+          </a:xfrm>
+        </p:spPr>
+        <p:txBody>
+          <a:bodyPr>
+            <a:noAutofit/>
+          </a:bodyPr>
+          <a:lstStyle/>
+          <a:p>
+            <a:pPr marL="0" indent="0">
+              <a:buNone/>
+            </a:pPr>
             <a:r>
               <a:rPr lang="en-US" dirty="0">
                 <a:solidFill>
@@ -6325,6 +6405,78 @@
                 <a:schemeClr val="tx1"/>
               </a:solidFill>
             </a:endParaRPr>
+          </a:p>
+        </p:txBody>
+      </p:sp>
+      <p:sp>
+        <p:nvSpPr>
+          <p:cNvPr id="6" name="Rectangle 5"/>
+          <p:cNvSpPr/>
+          <p:nvPr/>
+        </p:nvSpPr>
+        <p:spPr>
+          <a:xfrm>
+            <a:off x="788383" y="960700"/>
+            <a:ext cx="9617257" cy="3416320"/>
+          </a:xfrm>
+          <a:prstGeom prst="rect">
+            <a:avLst/>
+          </a:prstGeom>
+        </p:spPr>
+        <p:txBody>
+          <a:bodyPr wrap="square">
+            <a:spAutoFit/>
+          </a:bodyPr>
+          <a:lstStyle/>
+          <a:p>
+            <a:r>
+              <a:rPr lang="en-US" dirty="0"/>
+              <a:t>VAPID protocol: is short for Voluntary Application Server Identification. It’s a specification that defines a handshake between your app server and the push service and allows the push service to confirm which site is sending messages.</a:t>
+            </a:r>
+          </a:p>
+          <a:p>
+            <a:r>
+              <a:rPr lang="en-US" dirty="0"/>
+              <a:t>Push Notification Implementation step</a:t>
+            </a:r>
+            <a:r>
+              <a:rPr lang="en-US" dirty="0" smtClean="0"/>
+              <a:t>:</a:t>
+            </a:r>
+          </a:p>
+          <a:p>
+            <a:endParaRPr lang="en-US" dirty="0"/>
+          </a:p>
+          <a:p>
+            <a:pPr marL="457200" indent="-457200">
+              <a:buFont typeface="+mj-lt"/>
+              <a:buAutoNum type="arabicPeriod"/>
+            </a:pPr>
+            <a:r>
+              <a:rPr lang="en-US" dirty="0"/>
+              <a:t>Adding the client side logic to subscribe a user to push (i.e. the JavaScript and UI in your web app that registers a user to push messages).</a:t>
+            </a:r>
+          </a:p>
+          <a:p>
+            <a:pPr marL="457200" indent="-457200">
+              <a:buFont typeface="+mj-lt"/>
+              <a:buAutoNum type="arabicPeriod"/>
+            </a:pPr>
+            <a:r>
+              <a:rPr lang="en-US" dirty="0"/>
+              <a:t>The API call from your back-end / application that triggers a push message to a user's device.</a:t>
+            </a:r>
+          </a:p>
+          <a:p>
+            <a:pPr marL="457200" indent="-457200">
+              <a:buFont typeface="+mj-lt"/>
+              <a:buAutoNum type="arabicPeriod"/>
+            </a:pPr>
+            <a:r>
+              <a:rPr lang="en-US" dirty="0"/>
+              <a:t>The service worker JavaScript file that will receive a "push event" when the push arrives on the device. It's in this JavaScript that you'll be able to show a notification.</a:t>
+            </a:r>
+            <a:endParaRPr lang="en-US" dirty="0"/>
           </a:p>
         </p:txBody>
       </p:sp>
@@ -6338,6 +6490,13 @@
   <p:clrMapOvr>
     <a:masterClrMapping/>
   </p:clrMapOvr>
+  <p:timing>
+    <p:tnLst>
+      <p:par>
+        <p:cTn id="1" dur="indefinite" restart="never" nodeType="tmRoot"/>
+      </p:par>
+    </p:tnLst>
+  </p:timing>
 </p:sld>
 </file>
 
@@ -6363,7 +6522,7 @@
           <p:cNvPr id="2" name="Title 1">
             <a:extLst>
               <a:ext uri="{FF2B5EF4-FFF2-40B4-BE49-F238E27FC236}">
-                <a16:creationId xmlns:a16="http://schemas.microsoft.com/office/drawing/2014/main" xmlns="" id="{43C726DE-43AE-4074-8247-C32968E8AF52}"/>
+                <a16:creationId xmlns="" xmlns:a16="http://schemas.microsoft.com/office/drawing/2014/main" id="{43C726DE-43AE-4074-8247-C32968E8AF52}"/>
               </a:ext>
             </a:extLst>
           </p:cNvPr>
@@ -6391,7 +6550,7 @@
           <p:cNvPr id="3" name="Content Placeholder 2">
             <a:extLst>
               <a:ext uri="{FF2B5EF4-FFF2-40B4-BE49-F238E27FC236}">
-                <a16:creationId xmlns:a16="http://schemas.microsoft.com/office/drawing/2014/main" xmlns="" id="{10E3FC0C-076C-491D-8372-24DDAECA570D}"/>
+                <a16:creationId xmlns="" xmlns:a16="http://schemas.microsoft.com/office/drawing/2014/main" id="{10E3FC0C-076C-491D-8372-24DDAECA570D}"/>
               </a:ext>
             </a:extLst>
           </p:cNvPr>
@@ -6571,7 +6730,7 @@
           <p:cNvPr id="2" name="Title 1">
             <a:extLst>
               <a:ext uri="{FF2B5EF4-FFF2-40B4-BE49-F238E27FC236}">
-                <a16:creationId xmlns:a16="http://schemas.microsoft.com/office/drawing/2014/main" xmlns="" id="{5B8E0E3C-7724-4C66-AFF5-DEE7E703DFD6}"/>
+                <a16:creationId xmlns="" xmlns:a16="http://schemas.microsoft.com/office/drawing/2014/main" id="{5B8E0E3C-7724-4C66-AFF5-DEE7E703DFD6}"/>
               </a:ext>
             </a:extLst>
           </p:cNvPr>
@@ -6617,7 +6776,7 @@
           <p:cNvPr id="3" name="Content Placeholder 2">
             <a:extLst>
               <a:ext uri="{FF2B5EF4-FFF2-40B4-BE49-F238E27FC236}">
-                <a16:creationId xmlns:a16="http://schemas.microsoft.com/office/drawing/2014/main" xmlns="" id="{4CC45F13-5C9B-49D4-8F3B-059D4CBDC62B}"/>
+                <a16:creationId xmlns="" xmlns:a16="http://schemas.microsoft.com/office/drawing/2014/main" id="{4CC45F13-5C9B-49D4-8F3B-059D4CBDC62B}"/>
               </a:ext>
             </a:extLst>
           </p:cNvPr>
@@ -6786,7 +6945,7 @@
           <p:cNvPr id="2" name="Title 1">
             <a:extLst>
               <a:ext uri="{FF2B5EF4-FFF2-40B4-BE49-F238E27FC236}">
-                <a16:creationId xmlns:a16="http://schemas.microsoft.com/office/drawing/2014/main" xmlns="" id="{FD1776FB-59EC-4639-A7DF-71C67569EBF1}"/>
+                <a16:creationId xmlns="" xmlns:a16="http://schemas.microsoft.com/office/drawing/2014/main" id="{FD1776FB-59EC-4639-A7DF-71C67569EBF1}"/>
               </a:ext>
             </a:extLst>
           </p:cNvPr>
@@ -6819,7 +6978,7 @@
           <p:cNvPr id="3" name="Content Placeholder 2">
             <a:extLst>
               <a:ext uri="{FF2B5EF4-FFF2-40B4-BE49-F238E27FC236}">
-                <a16:creationId xmlns:a16="http://schemas.microsoft.com/office/drawing/2014/main" xmlns="" id="{04FF6E83-715A-4753-898C-0F8BC4606043}"/>
+                <a16:creationId xmlns="" xmlns:a16="http://schemas.microsoft.com/office/drawing/2014/main" id="{04FF6E83-715A-4753-898C-0F8BC4606043}"/>
               </a:ext>
             </a:extLst>
           </p:cNvPr>
@@ -6921,7 +7080,7 @@
           <p:cNvPr id="2" name="Title 1">
             <a:extLst>
               <a:ext uri="{FF2B5EF4-FFF2-40B4-BE49-F238E27FC236}">
-                <a16:creationId xmlns:a16="http://schemas.microsoft.com/office/drawing/2014/main" xmlns="" id="{3F2B6B2B-52E3-44A1-B06E-81EDEADA04F5}"/>
+                <a16:creationId xmlns="" xmlns:a16="http://schemas.microsoft.com/office/drawing/2014/main" id="{3F2B6B2B-52E3-44A1-B06E-81EDEADA04F5}"/>
               </a:ext>
             </a:extLst>
           </p:cNvPr>
@@ -6958,7 +7117,7 @@
           <p:cNvPr id="3" name="Content Placeholder 2">
             <a:extLst>
               <a:ext uri="{FF2B5EF4-FFF2-40B4-BE49-F238E27FC236}">
-                <a16:creationId xmlns:a16="http://schemas.microsoft.com/office/drawing/2014/main" xmlns="" id="{89426F1F-F7A3-44F6-B515-7260B22129D5}"/>
+                <a16:creationId xmlns="" xmlns:a16="http://schemas.microsoft.com/office/drawing/2014/main" id="{89426F1F-F7A3-44F6-B515-7260B22129D5}"/>
               </a:ext>
             </a:extLst>
           </p:cNvPr>
@@ -7030,7 +7189,7 @@
           <p:cNvPr id="2" name="Title 1">
             <a:extLst>
               <a:ext uri="{FF2B5EF4-FFF2-40B4-BE49-F238E27FC236}">
-                <a16:creationId xmlns:a16="http://schemas.microsoft.com/office/drawing/2014/main" xmlns="" id="{5998A157-FCD1-4C27-8F6E-F674ED02688B}"/>
+                <a16:creationId xmlns="" xmlns:a16="http://schemas.microsoft.com/office/drawing/2014/main" id="{5998A157-FCD1-4C27-8F6E-F674ED02688B}"/>
               </a:ext>
             </a:extLst>
           </p:cNvPr>
@@ -7063,7 +7222,7 @@
           <p:cNvPr id="3" name="Content Placeholder 2">
             <a:extLst>
               <a:ext uri="{FF2B5EF4-FFF2-40B4-BE49-F238E27FC236}">
-                <a16:creationId xmlns:a16="http://schemas.microsoft.com/office/drawing/2014/main" xmlns="" id="{267068F6-BE1B-4F5F-92E0-84E8573583EA}"/>
+                <a16:creationId xmlns="" xmlns:a16="http://schemas.microsoft.com/office/drawing/2014/main" id="{267068F6-BE1B-4F5F-92E0-84E8573583EA}"/>
               </a:ext>
             </a:extLst>
           </p:cNvPr>
@@ -7238,7 +7397,7 @@
           <p:cNvPr id="2" name="Title 1">
             <a:extLst>
               <a:ext uri="{FF2B5EF4-FFF2-40B4-BE49-F238E27FC236}">
-                <a16:creationId xmlns:a16="http://schemas.microsoft.com/office/drawing/2014/main" xmlns="" id="{9CB72FEE-B902-40F9-AACA-EC55CA6C6720}"/>
+                <a16:creationId xmlns="" xmlns:a16="http://schemas.microsoft.com/office/drawing/2014/main" id="{9CB72FEE-B902-40F9-AACA-EC55CA6C6720}"/>
               </a:ext>
             </a:extLst>
           </p:cNvPr>
@@ -7271,7 +7430,7 @@
           <p:cNvPr id="5" name="Content Placeholder 4">
             <a:extLst>
               <a:ext uri="{FF2B5EF4-FFF2-40B4-BE49-F238E27FC236}">
-                <a16:creationId xmlns:a16="http://schemas.microsoft.com/office/drawing/2014/main" xmlns="" id="{0EEE8D40-76BA-4EA2-AD2D-6D9B6259AE63}"/>
+                <a16:creationId xmlns="" xmlns:a16="http://schemas.microsoft.com/office/drawing/2014/main" id="{0EEE8D40-76BA-4EA2-AD2D-6D9B6259AE63}"/>
               </a:ext>
             </a:extLst>
           </p:cNvPr>
@@ -7541,7 +7700,7 @@
           <p:cNvPr id="2" name="Title 1">
             <a:extLst>
               <a:ext uri="{FF2B5EF4-FFF2-40B4-BE49-F238E27FC236}">
-                <a16:creationId xmlns:a16="http://schemas.microsoft.com/office/drawing/2014/main" xmlns="" id="{C8B43DA7-2345-408B-AB8C-F23698E6052C}"/>
+                <a16:creationId xmlns="" xmlns:a16="http://schemas.microsoft.com/office/drawing/2014/main" id="{C8B43DA7-2345-408B-AB8C-F23698E6052C}"/>
               </a:ext>
             </a:extLst>
           </p:cNvPr>
@@ -7566,7 +7725,7 @@
           <p:cNvPr id="4" name="Content Placeholder 3">
             <a:extLst>
               <a:ext uri="{FF2B5EF4-FFF2-40B4-BE49-F238E27FC236}">
-                <a16:creationId xmlns:a16="http://schemas.microsoft.com/office/drawing/2014/main" xmlns="" id="{416C16D3-06DA-434A-A615-91B440249FC7}"/>
+                <a16:creationId xmlns="" xmlns:a16="http://schemas.microsoft.com/office/drawing/2014/main" id="{416C16D3-06DA-434A-A615-91B440249FC7}"/>
               </a:ext>
             </a:extLst>
           </p:cNvPr>

--- a/Progressive Web App/PWA.pptx
+++ b/Progressive Web App/PWA.pptx
@@ -6286,8 +6286,8 @@
         </p:blipFill>
         <p:spPr>
           <a:xfrm>
-            <a:off x="1557916" y="685800"/>
-            <a:ext cx="6786993" cy="3614738"/>
+            <a:off x="684212" y="685800"/>
+            <a:ext cx="9397337" cy="3985262"/>
           </a:xfrm>
         </p:spPr>
       </p:pic>
